--- a/Docs/FYP PRESENTATION.pptx
+++ b/Docs/FYP PRESENTATION.pptx
@@ -5,35 +5,36 @@
     <p:sldMasterId id="2147484037" r:id="rId1"/>
   </p:sldMasterIdLst>
   <p:notesMasterIdLst>
-    <p:notesMasterId r:id="rId28"/>
+    <p:notesMasterId r:id="rId29"/>
   </p:notesMasterIdLst>
   <p:sldIdLst>
     <p:sldId id="256" r:id="rId2"/>
-    <p:sldId id="257" r:id="rId3"/>
-    <p:sldId id="258" r:id="rId4"/>
-    <p:sldId id="259" r:id="rId5"/>
-    <p:sldId id="268" r:id="rId6"/>
-    <p:sldId id="264" r:id="rId7"/>
-    <p:sldId id="265" r:id="rId8"/>
-    <p:sldId id="269" r:id="rId9"/>
-    <p:sldId id="270" r:id="rId10"/>
-    <p:sldId id="271" r:id="rId11"/>
-    <p:sldId id="272" r:id="rId12"/>
-    <p:sldId id="273" r:id="rId13"/>
-    <p:sldId id="267" r:id="rId14"/>
-    <p:sldId id="274" r:id="rId15"/>
-    <p:sldId id="275" r:id="rId16"/>
-    <p:sldId id="276" r:id="rId17"/>
-    <p:sldId id="277" r:id="rId18"/>
-    <p:sldId id="278" r:id="rId19"/>
-    <p:sldId id="279" r:id="rId20"/>
-    <p:sldId id="280" r:id="rId21"/>
-    <p:sldId id="281" r:id="rId22"/>
-    <p:sldId id="282" r:id="rId23"/>
-    <p:sldId id="283" r:id="rId24"/>
-    <p:sldId id="284" r:id="rId25"/>
-    <p:sldId id="266" r:id="rId26"/>
-    <p:sldId id="285" r:id="rId27"/>
+    <p:sldId id="258" r:id="rId3"/>
+    <p:sldId id="259" r:id="rId4"/>
+    <p:sldId id="268" r:id="rId5"/>
+    <p:sldId id="264" r:id="rId6"/>
+    <p:sldId id="265" r:id="rId7"/>
+    <p:sldId id="269" r:id="rId8"/>
+    <p:sldId id="270" r:id="rId9"/>
+    <p:sldId id="271" r:id="rId10"/>
+    <p:sldId id="272" r:id="rId11"/>
+    <p:sldId id="273" r:id="rId12"/>
+    <p:sldId id="267" r:id="rId13"/>
+    <p:sldId id="274" r:id="rId14"/>
+    <p:sldId id="275" r:id="rId15"/>
+    <p:sldId id="276" r:id="rId16"/>
+    <p:sldId id="277" r:id="rId17"/>
+    <p:sldId id="278" r:id="rId18"/>
+    <p:sldId id="279" r:id="rId19"/>
+    <p:sldId id="280" r:id="rId20"/>
+    <p:sldId id="281" r:id="rId21"/>
+    <p:sldId id="282" r:id="rId22"/>
+    <p:sldId id="283" r:id="rId23"/>
+    <p:sldId id="284" r:id="rId24"/>
+    <p:sldId id="266" r:id="rId25"/>
+    <p:sldId id="285" r:id="rId26"/>
+    <p:sldId id="286" r:id="rId27"/>
+    <p:sldId id="288" r:id="rId28"/>
   </p:sldIdLst>
   <p:sldSz cx="12192000" cy="6858000"/>
   <p:notesSz cx="6858000" cy="9144000"/>
@@ -231,7 +232,7 @@
           <a:p>
             <a:fld id="{112CFCAE-922F-47CF-A137-3B9AF5AE2F9F}" type="datetimeFigureOut">
               <a:rPr lang="en-IN" smtClean="0"/>
-              <a:t>10-05-2021</a:t>
+              <a:t>12-05-2021</a:t>
             </a:fld>
             <a:endParaRPr lang="en-IN"/>
           </a:p>
@@ -1242,7 +1243,7 @@
           <a:p>
             <a:fld id="{51977C6F-67CB-4ACA-9CD4-A9CC4DD9C9A5}" type="datetimeFigureOut">
               <a:rPr lang="en-IN" smtClean="0"/>
-              <a:t>10-05-2021</a:t>
+              <a:t>12-05-2021</a:t>
             </a:fld>
             <a:endParaRPr lang="en-IN"/>
           </a:p>
@@ -1492,7 +1493,7 @@
           <a:p>
             <a:fld id="{51977C6F-67CB-4ACA-9CD4-A9CC4DD9C9A5}" type="datetimeFigureOut">
               <a:rPr lang="en-IN" smtClean="0"/>
-              <a:t>10-05-2021</a:t>
+              <a:t>12-05-2021</a:t>
             </a:fld>
             <a:endParaRPr lang="en-IN"/>
           </a:p>
@@ -1805,7 +1806,7 @@
           <a:p>
             <a:fld id="{51977C6F-67CB-4ACA-9CD4-A9CC4DD9C9A5}" type="datetimeFigureOut">
               <a:rPr lang="en-IN" smtClean="0"/>
-              <a:t>10-05-2021</a:t>
+              <a:t>12-05-2021</a:t>
             </a:fld>
             <a:endParaRPr lang="en-IN"/>
           </a:p>
@@ -2137,7 +2138,7 @@
           <a:p>
             <a:fld id="{51977C6F-67CB-4ACA-9CD4-A9CC4DD9C9A5}" type="datetimeFigureOut">
               <a:rPr lang="en-IN" smtClean="0"/>
-              <a:t>10-05-2021</a:t>
+              <a:t>12-05-2021</a:t>
             </a:fld>
             <a:endParaRPr lang="en-IN"/>
           </a:p>
@@ -2450,7 +2451,7 @@
           <a:p>
             <a:fld id="{51977C6F-67CB-4ACA-9CD4-A9CC4DD9C9A5}" type="datetimeFigureOut">
               <a:rPr lang="en-IN" smtClean="0"/>
-              <a:t>10-05-2021</a:t>
+              <a:t>12-05-2021</a:t>
             </a:fld>
             <a:endParaRPr lang="en-IN"/>
           </a:p>
@@ -2842,7 +2843,7 @@
           <a:p>
             <a:fld id="{51977C6F-67CB-4ACA-9CD4-A9CC4DD9C9A5}" type="datetimeFigureOut">
               <a:rPr lang="en-IN" smtClean="0"/>
-              <a:t>10-05-2021</a:t>
+              <a:t>12-05-2021</a:t>
             </a:fld>
             <a:endParaRPr lang="en-IN"/>
           </a:p>
@@ -3010,7 +3011,7 @@
           <a:p>
             <a:fld id="{51977C6F-67CB-4ACA-9CD4-A9CC4DD9C9A5}" type="datetimeFigureOut">
               <a:rPr lang="en-IN" smtClean="0"/>
-              <a:t>10-05-2021</a:t>
+              <a:t>12-05-2021</a:t>
             </a:fld>
             <a:endParaRPr lang="en-IN"/>
           </a:p>
@@ -3188,7 +3189,7 @@
           <a:p>
             <a:fld id="{51977C6F-67CB-4ACA-9CD4-A9CC4DD9C9A5}" type="datetimeFigureOut">
               <a:rPr lang="en-IN" smtClean="0"/>
-              <a:t>10-05-2021</a:t>
+              <a:t>12-05-2021</a:t>
             </a:fld>
             <a:endParaRPr lang="en-IN"/>
           </a:p>
@@ -3356,7 +3357,7 @@
           <a:p>
             <a:fld id="{51977C6F-67CB-4ACA-9CD4-A9CC4DD9C9A5}" type="datetimeFigureOut">
               <a:rPr lang="en-IN" smtClean="0"/>
-              <a:t>10-05-2021</a:t>
+              <a:t>12-05-2021</a:t>
             </a:fld>
             <a:endParaRPr lang="en-IN"/>
           </a:p>
@@ -3602,7 +3603,7 @@
           <a:p>
             <a:fld id="{51977C6F-67CB-4ACA-9CD4-A9CC4DD9C9A5}" type="datetimeFigureOut">
               <a:rPr lang="en-IN" smtClean="0"/>
-              <a:t>10-05-2021</a:t>
+              <a:t>12-05-2021</a:t>
             </a:fld>
             <a:endParaRPr lang="en-IN"/>
           </a:p>
@@ -3831,7 +3832,7 @@
           <a:p>
             <a:fld id="{51977C6F-67CB-4ACA-9CD4-A9CC4DD9C9A5}" type="datetimeFigureOut">
               <a:rPr lang="en-IN" smtClean="0"/>
-              <a:t>10-05-2021</a:t>
+              <a:t>12-05-2021</a:t>
             </a:fld>
             <a:endParaRPr lang="en-IN"/>
           </a:p>
@@ -4202,7 +4203,7 @@
           <a:p>
             <a:fld id="{51977C6F-67CB-4ACA-9CD4-A9CC4DD9C9A5}" type="datetimeFigureOut">
               <a:rPr lang="en-IN" smtClean="0"/>
-              <a:t>10-05-2021</a:t>
+              <a:t>12-05-2021</a:t>
             </a:fld>
             <a:endParaRPr lang="en-IN"/>
           </a:p>
@@ -4324,7 +4325,7 @@
           <a:p>
             <a:fld id="{51977C6F-67CB-4ACA-9CD4-A9CC4DD9C9A5}" type="datetimeFigureOut">
               <a:rPr lang="en-IN" smtClean="0"/>
-              <a:t>10-05-2021</a:t>
+              <a:t>12-05-2021</a:t>
             </a:fld>
             <a:endParaRPr lang="en-IN"/>
           </a:p>
@@ -4419,7 +4420,7 @@
           <a:p>
             <a:fld id="{51977C6F-67CB-4ACA-9CD4-A9CC4DD9C9A5}" type="datetimeFigureOut">
               <a:rPr lang="en-IN" smtClean="0"/>
-              <a:t>10-05-2021</a:t>
+              <a:t>12-05-2021</a:t>
             </a:fld>
             <a:endParaRPr lang="en-IN"/>
           </a:p>
@@ -4672,7 +4673,7 @@
           <a:p>
             <a:fld id="{51977C6F-67CB-4ACA-9CD4-A9CC4DD9C9A5}" type="datetimeFigureOut">
               <a:rPr lang="en-IN" smtClean="0"/>
-              <a:t>10-05-2021</a:t>
+              <a:t>12-05-2021</a:t>
             </a:fld>
             <a:endParaRPr lang="en-IN"/>
           </a:p>
@@ -4975,7 +4976,7 @@
           <a:p>
             <a:fld id="{51977C6F-67CB-4ACA-9CD4-A9CC4DD9C9A5}" type="datetimeFigureOut">
               <a:rPr lang="en-IN" smtClean="0"/>
-              <a:t>10-05-2021</a:t>
+              <a:t>12-05-2021</a:t>
             </a:fld>
             <a:endParaRPr lang="en-IN"/>
           </a:p>
@@ -5675,7 +5676,7 @@
           <a:p>
             <a:fld id="{51977C6F-67CB-4ACA-9CD4-A9CC4DD9C9A5}" type="datetimeFigureOut">
               <a:rPr lang="en-IN" smtClean="0"/>
-              <a:t>10-05-2021</a:t>
+              <a:t>12-05-2021</a:t>
             </a:fld>
             <a:endParaRPr lang="en-IN"/>
           </a:p>
@@ -6213,8 +6214,8 @@
         </p:nvSpPr>
         <p:spPr>
           <a:xfrm>
-            <a:off x="2266895" y="3009538"/>
-            <a:ext cx="7658210" cy="1200329"/>
+            <a:off x="648113" y="298689"/>
+            <a:ext cx="5001209" cy="738664"/>
           </a:xfrm>
           <a:prstGeom prst="rect">
             <a:avLst/>
@@ -6229,7 +6230,7 @@
           <a:p>
             <a:pPr algn="ctr"/>
             <a:r>
-              <a:rPr lang="en-US" sz="7200">
+              <a:rPr lang="en-US" sz="4200" dirty="0">
                 <a:ln w="0"/>
                 <a:solidFill>
                   <a:srgbClr val="00B0F0"/>
@@ -6244,7 +6245,7 @@
               </a:rPr>
               <a:t>Final Year Project</a:t>
             </a:r>
-            <a:endParaRPr lang="en-US" sz="7200">
+            <a:endParaRPr lang="en-US" sz="4200" dirty="0">
               <a:ln w="0"/>
               <a:solidFill>
                 <a:srgbClr val="00B0F0"/>
@@ -6274,8 +6275,8 @@
         </p:nvSpPr>
         <p:spPr>
           <a:xfrm>
-            <a:off x="2227384" y="4773766"/>
-            <a:ext cx="3868616" cy="1420838"/>
+            <a:off x="1366558" y="4771050"/>
+            <a:ext cx="3868616" cy="1882503"/>
           </a:xfrm>
           <a:prstGeom prst="rect">
             <a:avLst/>
@@ -6294,14 +6295,22 @@
               </a:lnSpc>
             </a:pPr>
             <a:r>
-              <a:rPr lang="en-IN" sz="2000">
+              <a:rPr lang="en-IN" sz="2000" u="sng" dirty="0">
                 <a:solidFill>
                   <a:srgbClr val="00B0F0"/>
                 </a:solidFill>
               </a:rPr>
-              <a:t>From Fourth Year BTech CSE</a:t>
-            </a:r>
-            <a:endParaRPr lang="en-US">
+              <a:t>Submitted By </a:t>
+            </a:r>
+            <a:r>
+              <a:rPr lang="en-IN" sz="2000" dirty="0">
+                <a:solidFill>
+                  <a:srgbClr val="00B0F0"/>
+                </a:solidFill>
+              </a:rPr>
+              <a:t>:</a:t>
+            </a:r>
+            <a:endParaRPr lang="en-US" dirty="0">
               <a:solidFill>
                 <a:srgbClr val="00B0F0"/>
               </a:solidFill>
@@ -6314,8 +6323,30 @@
               </a:lnSpc>
             </a:pPr>
             <a:r>
-              <a:rPr lang="en-IN" sz="2000" b="1"/>
-              <a:t>NATIONAL INSTITUTE OF TECHNOLOGY WARANGAL</a:t>
+              <a:rPr lang="en-IN" sz="2000" b="1" dirty="0"/>
+              <a:t>Neeraj Kumar Gond [177141]</a:t>
+            </a:r>
+          </a:p>
+          <a:p>
+            <a:pPr>
+              <a:lnSpc>
+                <a:spcPct val="150000"/>
+              </a:lnSpc>
+            </a:pPr>
+            <a:r>
+              <a:rPr lang="en-IN" sz="2000" b="1" dirty="0"/>
+              <a:t>Jaswant Meghwal     [177124]</a:t>
+            </a:r>
+          </a:p>
+          <a:p>
+            <a:pPr>
+              <a:lnSpc>
+                <a:spcPct val="150000"/>
+              </a:lnSpc>
+            </a:pPr>
+            <a:r>
+              <a:rPr lang="en-IN" sz="2000" b="1" dirty="0"/>
+              <a:t>Nikhil Kumar            [177142]</a:t>
             </a:r>
           </a:p>
         </p:txBody>
@@ -6334,7 +6365,7 @@
         </p:nvSpPr>
         <p:spPr>
           <a:xfrm>
-            <a:off x="7498327" y="5175122"/>
+            <a:off x="7376832" y="5268437"/>
             <a:ext cx="3868616" cy="959173"/>
           </a:xfrm>
           <a:prstGeom prst="rect">
@@ -6354,10 +6385,10 @@
               </a:lnSpc>
             </a:pPr>
             <a:r>
-              <a:rPr lang="en-IN" sz="2000" b="1"/>
+              <a:rPr lang="en-IN" sz="2000" b="1" dirty="0"/>
               <a:t>Dr. Sangharatna Godboley</a:t>
             </a:r>
-            <a:endParaRPr lang="en-US"/>
+            <a:endParaRPr lang="en-US" dirty="0"/>
           </a:p>
           <a:p>
             <a:pPr>
@@ -6366,7 +6397,7 @@
               </a:lnSpc>
             </a:pPr>
             <a:r>
-              <a:rPr lang="en-IN" sz="2000" b="1"/>
+              <a:rPr lang="en-IN" sz="2000" b="1" dirty="0"/>
               <a:t>Assistant Professor, NITW</a:t>
             </a:r>
           </a:p>
@@ -6386,7 +6417,7 @@
         </p:nvSpPr>
         <p:spPr>
           <a:xfrm>
-            <a:off x="7434816" y="4832605"/>
+            <a:off x="6956828" y="4868327"/>
             <a:ext cx="3664801" cy="400110"/>
           </a:xfrm>
           <a:prstGeom prst="rect">
@@ -6411,7 +6442,7 @@
           <a:p>
             <a:pPr algn="ctr"/>
             <a:r>
-              <a:rPr lang="en-US" sz="2000" b="1">
+              <a:rPr lang="en-US" sz="2000" b="1" u="sng" dirty="0">
                 <a:ln/>
                 <a:solidFill>
                   <a:srgbClr val="00B0F0"/>
@@ -6419,7 +6450,7 @@
               </a:rPr>
               <a:t>Under the Guidance of</a:t>
             </a:r>
-            <a:endParaRPr lang="en-US" sz="2000" b="1" cap="none" spc="0">
+            <a:endParaRPr lang="en-US" sz="2000" b="1" u="sng" cap="none" spc="0" dirty="0">
               <a:ln/>
               <a:solidFill>
                 <a:srgbClr val="00B0F0"/>
@@ -6456,8 +6487,8 @@
         </p:blipFill>
         <p:spPr bwMode="auto">
           <a:xfrm>
-            <a:off x="4855111" y="287259"/>
-            <a:ext cx="1935480" cy="2545080"/>
+            <a:off x="7141347" y="128062"/>
+            <a:ext cx="1302261" cy="1272721"/>
           </a:xfrm>
           <a:prstGeom prst="rect">
             <a:avLst/>
@@ -6468,6 +6499,113 @@
           </a:ln>
         </p:spPr>
       </p:pic>
+      <p:sp>
+        <p:nvSpPr>
+          <p:cNvPr id="3" name="TextBox 2">
+            <a:extLst>
+              <a:ext uri="{FF2B5EF4-FFF2-40B4-BE49-F238E27FC236}">
+                <a16:creationId xmlns:a16="http://schemas.microsoft.com/office/drawing/2014/main" id="{2AF0C113-8482-4E20-B66B-D918E72576DF}"/>
+              </a:ext>
+            </a:extLst>
+          </p:cNvPr>
+          <p:cNvSpPr txBox="1"/>
+          <p:nvPr/>
+        </p:nvSpPr>
+        <p:spPr>
+          <a:xfrm>
+            <a:off x="0" y="2230798"/>
+            <a:ext cx="12064482" cy="1477328"/>
+          </a:xfrm>
+          <a:prstGeom prst="rect">
+            <a:avLst/>
+          </a:prstGeom>
+          <a:noFill/>
+        </p:spPr>
+        <p:txBody>
+          <a:bodyPr wrap="square" rtlCol="0">
+            <a:spAutoFit/>
+          </a:bodyPr>
+          <a:lstStyle/>
+          <a:p>
+            <a:pPr algn="ctr"/>
+            <a:r>
+              <a:rPr lang="en-US" sz="4500" b="0" cap="none" spc="0" dirty="0">
+                <a:ln w="0"/>
+                <a:solidFill>
+                  <a:schemeClr val="tx2"/>
+                </a:solidFill>
+                <a:effectLst>
+                  <a:outerShdw blurRad="38100" dist="25400" dir="5400000" algn="ctr" rotWithShape="0">
+                    <a:srgbClr val="6E747A">
+                      <a:alpha val="43000"/>
+                    </a:srgbClr>
+                  </a:outerShdw>
+                </a:effectLst>
+              </a:rPr>
+              <a:t>CRG: </a:t>
+            </a:r>
+          </a:p>
+          <a:p>
+            <a:pPr algn="ctr"/>
+            <a:r>
+              <a:rPr lang="en-US" sz="4500" b="0" cap="none" spc="0" dirty="0">
+                <a:ln w="0"/>
+                <a:solidFill>
+                  <a:schemeClr val="tx2"/>
+                </a:solidFill>
+                <a:effectLst>
+                  <a:outerShdw blurRad="38100" dist="25400" dir="5400000" algn="ctr" rotWithShape="0">
+                    <a:srgbClr val="6E747A">
+                      <a:alpha val="43000"/>
+                    </a:srgbClr>
+                  </a:outerShdw>
+                </a:effectLst>
+              </a:rPr>
+              <a:t>Condition Rank Generator for Program Repair  </a:t>
+            </a:r>
+          </a:p>
+        </p:txBody>
+      </p:sp>
+      <p:sp>
+        <p:nvSpPr>
+          <p:cNvPr id="9" name="TextBox 8">
+            <a:extLst>
+              <a:ext uri="{FF2B5EF4-FFF2-40B4-BE49-F238E27FC236}">
+                <a16:creationId xmlns:a16="http://schemas.microsoft.com/office/drawing/2014/main" id="{00A8C87B-BB85-4B4C-8440-45C3E4EC26F5}"/>
+              </a:ext>
+            </a:extLst>
+          </p:cNvPr>
+          <p:cNvSpPr txBox="1"/>
+          <p:nvPr/>
+        </p:nvSpPr>
+        <p:spPr>
+          <a:xfrm>
+            <a:off x="8494130" y="298689"/>
+            <a:ext cx="2883005" cy="785793"/>
+          </a:xfrm>
+          <a:prstGeom prst="rect">
+            <a:avLst/>
+          </a:prstGeom>
+          <a:noFill/>
+        </p:spPr>
+        <p:txBody>
+          <a:bodyPr wrap="square">
+            <a:spAutoFit/>
+          </a:bodyPr>
+          <a:lstStyle/>
+          <a:p>
+            <a:pPr>
+              <a:lnSpc>
+                <a:spcPct val="150000"/>
+              </a:lnSpc>
+            </a:pPr>
+            <a:r>
+              <a:rPr lang="en-IN" sz="1600" b="1" dirty="0"/>
+              <a:t>NATIONAL INSTITUTE OF TECHNOLOGY WARANGAL</a:t>
+            </a:r>
+          </a:p>
+        </p:txBody>
+      </p:sp>
     </p:spTree>
     <p:extLst>
       <p:ext uri="{BB962C8B-B14F-4D97-AF65-F5344CB8AC3E}">
@@ -6494,538 +6632,6 @@
 </file>
 
 <file path=ppt/slides/slide10.xml><?xml version="1.0" encoding="utf-8"?>
-<p:sld xmlns:a="http://schemas.openxmlformats.org/drawingml/2006/main" xmlns:r="http://schemas.openxmlformats.org/officeDocument/2006/relationships" xmlns:p="http://schemas.openxmlformats.org/presentationml/2006/main">
-  <p:cSld>
-    <p:spTree>
-      <p:nvGrpSpPr>
-        <p:cNvPr id="1" name=""/>
-        <p:cNvGrpSpPr/>
-        <p:nvPr/>
-      </p:nvGrpSpPr>
-      <p:grpSpPr>
-        <a:xfrm>
-          <a:off x="0" y="0"/>
-          <a:ext cx="0" cy="0"/>
-          <a:chOff x="0" y="0"/>
-          <a:chExt cx="0" cy="0"/>
-        </a:xfrm>
-      </p:grpSpPr>
-      <p:sp>
-        <p:nvSpPr>
-          <p:cNvPr id="2" name="TextBox 1">
-            <a:extLst>
-              <a:ext uri="{FF2B5EF4-FFF2-40B4-BE49-F238E27FC236}">
-                <a16:creationId xmlns:a16="http://schemas.microsoft.com/office/drawing/2014/main" id="{311258A6-5E19-4682-A65E-A757870F98BD}"/>
-              </a:ext>
-            </a:extLst>
-          </p:cNvPr>
-          <p:cNvSpPr txBox="1"/>
-          <p:nvPr/>
-        </p:nvSpPr>
-        <p:spPr>
-          <a:xfrm>
-            <a:off x="522512" y="466531"/>
-            <a:ext cx="8994711" cy="954107"/>
-          </a:xfrm>
-          <a:prstGeom prst="rect">
-            <a:avLst/>
-          </a:prstGeom>
-          <a:noFill/>
-        </p:spPr>
-        <p:txBody>
-          <a:bodyPr wrap="square" lIns="91440" tIns="45720" rIns="91440" bIns="45720" rtlCol="0" anchor="t">
-            <a:spAutoFit/>
-          </a:bodyPr>
-          <a:lstStyle/>
-          <a:p>
-            <a:r>
-              <a:rPr lang="en-IN" sz="2800">
-                <a:solidFill>
-                  <a:srgbClr val="00B0F0"/>
-                </a:solidFill>
-              </a:rPr>
-              <a:t>What’s wrong with statement coverage/Line code coverage?</a:t>
-            </a:r>
-          </a:p>
-        </p:txBody>
-      </p:sp>
-      <p:sp>
-        <p:nvSpPr>
-          <p:cNvPr id="3" name="TextBox 2">
-            <a:extLst>
-              <a:ext uri="{FF2B5EF4-FFF2-40B4-BE49-F238E27FC236}">
-                <a16:creationId xmlns:a16="http://schemas.microsoft.com/office/drawing/2014/main" id="{71555661-44D6-4883-A504-50067E323F95}"/>
-              </a:ext>
-            </a:extLst>
-          </p:cNvPr>
-          <p:cNvSpPr txBox="1"/>
-          <p:nvPr/>
-        </p:nvSpPr>
-        <p:spPr>
-          <a:xfrm>
-            <a:off x="5645020" y="2976465"/>
-            <a:ext cx="914400" cy="914400"/>
-          </a:xfrm>
-          <a:prstGeom prst="rect">
-            <a:avLst/>
-          </a:prstGeom>
-          <a:noFill/>
-        </p:spPr>
-        <p:txBody>
-          <a:bodyPr wrap="square" rtlCol="0">
-            <a:spAutoFit/>
-          </a:bodyPr>
-          <a:lstStyle/>
-          <a:p>
-            <a:endParaRPr lang="en-IN"/>
-          </a:p>
-        </p:txBody>
-      </p:sp>
-      <p:sp>
-        <p:nvSpPr>
-          <p:cNvPr id="4" name="TextBox 3">
-            <a:extLst>
-              <a:ext uri="{FF2B5EF4-FFF2-40B4-BE49-F238E27FC236}">
-                <a16:creationId xmlns:a16="http://schemas.microsoft.com/office/drawing/2014/main" id="{639D51CB-63D8-4B37-A8DC-2FCD53242719}"/>
-              </a:ext>
-            </a:extLst>
-          </p:cNvPr>
-          <p:cNvSpPr txBox="1"/>
-          <p:nvPr/>
-        </p:nvSpPr>
-        <p:spPr>
-          <a:xfrm>
-            <a:off x="432317" y="1619635"/>
-            <a:ext cx="8487748" cy="5451429"/>
-          </a:xfrm>
-          <a:prstGeom prst="rect">
-            <a:avLst/>
-          </a:prstGeom>
-          <a:noFill/>
-        </p:spPr>
-        <p:txBody>
-          <a:bodyPr wrap="square" lIns="91440" tIns="45720" rIns="91440" bIns="45720" rtlCol="0" anchor="t">
-            <a:spAutoFit/>
-          </a:bodyPr>
-          <a:lstStyle/>
-          <a:p>
-            <a:pPr>
-              <a:lnSpc>
-                <a:spcPct val="107000"/>
-              </a:lnSpc>
-              <a:spcAft>
-                <a:spcPts val="800"/>
-              </a:spcAft>
-            </a:pPr>
-            <a:r>
-              <a:rPr lang="en-US" sz="1800" b="1">
-                <a:effectLst/>
-                <a:latin typeface="Trebuchet MS"/>
-                <a:ea typeface="Calibri" panose="020F0502020204030204" pitchFamily="34" charset="0"/>
-                <a:cs typeface="Mangal"/>
-              </a:rPr>
-              <a:t>Statement coverage</a:t>
-            </a:r>
-            <a:r>
-              <a:rPr lang="en-US" sz="1800">
-                <a:effectLst/>
-                <a:latin typeface="Trebuchet MS"/>
-                <a:ea typeface="Calibri" panose="020F0502020204030204" pitchFamily="34" charset="0"/>
-                <a:cs typeface="Mangal"/>
-              </a:rPr>
-              <a:t>:</a:t>
-            </a:r>
-          </a:p>
-          <a:p>
-            <a:pPr marL="285750" indent="-285750" algn="just">
-              <a:lnSpc>
-                <a:spcPct val="107000"/>
-              </a:lnSpc>
-              <a:spcAft>
-                <a:spcPts val="800"/>
-              </a:spcAft>
-              <a:buFont typeface="Arial" panose="020B0604020202020204" pitchFamily="34" charset="0"/>
-              <a:buChar char="•"/>
-            </a:pPr>
-            <a:r>
-              <a:rPr lang="en-US" sz="1600" i="1">
-                <a:solidFill>
-                  <a:srgbClr val="000000"/>
-                </a:solidFill>
-                <a:effectLst/>
-                <a:latin typeface="Trebuchet MS"/>
-                <a:ea typeface="Verdana"/>
-                <a:cs typeface="Verdana"/>
-              </a:rPr>
-              <a:t>Statement coverage</a:t>
-            </a:r>
-            <a:r>
-              <a:rPr lang="en-US" sz="1600">
-                <a:solidFill>
-                  <a:srgbClr val="000000"/>
-                </a:solidFill>
-                <a:effectLst/>
-                <a:latin typeface="Trebuchet MS"/>
-                <a:ea typeface="Verdana"/>
-                <a:cs typeface="Verdana"/>
-              </a:rPr>
-              <a:t> is a code coverage metric that tells you whether the flow of control reached every executable statement of source code at least once.</a:t>
-            </a:r>
-          </a:p>
-          <a:p>
-            <a:pPr marL="285750" indent="-285750" algn="just">
-              <a:lnSpc>
-                <a:spcPct val="107000"/>
-              </a:lnSpc>
-              <a:spcAft>
-                <a:spcPts val="800"/>
-              </a:spcAft>
-              <a:buFont typeface="Arial" panose="020B0604020202020204" pitchFamily="34" charset="0"/>
-              <a:buChar char="•"/>
-            </a:pPr>
-            <a:endParaRPr lang="en-IN" sz="1600">
-              <a:effectLst/>
-              <a:latin typeface="Trebuchet MS"/>
-              <a:ea typeface="Calibri" panose="020F0502020204030204" pitchFamily="34" charset="0"/>
-              <a:cs typeface="Mangal" panose="02040503050203030202" pitchFamily="18" charset="0"/>
-            </a:endParaRPr>
-          </a:p>
-          <a:p>
-            <a:pPr algn="just">
-              <a:lnSpc>
-                <a:spcPct val="107000"/>
-              </a:lnSpc>
-              <a:spcAft>
-                <a:spcPts val="800"/>
-              </a:spcAft>
-            </a:pPr>
-            <a:endParaRPr lang="en-IN" sz="1600">
-              <a:latin typeface="Trebuchet MS"/>
-              <a:ea typeface="Calibri" panose="020F0502020204030204" pitchFamily="34" charset="0"/>
-              <a:cs typeface="Mangal" panose="02040503050203030202" pitchFamily="18" charset="0"/>
-            </a:endParaRPr>
-          </a:p>
-          <a:p>
-            <a:pPr algn="just">
-              <a:lnSpc>
-                <a:spcPct val="107000"/>
-              </a:lnSpc>
-              <a:spcAft>
-                <a:spcPts val="800"/>
-              </a:spcAft>
-            </a:pPr>
-            <a:endParaRPr lang="en-IN" sz="1600">
-              <a:solidFill>
-                <a:srgbClr val="000000"/>
-              </a:solidFill>
-              <a:latin typeface="Trebuchet MS"/>
-              <a:ea typeface="Verdana" panose="020B0604030504040204" pitchFamily="34" charset="0"/>
-              <a:cs typeface="Mangal"/>
-            </a:endParaRPr>
-          </a:p>
-          <a:p>
-            <a:pPr marL="285750" indent="-285750" algn="just">
-              <a:lnSpc>
-                <a:spcPct val="107000"/>
-              </a:lnSpc>
-              <a:spcAft>
-                <a:spcPts val="800"/>
-              </a:spcAft>
-              <a:buFont typeface="Arial" panose="020B0604020202020204" pitchFamily="34" charset="0"/>
-              <a:buChar char="•"/>
-            </a:pPr>
-            <a:r>
-              <a:rPr lang="en-US" sz="1600">
-                <a:solidFill>
-                  <a:srgbClr val="000000"/>
-                </a:solidFill>
-                <a:effectLst/>
-                <a:latin typeface="Trebuchet MS"/>
-                <a:ea typeface="Verdana"/>
-                <a:cs typeface="Verdana"/>
-              </a:rPr>
-              <a:t>Of all the structural coverage criteria, statement coverage is the weakest, indicating the fewest number of test cases. Bugs can easily occur in the cases that statement coverage cannot see.</a:t>
-            </a:r>
-          </a:p>
-          <a:p>
-            <a:pPr marL="285750" indent="-285750" algn="just">
-              <a:lnSpc>
-                <a:spcPct val="107000"/>
-              </a:lnSpc>
-              <a:spcAft>
-                <a:spcPts val="800"/>
-              </a:spcAft>
-              <a:buFont typeface="Arial" panose="020B0604020202020204" pitchFamily="34" charset="0"/>
-              <a:buChar char="•"/>
-            </a:pPr>
-            <a:endParaRPr lang="en-US" sz="1600">
-              <a:solidFill>
-                <a:srgbClr val="000000"/>
-              </a:solidFill>
-              <a:latin typeface="Trebuchet MS"/>
-              <a:ea typeface="Verdana"/>
-              <a:cs typeface="Verdana"/>
-            </a:endParaRPr>
-          </a:p>
-          <a:p>
-            <a:pPr marL="285750" indent="-285750" algn="just">
-              <a:lnSpc>
-                <a:spcPct val="107000"/>
-              </a:lnSpc>
-              <a:spcAft>
-                <a:spcPts val="800"/>
-              </a:spcAft>
-              <a:buFont typeface="Arial" panose="020B0604020202020204" pitchFamily="34" charset="0"/>
-              <a:buChar char="•"/>
-            </a:pPr>
-            <a:r>
-              <a:rPr lang="en-US" sz="1600">
-                <a:solidFill>
-                  <a:srgbClr val="000000"/>
-                </a:solidFill>
-                <a:effectLst/>
-                <a:latin typeface="Trebuchet MS"/>
-                <a:ea typeface="Verdana"/>
-                <a:cs typeface="Verdana"/>
-              </a:rPr>
-              <a:t>In particular, statement coverage does not call for testing the following:</a:t>
-            </a:r>
-          </a:p>
-          <a:p>
-            <a:pPr marL="628650" lvl="1" indent="-171450" algn="just">
-              <a:lnSpc>
-                <a:spcPct val="107000"/>
-              </a:lnSpc>
-              <a:buFont typeface="Arial"/>
-              <a:buChar char="•"/>
-            </a:pPr>
-            <a:r>
-              <a:rPr lang="en-US" sz="1600">
-                <a:latin typeface="Trebuchet MS"/>
-                <a:ea typeface="Verdana"/>
-                <a:cs typeface="Verdana"/>
-              </a:rPr>
-              <a:t>Simple If Statements</a:t>
-            </a:r>
-            <a:endParaRPr lang="en-US" sz="1600">
-              <a:effectLst/>
-              <a:latin typeface="Trebuchet MS"/>
-              <a:ea typeface="Verdana"/>
-              <a:cs typeface="Verdana"/>
-            </a:endParaRPr>
-          </a:p>
-          <a:p>
-            <a:pPr marL="628650" lvl="1" indent="-171450" algn="just">
-              <a:lnSpc>
-                <a:spcPct val="107000"/>
-              </a:lnSpc>
-              <a:buFont typeface="Arial"/>
-              <a:buChar char="•"/>
-            </a:pPr>
-            <a:r>
-              <a:rPr lang="en-US" sz="1600">
-                <a:latin typeface="Trebuchet MS"/>
-                <a:ea typeface="Verdana"/>
-                <a:cs typeface="Verdana"/>
-              </a:rPr>
-              <a:t>Logic Operators</a:t>
-            </a:r>
-            <a:r>
-              <a:rPr lang="en-US" sz="1600">
-                <a:effectLst/>
-                <a:latin typeface="Trebuchet MS"/>
-                <a:ea typeface="Verdana"/>
-                <a:cs typeface="Verdana"/>
-              </a:rPr>
-              <a:t>(</a:t>
-            </a:r>
-            <a:r>
-              <a:rPr lang="en-US" sz="1600">
-                <a:effectLst/>
-                <a:latin typeface="Trebuchet MS"/>
-                <a:ea typeface="Consolas" panose="020B0609020204030204" pitchFamily="49" charset="0"/>
-                <a:cs typeface="Consolas" panose="020B0609020204030204" pitchFamily="49" charset="0"/>
-              </a:rPr>
-              <a:t>&amp;&amp;</a:t>
-            </a:r>
-            <a:r>
-              <a:rPr lang="en-US" sz="1600">
-                <a:effectLst/>
-                <a:latin typeface="Trebuchet MS"/>
-                <a:ea typeface="Verdana"/>
-                <a:cs typeface="Verdana"/>
-              </a:rPr>
-              <a:t>, </a:t>
-            </a:r>
-            <a:r>
-              <a:rPr lang="en-US" sz="1600">
-                <a:effectLst/>
-                <a:latin typeface="Trebuchet MS"/>
-                <a:ea typeface="Consolas" panose="020B0609020204030204" pitchFamily="49" charset="0"/>
-                <a:cs typeface="Consolas" panose="020B0609020204030204" pitchFamily="49" charset="0"/>
-              </a:rPr>
-              <a:t>||</a:t>
-            </a:r>
-            <a:r>
-              <a:rPr lang="en-US" sz="1600">
-                <a:effectLst/>
-                <a:latin typeface="Trebuchet MS"/>
-                <a:ea typeface="Verdana"/>
-                <a:cs typeface="Verdana"/>
-              </a:rPr>
-              <a:t>, and </a:t>
-            </a:r>
-            <a:r>
-              <a:rPr lang="en-US" sz="1600">
-                <a:effectLst/>
-                <a:latin typeface="Trebuchet MS"/>
-                <a:ea typeface="Consolas" panose="020B0609020204030204" pitchFamily="49" charset="0"/>
-                <a:cs typeface="Consolas" panose="020B0609020204030204" pitchFamily="49" charset="0"/>
-              </a:rPr>
-              <a:t>?:</a:t>
-            </a:r>
-            <a:r>
-              <a:rPr lang="en-US" sz="1600">
-                <a:effectLst/>
-                <a:latin typeface="Trebuchet MS"/>
-                <a:ea typeface="Verdana"/>
-                <a:cs typeface="Verdana"/>
-              </a:rPr>
-              <a:t>)</a:t>
-            </a:r>
-            <a:endParaRPr lang="en-IN" sz="1600">
-              <a:effectLst/>
-              <a:latin typeface="Trebuchet MS"/>
-              <a:ea typeface="Verdana"/>
-              <a:cs typeface="Verdana"/>
-            </a:endParaRPr>
-          </a:p>
-          <a:p>
-            <a:pPr marL="628650" lvl="1" indent="-171450" algn="just">
-              <a:lnSpc>
-                <a:spcPct val="107000"/>
-              </a:lnSpc>
-              <a:buFont typeface="Arial"/>
-              <a:buChar char="•"/>
-            </a:pPr>
-            <a:r>
-              <a:rPr lang="en-US" sz="1600">
-                <a:latin typeface="Trebuchet MS"/>
-                <a:ea typeface="Verdana"/>
-                <a:cs typeface="Verdana"/>
-              </a:rPr>
-              <a:t>Loop terminations decisions</a:t>
-            </a:r>
-          </a:p>
-          <a:p>
-            <a:pPr marL="628650" lvl="1" indent="-171450" algn="just">
-              <a:lnSpc>
-                <a:spcPct val="107000"/>
-              </a:lnSpc>
-              <a:buFont typeface="Arial"/>
-              <a:buChar char="•"/>
-            </a:pPr>
-            <a:r>
-              <a:rPr lang="en-US" sz="1600">
-                <a:latin typeface="Trebuchet MS"/>
-                <a:ea typeface="Verdana"/>
-                <a:cs typeface="Verdana"/>
-              </a:rPr>
-              <a:t>Do-while loops</a:t>
-            </a:r>
-            <a:endParaRPr lang="en-IN" sz="1600">
-              <a:effectLst/>
-              <a:latin typeface="Trebuchet MS"/>
-              <a:ea typeface="Verdana"/>
-              <a:cs typeface="Verdana"/>
-            </a:endParaRPr>
-          </a:p>
-          <a:p>
-            <a:pPr marL="285750" indent="-285750">
-              <a:lnSpc>
-                <a:spcPct val="107000"/>
-              </a:lnSpc>
-              <a:spcAft>
-                <a:spcPts val="800"/>
-              </a:spcAft>
-              <a:buFont typeface="Arial" panose="020B0604020202020204" pitchFamily="34" charset="0"/>
-              <a:buChar char="•"/>
-            </a:pPr>
-            <a:endParaRPr lang="en-IN" sz="1400">
-              <a:effectLst/>
-              <a:latin typeface="Trebuchet MS"/>
-              <a:ea typeface="Calibri" panose="020F0502020204030204" pitchFamily="34" charset="0"/>
-              <a:cs typeface="Mangal" panose="02040503050203030202" pitchFamily="18" charset="0"/>
-            </a:endParaRPr>
-          </a:p>
-          <a:p>
-            <a:pPr marL="285750" indent="-285750">
-              <a:lnSpc>
-                <a:spcPct val="107000"/>
-              </a:lnSpc>
-              <a:spcAft>
-                <a:spcPts val="800"/>
-              </a:spcAft>
-              <a:buFont typeface="Arial" panose="020B0604020202020204" pitchFamily="34" charset="0"/>
-              <a:buChar char="•"/>
-            </a:pPr>
-            <a:endParaRPr lang="en-IN" sz="1400">
-              <a:effectLst/>
-              <a:latin typeface="Trebuchet MS"/>
-              <a:ea typeface="Calibri" panose="020F0502020204030204" pitchFamily="34" charset="0"/>
-              <a:cs typeface="Mangal" panose="02040503050203030202" pitchFamily="18" charset="0"/>
-            </a:endParaRPr>
-          </a:p>
-        </p:txBody>
-      </p:sp>
-      <p:pic>
-        <p:nvPicPr>
-          <p:cNvPr id="5" name="Picture 4">
-            <a:extLst>
-              <a:ext uri="{FF2B5EF4-FFF2-40B4-BE49-F238E27FC236}">
-                <a16:creationId xmlns:a16="http://schemas.microsoft.com/office/drawing/2014/main" id="{30260E5B-F2D4-44E3-B16F-9A90C5BDEF9B}"/>
-              </a:ext>
-            </a:extLst>
-          </p:cNvPr>
-          <p:cNvPicPr/>
-          <p:nvPr/>
-        </p:nvPicPr>
-        <p:blipFill>
-          <a:blip r:embed="rId2">
-            <a:extLst>
-              <a:ext uri="{28A0092B-C50C-407E-A947-70E740481C1C}">
-                <a14:useLocalDpi xmlns:a14="http://schemas.microsoft.com/office/drawing/2010/main" val="0"/>
-              </a:ext>
-            </a:extLst>
-          </a:blip>
-          <a:stretch>
-            <a:fillRect/>
-          </a:stretch>
-        </p:blipFill>
-        <p:spPr>
-          <a:xfrm>
-            <a:off x="752669" y="2636189"/>
-            <a:ext cx="4572000" cy="508227"/>
-          </a:xfrm>
-          <a:prstGeom prst="rect">
-            <a:avLst/>
-          </a:prstGeom>
-        </p:spPr>
-      </p:pic>
-    </p:spTree>
-    <p:extLst>
-      <p:ext uri="{BB962C8B-B14F-4D97-AF65-F5344CB8AC3E}">
-        <p14:creationId xmlns:p14="http://schemas.microsoft.com/office/powerpoint/2010/main" val="889828281"/>
-      </p:ext>
-    </p:extLst>
-  </p:cSld>
-  <p:clrMapOvr>
-    <a:masterClrMapping/>
-  </p:clrMapOvr>
-</p:sld>
-</file>
-
-<file path=ppt/slides/slide11.xml><?xml version="1.0" encoding="utf-8"?>
 <p:sld xmlns:a="http://schemas.openxmlformats.org/drawingml/2006/main" xmlns:r="http://schemas.openxmlformats.org/officeDocument/2006/relationships" xmlns:p="http://schemas.openxmlformats.org/presentationml/2006/main">
   <p:cSld>
     <p:spTree>
@@ -7873,7 +7479,7 @@
           <a:lstStyle/>
           <a:p>
             <a:r>
-              <a:rPr lang="en-IN" sz="2400">
+              <a:rPr lang="en-IN" sz="2400" u="sng" dirty="0">
                 <a:solidFill>
                   <a:srgbClr val="00B0F0"/>
                 </a:solidFill>
@@ -7896,7 +7502,7 @@
 </p:sld>
 </file>
 
-<file path=ppt/slides/slide12.xml><?xml version="1.0" encoding="utf-8"?>
+<file path=ppt/slides/slide11.xml><?xml version="1.0" encoding="utf-8"?>
 <p:sld xmlns:a="http://schemas.openxmlformats.org/drawingml/2006/main" xmlns:r="http://schemas.openxmlformats.org/officeDocument/2006/relationships" xmlns:p="http://schemas.openxmlformats.org/presentationml/2006/main">
   <p:cSld>
     <p:spTree>
@@ -7927,7 +7533,7 @@
         </p:nvSpPr>
         <p:spPr>
           <a:xfrm>
-            <a:off x="401215" y="690028"/>
+            <a:off x="401215" y="197658"/>
             <a:ext cx="7417837" cy="461665"/>
           </a:xfrm>
           <a:prstGeom prst="rect">
@@ -7942,7 +7548,7 @@
           <a:lstStyle/>
           <a:p>
             <a:r>
-              <a:rPr lang="en-IN" sz="2400">
+              <a:rPr lang="en-IN" sz="2400" u="sng" dirty="0">
                 <a:solidFill>
                   <a:srgbClr val="00B0F0"/>
                 </a:solidFill>
@@ -7966,8 +7572,8 @@
         </p:nvSpPr>
         <p:spPr>
           <a:xfrm>
-            <a:off x="401214" y="1477130"/>
-            <a:ext cx="9181325" cy="4753224"/>
+            <a:off x="401215" y="733823"/>
+            <a:ext cx="10838872" cy="6124177"/>
           </a:xfrm>
           <a:prstGeom prst="rect">
             <a:avLst/>
@@ -7988,7 +7594,7 @@
               <a:buChar char="•"/>
             </a:pPr>
             <a:r>
-              <a:rPr lang="en-US" sz="1700">
+              <a:rPr lang="en-US" sz="2200" dirty="0">
                 <a:solidFill>
                   <a:srgbClr val="000000"/>
                 </a:solidFill>
@@ -7997,32 +7603,9 @@
                 <a:ea typeface="Verdana"/>
                 <a:cs typeface="Verdana"/>
               </a:rPr>
-              <a:t>The fundamental assumption of code coverage</a:t>
-            </a:r>
-            <a:r>
-              <a:rPr lang="en-US" sz="1700">
-                <a:solidFill>
-                  <a:srgbClr val="000000"/>
-                </a:solidFill>
-                <a:latin typeface="Trebuchet MS"/>
-                <a:ea typeface="Verdana"/>
-                <a:cs typeface="Verdana"/>
-              </a:rPr>
-              <a:t> </a:t>
-            </a:r>
-            <a:r>
-              <a:rPr lang="en-US" sz="1700">
-                <a:solidFill>
-                  <a:srgbClr val="000000"/>
-                </a:solidFill>
-                <a:effectLst/>
-                <a:latin typeface="Trebuchet MS"/>
-                <a:ea typeface="Verdana"/>
-                <a:cs typeface="Verdana"/>
-              </a:rPr>
-              <a:t> is that to expose bugs.</a:t>
-            </a:r>
-            <a:endParaRPr lang="en-US" sz="1700">
+              <a:t>To expose bugs.</a:t>
+            </a:r>
+            <a:endParaRPr lang="en-US" sz="2200" dirty="0">
               <a:latin typeface="Trebuchet MS"/>
               <a:ea typeface="Verdana"/>
               <a:cs typeface="Verdana"/>
@@ -8034,7 +7617,7 @@
                 <a:spcPct val="150000"/>
               </a:lnSpc>
             </a:pPr>
-            <a:endParaRPr lang="en-US" sz="1700">
+            <a:endParaRPr lang="en-US" sz="2200" dirty="0">
               <a:solidFill>
                 <a:srgbClr val="000000"/>
               </a:solidFill>
@@ -8053,7 +7636,7 @@
               <a:buChar char="•"/>
             </a:pPr>
             <a:r>
-              <a:rPr lang="en-US" sz="1700">
+              <a:rPr lang="en-US" sz="2200" dirty="0">
                 <a:solidFill>
                   <a:srgbClr val="000000"/>
                 </a:solidFill>
@@ -8062,10 +7645,10 @@
                 <a:ea typeface="Verdana"/>
                 <a:cs typeface="Verdana"/>
               </a:rPr>
-              <a:t>It should exercise as many </a:t>
-            </a:r>
-            <a:r>
-              <a:rPr lang="en-US" sz="1700" i="1">
+              <a:t>Should exercise maximum number of possible </a:t>
+            </a:r>
+            <a:r>
+              <a:rPr lang="en-US" sz="2200" i="1" dirty="0">
                 <a:solidFill>
                   <a:srgbClr val="000000"/>
                 </a:solidFill>
@@ -8077,7 +7660,7 @@
               <a:t>paths</a:t>
             </a:r>
             <a:r>
-              <a:rPr lang="en-US" sz="1700">
+              <a:rPr lang="en-US" sz="2200" dirty="0">
                 <a:solidFill>
                   <a:srgbClr val="000000"/>
                 </a:solidFill>
@@ -8086,20 +7669,9 @@
                 <a:ea typeface="Verdana"/>
                 <a:cs typeface="Verdana"/>
               </a:rPr>
-              <a:t> through your code as possible. The more paths you exercise, the more likely your testing is to expose bugs.</a:t>
-            </a:r>
-            <a:r>
-              <a:rPr lang="en-US" sz="1700">
-                <a:solidFill>
-                  <a:srgbClr val="000000"/>
-                </a:solidFill>
-                <a:latin typeface="Trebuchet MS"/>
-                <a:ea typeface="Verdana"/>
-                <a:cs typeface="Verdana"/>
-              </a:rPr>
-              <a:t> </a:t>
-            </a:r>
-            <a:endParaRPr lang="en-US" sz="1700">
+              <a:t> through the code. The more paths you exercise, the more likely your testing is to expose bugs.</a:t>
+            </a:r>
+            <a:endParaRPr lang="en-US" sz="2200" dirty="0">
               <a:solidFill>
                 <a:srgbClr val="000000"/>
               </a:solidFill>
@@ -8115,7 +7687,7 @@
                 <a:spcPct val="150000"/>
               </a:lnSpc>
             </a:pPr>
-            <a:endParaRPr lang="en-US" sz="1700">
+            <a:endParaRPr lang="en-US" sz="2200" dirty="0">
               <a:solidFill>
                 <a:srgbClr val="000000"/>
               </a:solidFill>
@@ -8134,7 +7706,7 @@
               <a:buChar char="•"/>
             </a:pPr>
             <a:r>
-              <a:rPr lang="en-US" sz="1700">
+              <a:rPr lang="en-US" sz="2200" dirty="0">
                 <a:solidFill>
                   <a:srgbClr val="000000"/>
                 </a:solidFill>
@@ -8152,7 +7724,7 @@
                 <a:spcPct val="150000"/>
               </a:lnSpc>
             </a:pPr>
-            <a:endParaRPr lang="en-US" sz="1700">
+            <a:endParaRPr lang="en-US" sz="2200" dirty="0">
               <a:solidFill>
                 <a:srgbClr val="000000"/>
               </a:solidFill>
@@ -8171,7 +7743,7 @@
               <a:buChar char="•"/>
             </a:pPr>
             <a:r>
-              <a:rPr lang="en-US" sz="1700">
+              <a:rPr lang="en-US" sz="2200" dirty="0">
                 <a:solidFill>
                   <a:srgbClr val="000000"/>
                 </a:solidFill>
@@ -8183,7 +7755,7 @@
               <a:t>Bugs are often sensitive to branches and conditions. For example, incorrectly writing a condition such as </a:t>
             </a:r>
             <a:r>
-              <a:rPr lang="en-US" sz="1700" err="1">
+              <a:rPr lang="en-US" sz="2200" dirty="0" err="1">
                 <a:solidFill>
                   <a:srgbClr val="000000"/>
                 </a:solidFill>
@@ -8195,7 +7767,7 @@
               <a:t>i</a:t>
             </a:r>
             <a:r>
-              <a:rPr lang="en-US" sz="1700">
+              <a:rPr lang="en-US" sz="2200" dirty="0">
                 <a:solidFill>
                   <a:srgbClr val="000000"/>
                 </a:solidFill>
@@ -8207,7 +7779,7 @@
               <a:t>&lt;=n</a:t>
             </a:r>
             <a:r>
-              <a:rPr lang="en-US" sz="1700">
+              <a:rPr lang="en-US" sz="2200" dirty="0">
                 <a:solidFill>
                   <a:srgbClr val="000000"/>
                 </a:solidFill>
@@ -8219,7 +7791,7 @@
               <a:t> rather than </a:t>
             </a:r>
             <a:r>
-              <a:rPr lang="en-US" sz="1700" err="1">
+              <a:rPr lang="en-US" sz="2200" dirty="0" err="1">
                 <a:solidFill>
                   <a:srgbClr val="000000"/>
                 </a:solidFill>
@@ -8231,7 +7803,7 @@
               <a:t>i</a:t>
             </a:r>
             <a:r>
-              <a:rPr lang="en-US" sz="1700">
+              <a:rPr lang="en-US" sz="2200" dirty="0">
                 <a:solidFill>
                   <a:srgbClr val="000000"/>
                 </a:solidFill>
@@ -8243,7 +7815,7 @@
               <a:t>&lt;n</a:t>
             </a:r>
             <a:r>
-              <a:rPr lang="en-US" sz="1700">
+              <a:rPr lang="en-US" sz="2200" dirty="0">
                 <a:solidFill>
                   <a:srgbClr val="000000"/>
                 </a:solidFill>
@@ -8261,7 +7833,7 @@
                 <a:spcPct val="150000"/>
               </a:lnSpc>
             </a:pPr>
-            <a:endParaRPr lang="en-US" sz="1700">
+            <a:endParaRPr lang="en-US" sz="2200" dirty="0">
               <a:solidFill>
                 <a:srgbClr val="000000"/>
               </a:solidFill>
@@ -8280,7 +7852,7 @@
               <a:buChar char="•"/>
             </a:pPr>
             <a:r>
-              <a:rPr lang="en-US" sz="1700">
+              <a:rPr lang="en-US" sz="2200" dirty="0">
                 <a:solidFill>
                   <a:srgbClr val="000000"/>
                 </a:solidFill>
@@ -8290,7 +7862,7 @@
               </a:rPr>
               <a:t>So we move to an another method of fault localization which is based on condition coverage.</a:t>
             </a:r>
-            <a:endParaRPr lang="en-IN" sz="1700">
+            <a:endParaRPr lang="en-IN" sz="2200" dirty="0">
               <a:effectLst/>
               <a:latin typeface="Trebuchet MS"/>
               <a:ea typeface="Verdana"/>
@@ -8312,7 +7884,7 @@
 </p:sld>
 </file>
 
-<file path=ppt/slides/slide13.xml><?xml version="1.0" encoding="utf-8"?>
+<file path=ppt/slides/slide12.xml><?xml version="1.0" encoding="utf-8"?>
 <p:sld xmlns:a="http://schemas.openxmlformats.org/drawingml/2006/main" xmlns:r="http://schemas.openxmlformats.org/officeDocument/2006/relationships" xmlns:p="http://schemas.openxmlformats.org/presentationml/2006/main">
   <p:cSld>
     <p:spTree>
@@ -8368,7 +7940,7 @@
           <a:p>
             <a:pPr algn="ctr"/>
             <a:r>
-              <a:rPr lang="en-US" sz="3200" b="1">
+              <a:rPr lang="en-US" sz="3200" b="1" u="sng" dirty="0">
                 <a:ln/>
                 <a:solidFill>
                   <a:srgbClr val="00B0F0"/>
@@ -8376,7 +7948,7 @@
               </a:rPr>
               <a:t>Objective</a:t>
             </a:r>
-            <a:endParaRPr lang="en-US" sz="3200" b="1" cap="none" spc="0">
+            <a:endParaRPr lang="en-US" sz="3200" b="1" u="sng" cap="none" spc="0" dirty="0">
               <a:ln/>
               <a:solidFill>
                 <a:srgbClr val="00B0F0"/>
@@ -8386,7 +7958,7 @@
           </a:p>
           <a:p>
             <a:pPr algn="ctr"/>
-            <a:endParaRPr lang="en-US" sz="3200" b="1">
+            <a:endParaRPr lang="en-US" sz="3200" b="1" dirty="0">
               <a:ln/>
               <a:solidFill>
                 <a:srgbClr val="00B0F0"/>
@@ -8396,7 +7968,7 @@
           <a:p>
             <a:pPr algn="ctr"/>
             <a:r>
-              <a:rPr lang="en-US" sz="3200" b="1" cap="none" spc="0">
+              <a:rPr lang="en-US" sz="3200" b="1" cap="none" spc="0" dirty="0">
                 <a:ln/>
                 <a:solidFill>
                   <a:schemeClr val="accent4"/>
@@ -8406,7 +7978,7 @@
               <a:t>To identify potentially faulty </a:t>
             </a:r>
             <a:r>
-              <a:rPr lang="en-US" sz="3200" b="1">
+              <a:rPr lang="en-US" sz="3200" b="1" dirty="0">
                 <a:ln/>
                 <a:solidFill>
                   <a:schemeClr val="accent4"/>
@@ -8415,7 +7987,7 @@
               <a:t>predicates ranked based on their fitness score using condition coverage</a:t>
             </a:r>
             <a:r>
-              <a:rPr lang="en-US" sz="3200" b="1" cap="none" spc="0">
+              <a:rPr lang="en-US" sz="3200" b="1" cap="none" spc="0" dirty="0">
                 <a:ln/>
                 <a:solidFill>
                   <a:schemeClr val="accent4"/>
@@ -8440,7 +8012,7 @@
 </p:sld>
 </file>
 
-<file path=ppt/slides/slide14.xml><?xml version="1.0" encoding="utf-8"?>
+<file path=ppt/slides/slide13.xml><?xml version="1.0" encoding="utf-8"?>
 <p:sld xmlns:a="http://schemas.openxmlformats.org/drawingml/2006/main" xmlns:r="http://schemas.openxmlformats.org/officeDocument/2006/relationships" xmlns:p="http://schemas.openxmlformats.org/presentationml/2006/main">
   <p:cSld>
     <p:spTree>
@@ -8471,8 +8043,8 @@
         </p:nvSpPr>
         <p:spPr>
           <a:xfrm>
-            <a:off x="648394" y="454145"/>
-            <a:ext cx="3732246" cy="738664"/>
+            <a:off x="648393" y="454145"/>
+            <a:ext cx="5724271" cy="738664"/>
           </a:xfrm>
           <a:prstGeom prst="rect">
             <a:avLst/>
@@ -8486,7 +8058,7 @@
           <a:lstStyle/>
           <a:p>
             <a:r>
-              <a:rPr lang="en-US" sz="2400">
+              <a:rPr lang="en-US" sz="2400" u="sng" dirty="0">
                 <a:solidFill>
                   <a:srgbClr val="00B0F0"/>
                 </a:solidFill>
@@ -8497,7 +8069,7 @@
               </a:rPr>
               <a:t>Condition coverage :</a:t>
             </a:r>
-            <a:endParaRPr lang="en-IN" sz="2400">
+            <a:endParaRPr lang="en-IN" sz="2400" u="sng" dirty="0">
               <a:solidFill>
                 <a:srgbClr val="00B0F0"/>
               </a:solidFill>
@@ -8508,7 +8080,7 @@
             </a:endParaRPr>
           </a:p>
           <a:p>
-            <a:endParaRPr lang="en-IN"/>
+            <a:endParaRPr lang="en-IN" u="sng" dirty="0"/>
           </a:p>
         </p:txBody>
       </p:sp>
@@ -8876,7 +8448,7 @@
 </p:sld>
 </file>
 
-<file path=ppt/slides/slide15.xml><?xml version="1.0" encoding="utf-8"?>
+<file path=ppt/slides/slide14.xml><?xml version="1.0" encoding="utf-8"?>
 <p:sld xmlns:a="http://schemas.openxmlformats.org/drawingml/2006/main" xmlns:r="http://schemas.openxmlformats.org/officeDocument/2006/relationships" xmlns:p="http://schemas.openxmlformats.org/presentationml/2006/main">
   <p:cSld>
     <p:spTree>
@@ -8956,10 +8528,10 @@
           </a:bodyPr>
           <a:lstStyle/>
           <a:p>
-            <a:endParaRPr lang="en-IN"/>
-          </a:p>
-          <a:p>
-            <a:endParaRPr lang="en-IN"/>
+            <a:endParaRPr lang="en-IN" dirty="0"/>
+          </a:p>
+          <a:p>
+            <a:endParaRPr lang="en-IN" dirty="0"/>
           </a:p>
           <a:p>
             <a:pPr>
@@ -8970,7 +8542,7 @@
                 <a:spcPts val="800"/>
               </a:spcAft>
             </a:pPr>
-            <a:endParaRPr lang="en-US" sz="1800">
+            <a:endParaRPr lang="en-US" sz="1800" dirty="0">
               <a:solidFill>
                 <a:srgbClr val="222222"/>
               </a:solidFill>
@@ -8990,7 +8562,7 @@
               </a:spcAft>
             </a:pPr>
             <a:r>
-              <a:rPr lang="en-US" sz="1800">
+              <a:rPr lang="en-US" sz="1800" dirty="0">
                 <a:solidFill>
                   <a:srgbClr val="222222"/>
                 </a:solidFill>
@@ -9001,7 +8573,7 @@
               </a:rPr>
               <a:t>For the above expression, we have 4 possible combinations</a:t>
             </a:r>
-            <a:endParaRPr lang="en-IN" sz="1800">
+            <a:endParaRPr lang="en-IN" sz="1800" dirty="0">
               <a:effectLst/>
               <a:latin typeface="Trebuchet MS"/>
               <a:ea typeface="Source Sans Pro"/>
@@ -9017,7 +8589,7 @@
               <a:buChar char=""/>
             </a:pPr>
             <a:r>
-              <a:rPr lang="en-US" sz="1800">
+              <a:rPr lang="en-US" sz="1800" dirty="0">
                 <a:solidFill>
                   <a:srgbClr val="222222"/>
                 </a:solidFill>
@@ -9028,7 +8600,7 @@
               </a:rPr>
               <a:t>TT</a:t>
             </a:r>
-            <a:endParaRPr lang="en-IN" sz="1800">
+            <a:endParaRPr lang="en-IN" sz="1800" dirty="0">
               <a:effectLst/>
               <a:latin typeface="Trebuchet MS"/>
               <a:ea typeface="Source Sans Pro"/>
@@ -9044,7 +8616,7 @@
               <a:buChar char=""/>
             </a:pPr>
             <a:r>
-              <a:rPr lang="en-US" sz="1800">
+              <a:rPr lang="en-US" sz="1800" dirty="0">
                 <a:solidFill>
                   <a:srgbClr val="222222"/>
                 </a:solidFill>
@@ -9055,7 +8627,7 @@
               </a:rPr>
               <a:t>FF</a:t>
             </a:r>
-            <a:endParaRPr lang="en-IN" sz="1800">
+            <a:endParaRPr lang="en-IN" sz="1800" dirty="0">
               <a:effectLst/>
               <a:latin typeface="Trebuchet MS"/>
               <a:ea typeface="Source Sans Pro"/>
@@ -9071,7 +8643,7 @@
               <a:buChar char=""/>
             </a:pPr>
             <a:r>
-              <a:rPr lang="en-US" sz="1800">
+              <a:rPr lang="en-US" sz="1800" dirty="0">
                 <a:solidFill>
                   <a:srgbClr val="222222"/>
                 </a:solidFill>
@@ -9082,7 +8654,7 @@
               </a:rPr>
               <a:t>TF</a:t>
             </a:r>
-            <a:endParaRPr lang="en-IN" sz="1800">
+            <a:endParaRPr lang="en-IN" sz="1800" dirty="0">
               <a:effectLst/>
               <a:latin typeface="Trebuchet MS"/>
               <a:ea typeface="Source Sans Pro"/>
@@ -9101,7 +8673,7 @@
               <a:buChar char=""/>
             </a:pPr>
             <a:r>
-              <a:rPr lang="en-US" sz="1800">
+              <a:rPr lang="en-US" sz="1800" dirty="0">
                 <a:solidFill>
                   <a:srgbClr val="222222"/>
                 </a:solidFill>
@@ -9115,7 +8687,7 @@
           </a:p>
           <a:p>
             <a:r>
-              <a:rPr lang="en-US" sz="1800">
+              <a:rPr lang="en-US" sz="1800" dirty="0">
                 <a:solidFill>
                   <a:srgbClr val="222222"/>
                 </a:solidFill>
@@ -9126,7 +8698,7 @@
               </a:rPr>
               <a:t>Consider the following input</a:t>
             </a:r>
-            <a:endParaRPr lang="en-IN" sz="1800">
+            <a:endParaRPr lang="en-IN" sz="1800" dirty="0">
               <a:effectLst/>
               <a:latin typeface="Trebuchet MS"/>
               <a:ea typeface="Source Sans Pro"/>
@@ -9134,7 +8706,7 @@
             </a:endParaRPr>
           </a:p>
           <a:p>
-            <a:endParaRPr lang="en-IN"/>
+            <a:endParaRPr lang="en-IN" dirty="0"/>
           </a:p>
         </p:txBody>
       </p:sp>
@@ -9187,13 +8759,13 @@
           <p:nvPr>
             <p:extLst>
               <p:ext uri="{D42A27DB-BD31-4B8C-83A1-F6EECF244321}">
-                <p14:modId xmlns:p14="http://schemas.microsoft.com/office/powerpoint/2010/main" val="1361331339"/>
+                <p14:modId xmlns:p14="http://schemas.microsoft.com/office/powerpoint/2010/main" val="4030847576"/>
               </p:ext>
             </p:extLst>
           </p:nvPr>
         </p:nvGraphicFramePr>
         <p:xfrm>
-          <a:off x="643812" y="3969390"/>
+          <a:off x="643812" y="3969389"/>
           <a:ext cx="5943600" cy="965200"/>
         </p:xfrm>
         <a:graphic>
@@ -9232,7 +8804,7 @@
                   </a:extLst>
                 </a:gridCol>
               </a:tblGrid>
-              <a:tr h="0">
+              <a:tr h="350108">
                 <a:tc>
                   <a:txBody>
                     <a:bodyPr/>
@@ -9336,12 +8908,12 @@
                         </a:spcAft>
                       </a:pPr>
                       <a:r>
-                        <a:rPr lang="en-US" sz="1350">
+                        <a:rPr lang="en-US" sz="1350" dirty="0">
                           <a:effectLst/>
                         </a:rPr>
                         <a:t>TRUE</a:t>
                       </a:r>
-                      <a:endParaRPr lang="en-IN" sz="1100">
+                      <a:endParaRPr lang="en-IN" sz="1100" dirty="0">
                         <a:effectLst/>
                         <a:latin typeface="Calibri" panose="020F0502020204030204" pitchFamily="34" charset="0"/>
                         <a:ea typeface="Calibri" panose="020F0502020204030204" pitchFamily="34" charset="0"/>
@@ -9398,7 +8970,7 @@
                   </a:ext>
                 </a:extLst>
               </a:tr>
-              <a:tr h="0">
+              <a:tr h="350108">
                 <a:tc>
                   <a:txBody>
                     <a:bodyPr/>
@@ -9413,12 +8985,12 @@
                         </a:spcAft>
                       </a:pPr>
                       <a:r>
-                        <a:rPr lang="en-US" sz="1350">
+                        <a:rPr lang="en-US" sz="1350" dirty="0">
                           <a:effectLst/>
                         </a:rPr>
                         <a:t>A=3</a:t>
                       </a:r>
-                      <a:endParaRPr lang="en-IN" sz="1100">
+                      <a:endParaRPr lang="en-IN" sz="1100" dirty="0">
                         <a:effectLst/>
                       </a:endParaRPr>
                     </a:p>
@@ -9432,12 +9004,12 @@
                         </a:spcAft>
                       </a:pPr>
                       <a:r>
-                        <a:rPr lang="en-US" sz="1350">
+                        <a:rPr lang="en-US" sz="1350" dirty="0">
                           <a:effectLst/>
                         </a:rPr>
                         <a:t>B=4</a:t>
                       </a:r>
-                      <a:endParaRPr lang="en-IN" sz="1100">
+                      <a:endParaRPr lang="en-IN" sz="1100" dirty="0">
                         <a:effectLst/>
                         <a:latin typeface="Calibri" panose="020F0502020204030204" pitchFamily="34" charset="0"/>
                         <a:ea typeface="Calibri" panose="020F0502020204030204" pitchFamily="34" charset="0"/>
@@ -9467,7 +9039,7 @@
                         </a:spcAft>
                       </a:pPr>
                       <a:r>
-                        <a:rPr lang="en-US" sz="1350">
+                        <a:rPr lang="en-US" sz="1350" dirty="0">
                           <a:solidFill>
                             <a:schemeClr val="bg1"/>
                           </a:solidFill>
@@ -9475,7 +9047,7 @@
                         </a:rPr>
                         <a:t>(a&gt;b)</a:t>
                       </a:r>
-                      <a:endParaRPr lang="en-IN" sz="1100">
+                      <a:endParaRPr lang="en-IN" sz="1100" dirty="0">
                         <a:solidFill>
                           <a:schemeClr val="bg1"/>
                         </a:solidFill>
@@ -9508,7 +9080,7 @@
                         </a:spcAft>
                       </a:pPr>
                       <a:r>
-                        <a:rPr lang="en-US" sz="1350">
+                        <a:rPr lang="en-US" sz="1350" dirty="0">
                           <a:solidFill>
                             <a:schemeClr val="bg1"/>
                           </a:solidFill>
@@ -9516,7 +9088,7 @@
                         </a:rPr>
                         <a:t>FALSE</a:t>
                       </a:r>
-                      <a:endParaRPr lang="en-IN" sz="1100">
+                      <a:endParaRPr lang="en-IN" sz="1100" dirty="0">
                         <a:solidFill>
                           <a:schemeClr val="bg1"/>
                         </a:solidFill>
@@ -9588,7 +9160,7 @@
               <a:buChar char="•"/>
             </a:pPr>
             <a:r>
-              <a:rPr lang="en-IN"/>
+              <a:rPr lang="en-IN" dirty="0"/>
               <a:t>(x&lt;y) and (a&gt;b) are atomic conditions</a:t>
             </a:r>
           </a:p>
@@ -9607,7 +9179,7 @@
 </p:sld>
 </file>
 
-<file path=ppt/slides/slide16.xml><?xml version="1.0" encoding="utf-8"?>
+<file path=ppt/slides/slide15.xml><?xml version="1.0" encoding="utf-8"?>
 <p:sld xmlns:a="http://schemas.openxmlformats.org/drawingml/2006/main" xmlns:r="http://schemas.openxmlformats.org/officeDocument/2006/relationships" xmlns:p="http://schemas.openxmlformats.org/presentationml/2006/main">
   <p:cSld>
     <p:spTree>
@@ -9653,7 +9225,7 @@
           <a:lstStyle/>
           <a:p>
             <a:r>
-              <a:rPr lang="en-IN" sz="2800" b="1">
+              <a:rPr lang="en-IN" sz="2800" b="1" u="sng" dirty="0">
                 <a:solidFill>
                   <a:srgbClr val="00B0F0"/>
                 </a:solidFill>
@@ -9663,7 +9235,7 @@
           </a:p>
           <a:p>
             <a:r>
-              <a:rPr lang="en-IN" sz="2800" b="1">
+              <a:rPr lang="en-IN" sz="2800" b="1" u="sng" dirty="0">
                 <a:solidFill>
                   <a:srgbClr val="00B0F0"/>
                 </a:solidFill>
@@ -9722,7 +9294,7 @@
 </p:sld>
 </file>
 
-<file path=ppt/slides/slide17.xml><?xml version="1.0" encoding="utf-8"?>
+<file path=ppt/slides/slide16.xml><?xml version="1.0" encoding="utf-8"?>
 <p:sld xmlns:a="http://schemas.openxmlformats.org/drawingml/2006/main" xmlns:r="http://schemas.openxmlformats.org/officeDocument/2006/relationships" xmlns:p="http://schemas.openxmlformats.org/presentationml/2006/main">
   <p:cSld>
     <p:spTree>
@@ -9768,7 +9340,7 @@
           <a:lstStyle/>
           <a:p>
             <a:r>
-              <a:rPr lang="en-IN" sz="2800" b="1">
+              <a:rPr lang="en-IN" sz="2800" b="1" u="sng" dirty="0">
                 <a:solidFill>
                   <a:srgbClr val="00B0F0"/>
                 </a:solidFill>
@@ -9793,7 +9365,7 @@
         <p:spPr>
           <a:xfrm>
             <a:off x="429206" y="877781"/>
-            <a:ext cx="9078687" cy="4178067"/>
+            <a:ext cx="9078687" cy="3000821"/>
           </a:xfrm>
           <a:prstGeom prst="rect">
             <a:avLst/>
@@ -9814,33 +9386,15 @@
               <a:buChar char="•"/>
             </a:pPr>
             <a:r>
-              <a:rPr lang="en-IN" sz="1700">
+              <a:rPr lang="en-IN" sz="1700" dirty="0">
                 <a:effectLst/>
                 <a:latin typeface="Trebuchet MS"/>
                 <a:ea typeface="Calibri" panose="020F0502020204030204" pitchFamily="34" charset="0"/>
                 <a:cs typeface="Mangal"/>
               </a:rPr>
-              <a:t>CBMC is a Bounded Model Checker for C and C++ programs. It supports C version variants C89, C99, most of C11 and most compiler extensions provided by </a:t>
-            </a:r>
-            <a:r>
-              <a:rPr lang="en-IN" sz="1700" err="1">
-                <a:effectLst/>
-                <a:latin typeface="Trebuchet MS"/>
-                <a:ea typeface="Calibri" panose="020F0502020204030204" pitchFamily="34" charset="0"/>
-                <a:cs typeface="Mangal"/>
-              </a:rPr>
-              <a:t>gcc</a:t>
-            </a:r>
-            <a:r>
-              <a:rPr lang="en-IN" sz="1700">
-                <a:effectLst/>
-                <a:latin typeface="Trebuchet MS"/>
-                <a:ea typeface="Calibri" panose="020F0502020204030204" pitchFamily="34" charset="0"/>
-                <a:cs typeface="Mangal"/>
-              </a:rPr>
-              <a:t> and Visual Studio.</a:t>
-            </a:r>
-            <a:endParaRPr lang="en-US" sz="1700">
+              <a:t>CBMC is a Bounded Model Checker for C and C++ programs.</a:t>
+            </a:r>
+            <a:endParaRPr lang="en-US" sz="1700" dirty="0">
               <a:latin typeface="Trebuchet MS"/>
             </a:endParaRPr>
           </a:p>
@@ -9853,7 +9407,7 @@
               <a:buChar char="•"/>
             </a:pPr>
             <a:r>
-              <a:rPr lang="en-IN" sz="1700">
+              <a:rPr lang="en-IN" sz="1700" dirty="0">
                 <a:effectLst/>
                 <a:latin typeface="Trebuchet MS"/>
                 <a:ea typeface="Calibri" panose="020F0502020204030204" pitchFamily="34" charset="0"/>
@@ -9871,13 +9425,13 @@
               <a:buChar char="•"/>
             </a:pPr>
             <a:r>
-              <a:rPr lang="en-IN" sz="1700">
+              <a:rPr lang="en-IN" sz="1700" dirty="0">
                 <a:effectLst/>
                 <a:latin typeface="Trebuchet MS"/>
                 <a:ea typeface="Calibri" panose="020F0502020204030204" pitchFamily="34" charset="0"/>
                 <a:cs typeface="Mangal"/>
               </a:rPr>
-              <a:t>The verification is performed by unwinding the loops in the program and passing the resulting equation to a decision procedure.</a:t>
+              <a:t>Here, in our Project we use CBMC to generate the condition coverage of the code.</a:t>
             </a:r>
           </a:p>
           <a:p>
@@ -9889,32 +9443,14 @@
               <a:buChar char="•"/>
             </a:pPr>
             <a:r>
-              <a:rPr lang="en-IN" sz="1700">
-                <a:effectLst/>
+              <a:rPr lang="en-IN" sz="1700" dirty="0">
                 <a:latin typeface="Trebuchet MS"/>
                 <a:ea typeface="Calibri" panose="020F0502020204030204" pitchFamily="34" charset="0"/>
                 <a:cs typeface="Mangal"/>
               </a:rPr>
-              <a:t>Here, in our Project we use CBMC to generate the condition coverage of the code.</a:t>
-            </a:r>
-          </a:p>
-          <a:p>
-            <a:pPr marL="285750" indent="-285750">
-              <a:lnSpc>
-                <a:spcPct val="150000"/>
-              </a:lnSpc>
-              <a:buFont typeface="Arial" panose="020B0604020202020204" pitchFamily="34" charset="0"/>
-              <a:buChar char="•"/>
-            </a:pPr>
-            <a:r>
-              <a:rPr lang="en-IN" sz="1700">
-                <a:latin typeface="Trebuchet MS"/>
-                <a:ea typeface="Calibri" panose="020F0502020204030204" pitchFamily="34" charset="0"/>
-                <a:cs typeface="Mangal"/>
-              </a:rPr>
               <a:t>Results generated by CBMC :</a:t>
             </a:r>
-            <a:endParaRPr lang="en-IN" sz="1700">
+            <a:endParaRPr lang="en-IN" sz="1700" dirty="0">
               <a:effectLst/>
               <a:latin typeface="Trebuchet MS"/>
               <a:ea typeface="Calibri" panose="020F0502020204030204" pitchFamily="34" charset="0"/>
@@ -9926,7 +9462,7 @@
               <a:buFont typeface="Arial" panose="020B0604020202020204" pitchFamily="34" charset="0"/>
               <a:buChar char="•"/>
             </a:pPr>
-            <a:endParaRPr lang="en-IN" sz="1800">
+            <a:endParaRPr lang="en-IN" sz="1800" dirty="0">
               <a:effectLst/>
               <a:latin typeface="Trebuchet MS"/>
               <a:ea typeface="Calibri" panose="020F0502020204030204" pitchFamily="34" charset="0"/>
@@ -9938,7 +9474,7 @@
               <a:buFont typeface="Arial" panose="020B0604020202020204" pitchFamily="34" charset="0"/>
               <a:buChar char="•"/>
             </a:pPr>
-            <a:endParaRPr lang="en-IN"/>
+            <a:endParaRPr lang="en-IN" dirty="0"/>
           </a:p>
         </p:txBody>
       </p:sp>
@@ -9970,7 +9506,7 @@
         </p:blipFill>
         <p:spPr>
           <a:xfrm>
-            <a:off x="624603" y="4250122"/>
+            <a:off x="405880" y="3673346"/>
             <a:ext cx="11380239" cy="2509934"/>
           </a:xfrm>
           <a:prstGeom prst="rect">
@@ -9991,7 +9527,7 @@
 </p:sld>
 </file>
 
-<file path=ppt/slides/slide18.xml><?xml version="1.0" encoding="utf-8"?>
+<file path=ppt/slides/slide17.xml><?xml version="1.0" encoding="utf-8"?>
 <p:sld xmlns:a="http://schemas.openxmlformats.org/drawingml/2006/main" xmlns:r="http://schemas.openxmlformats.org/officeDocument/2006/relationships" xmlns:p="http://schemas.openxmlformats.org/presentationml/2006/main">
   <p:cSld>
     <p:spTree>
@@ -10022,7 +9558,7 @@
         </p:nvSpPr>
         <p:spPr>
           <a:xfrm>
-            <a:off x="261255" y="345232"/>
+            <a:off x="0" y="0"/>
             <a:ext cx="8378892" cy="523220"/>
           </a:xfrm>
           <a:prstGeom prst="rect">
@@ -10037,7 +9573,7 @@
           <a:lstStyle/>
           <a:p>
             <a:r>
-              <a:rPr lang="en-IN" sz="2800" b="1">
+              <a:rPr lang="en-IN" sz="2800" b="1" u="sng" dirty="0">
                 <a:solidFill>
                   <a:srgbClr val="00B0F0"/>
                 </a:solidFill>
@@ -10061,8 +9597,8 @@
         </p:nvSpPr>
         <p:spPr>
           <a:xfrm>
-            <a:off x="345233" y="868452"/>
-            <a:ext cx="9470571" cy="6748899"/>
+            <a:off x="183609" y="523220"/>
+            <a:ext cx="11318343" cy="6471900"/>
           </a:xfrm>
           <a:prstGeom prst="rect">
             <a:avLst/>
@@ -10081,7 +9617,7 @@
               </a:spcAft>
             </a:pPr>
             <a:r>
-              <a:rPr lang="en-US" sz="2200" b="1">
+              <a:rPr lang="en-US" sz="2200" b="1" dirty="0">
                 <a:effectLst/>
                 <a:latin typeface="Trebuchet MS"/>
                 <a:ea typeface="Calibri" panose="020F0502020204030204" pitchFamily="34" charset="0"/>
@@ -10090,7 +9626,7 @@
               <a:t>Predicate :</a:t>
             </a:r>
             <a:r>
-              <a:rPr lang="en-US" sz="2200" b="1">
+              <a:rPr lang="en-US" sz="2200" b="1" dirty="0">
                 <a:solidFill>
                   <a:srgbClr val="202124"/>
                 </a:solidFill>
@@ -10102,7 +9638,7 @@
               <a:t> </a:t>
             </a:r>
             <a:r>
-              <a:rPr lang="en-US" sz="1800">
+              <a:rPr lang="en-US" sz="1800" dirty="0">
                 <a:solidFill>
                   <a:srgbClr val="202124"/>
                 </a:solidFill>
@@ -10114,7 +9650,7 @@
               <a:t>A path predicate expression is a set of </a:t>
             </a:r>
             <a:r>
-              <a:rPr lang="en-US">
+              <a:rPr lang="en-US" dirty="0">
                 <a:solidFill>
                   <a:srgbClr val="202124"/>
                 </a:solidFill>
@@ -10125,7 +9661,7 @@
               <a:t>Boolean </a:t>
             </a:r>
             <a:r>
-              <a:rPr lang="en-US" sz="1800">
+              <a:rPr lang="en-US" sz="1800" dirty="0">
                 <a:solidFill>
                   <a:srgbClr val="202124"/>
                 </a:solidFill>
@@ -10137,7 +9673,7 @@
               <a:t>expressions, all of which must be satisfied to achieve the selected path. Any set of input values that satisfy all of the conditions of the path predicate expression will force the routine to the path.</a:t>
             </a:r>
             <a:r>
-              <a:rPr lang="en-US">
+              <a:rPr lang="en-US" dirty="0">
                 <a:solidFill>
                   <a:srgbClr val="202124"/>
                 </a:solidFill>
@@ -10148,7 +9684,7 @@
               <a:t> </a:t>
             </a:r>
             <a:r>
-              <a:rPr lang="en-US">
+              <a:rPr lang="en-US" dirty="0">
                 <a:solidFill>
                   <a:srgbClr val="000000"/>
                 </a:solidFill>
@@ -10158,7 +9694,7 @@
               </a:rPr>
               <a:t> </a:t>
             </a:r>
-            <a:endParaRPr lang="en-US" sz="1800">
+            <a:endParaRPr lang="en-US" sz="1800" dirty="0">
               <a:effectLst/>
               <a:latin typeface="Trebuchet MS"/>
               <a:ea typeface="Calibri" panose="020F0502020204030204" pitchFamily="34" charset="0"/>
@@ -10171,7 +9707,7 @@
                 <a:spcPts val="800"/>
               </a:spcAft>
             </a:pPr>
-            <a:endParaRPr lang="en-US">
+            <a:endParaRPr lang="en-US" dirty="0">
               <a:latin typeface="Trebuchet MS"/>
               <a:ea typeface="Calibri" panose="020F0502020204030204" pitchFamily="34" charset="0"/>
               <a:cs typeface="Calibri"/>
@@ -10184,7 +9720,7 @@
               </a:spcAft>
             </a:pPr>
             <a:r>
-              <a:rPr lang="en-US" sz="2200" b="1">
+              <a:rPr lang="en-US" sz="2200" b="1" dirty="0">
                 <a:effectLst/>
                 <a:latin typeface="Trebuchet MS"/>
                 <a:ea typeface="Calibri" panose="020F0502020204030204" pitchFamily="34" charset="0"/>
@@ -10193,7 +9729,7 @@
               <a:t>Atomic Condition : </a:t>
             </a:r>
             <a:r>
-              <a:rPr lang="en-US" sz="1800">
+              <a:rPr lang="en-US" sz="1800" dirty="0">
                 <a:solidFill>
                   <a:srgbClr val="202124"/>
                 </a:solidFill>
@@ -10212,7 +9748,7 @@
               </a:spcAft>
             </a:pPr>
             <a:r>
-              <a:rPr lang="en-US" sz="1800">
+              <a:rPr lang="en-US" sz="1800" dirty="0">
                 <a:effectLst/>
                 <a:latin typeface="Trebuchet MS"/>
                 <a:ea typeface="Calibri" panose="020F0502020204030204" pitchFamily="34" charset="0"/>
@@ -10221,14 +9757,14 @@
               <a:t>e.g. :</a:t>
             </a:r>
             <a:r>
-              <a:rPr lang="en-US">
+              <a:rPr lang="en-US" dirty="0">
                 <a:latin typeface="Trebuchet MS"/>
                 <a:ea typeface="Calibri" panose="020F0502020204030204" pitchFamily="34" charset="0"/>
                 <a:cs typeface="Calibri"/>
               </a:rPr>
               <a:t>      </a:t>
             </a:r>
-            <a:endParaRPr lang="en-US" sz="1800">
+            <a:endParaRPr lang="en-US" sz="1800" dirty="0">
               <a:effectLst/>
               <a:latin typeface="Trebuchet MS"/>
               <a:ea typeface="Calibri" panose="020F0502020204030204" pitchFamily="34" charset="0"/>
@@ -10242,7 +9778,7 @@
               </a:spcAft>
             </a:pPr>
             <a:r>
-              <a:rPr lang="en-US" sz="1600">
+              <a:rPr lang="en-US" sz="1600" dirty="0">
                 <a:effectLst/>
                 <a:latin typeface="Trebuchet MS"/>
                 <a:ea typeface="Calibri" panose="020F0502020204030204" pitchFamily="34" charset="0"/>
@@ -10251,7 +9787,7 @@
               <a:t>	</a:t>
             </a:r>
             <a:r>
-              <a:rPr lang="en-US" b="1">
+              <a:rPr lang="en-US" b="1" dirty="0">
                 <a:effectLst/>
                 <a:latin typeface="Trebuchet MS"/>
                 <a:ea typeface="Calibri" panose="020F0502020204030204" pitchFamily="34" charset="0"/>
@@ -10260,7 +9796,7 @@
               <a:t>if(((a1551570219 == 32 &amp;&amp; (( </a:t>
             </a:r>
             <a:r>
-              <a:rPr lang="en-US" b="1" err="1">
+              <a:rPr lang="en-US" b="1" dirty="0" err="1">
                 <a:effectLst/>
                 <a:latin typeface="Trebuchet MS"/>
                 <a:ea typeface="Calibri" panose="020F0502020204030204" pitchFamily="34" charset="0"/>
@@ -10269,7 +9805,7 @@
               <a:t>cf</a:t>
             </a:r>
             <a:r>
-              <a:rPr lang="en-US" b="1">
+              <a:rPr lang="en-US" b="1" dirty="0">
                 <a:effectLst/>
                 <a:latin typeface="Trebuchet MS"/>
                 <a:ea typeface="Calibri" panose="020F0502020204030204" pitchFamily="34" charset="0"/>
@@ -10278,7 +9814,7 @@
               <a:t>==1</a:t>
             </a:r>
             <a:r>
-              <a:rPr lang="en-US" b="1">
+              <a:rPr lang="en-US" b="1" dirty="0">
                 <a:latin typeface="Trebuchet MS"/>
                 <a:ea typeface="Calibri" panose="020F0502020204030204" pitchFamily="34" charset="0"/>
                 <a:cs typeface="Calibri"/>
@@ -10286,7 +9822,7 @@
               <a:t> </a:t>
             </a:r>
             <a:r>
-              <a:rPr lang="en-US" b="1">
+              <a:rPr lang="en-US" b="1" dirty="0">
                 <a:effectLst/>
                 <a:latin typeface="Trebuchet MS"/>
                 <a:ea typeface="Calibri" panose="020F0502020204030204" pitchFamily="34" charset="0"/>
@@ -10294,7 +9830,7 @@
               </a:rPr>
               <a:t> &amp;&amp; a1944816302 == 32) &amp;&amp; (input == 2))) &amp;&amp; a1041640432 == 10))</a:t>
             </a:r>
-            <a:endParaRPr lang="en-IN" sz="1600">
+            <a:endParaRPr lang="en-IN" sz="1600" dirty="0">
               <a:effectLst/>
               <a:latin typeface="Trebuchet MS"/>
               <a:ea typeface="Calibri" panose="020F0502020204030204" pitchFamily="34" charset="0"/>
@@ -10310,7 +9846,7 @@
               <a:buChar char="•"/>
             </a:pPr>
             <a:r>
-              <a:rPr lang="en-US" sz="1800">
+              <a:rPr lang="en-US" sz="1800" dirty="0">
                 <a:effectLst/>
                 <a:latin typeface="Trebuchet MS"/>
                 <a:ea typeface="Calibri" panose="020F0502020204030204" pitchFamily="34" charset="0"/>
@@ -10318,7 +9854,7 @@
               </a:rPr>
               <a:t>In our Code we defined several properties of a predicate object.</a:t>
             </a:r>
-            <a:endParaRPr lang="en-IN" sz="1800">
+            <a:endParaRPr lang="en-IN" sz="1800" dirty="0">
               <a:effectLst/>
               <a:latin typeface="Trebuchet MS"/>
               <a:ea typeface="Calibri" panose="020F0502020204030204" pitchFamily="34" charset="0"/>
@@ -10330,7 +9866,7 @@
               <a:buAutoNum type="arabicPeriod"/>
             </a:pPr>
             <a:r>
-              <a:rPr lang="en-US" sz="1800">
+              <a:rPr lang="en-US" sz="1800" dirty="0">
                 <a:effectLst/>
                 <a:latin typeface="Trebuchet MS"/>
                 <a:ea typeface="Calibri" panose="020F0502020204030204" pitchFamily="34" charset="0"/>
@@ -10338,7 +9874,7 @@
               </a:rPr>
               <a:t>Rank</a:t>
             </a:r>
-            <a:endParaRPr lang="en-IN" sz="1800">
+            <a:endParaRPr lang="en-IN" sz="1800" dirty="0">
               <a:effectLst/>
               <a:latin typeface="Trebuchet MS"/>
               <a:ea typeface="Calibri" panose="020F0502020204030204" pitchFamily="34" charset="0"/>
@@ -10350,7 +9886,7 @@
               <a:buAutoNum type="arabicPeriod"/>
             </a:pPr>
             <a:r>
-              <a:rPr lang="en-US" sz="1800" err="1">
+              <a:rPr lang="en-US" sz="1800" dirty="0" err="1">
                 <a:effectLst/>
                 <a:latin typeface="Trebuchet MS"/>
                 <a:ea typeface="Calibri" panose="020F0502020204030204" pitchFamily="34" charset="0"/>
@@ -10358,7 +9894,7 @@
               </a:rPr>
               <a:t>STarget</a:t>
             </a:r>
-            <a:endParaRPr lang="en-IN" sz="1800">
+            <a:endParaRPr lang="en-IN" sz="1800" dirty="0">
               <a:effectLst/>
               <a:latin typeface="Trebuchet MS"/>
               <a:ea typeface="Calibri" panose="020F0502020204030204" pitchFamily="34" charset="0"/>
@@ -10370,7 +9906,7 @@
               <a:buAutoNum type="arabicPeriod"/>
             </a:pPr>
             <a:r>
-              <a:rPr lang="en-US" sz="1800" err="1">
+              <a:rPr lang="en-US" sz="1800" dirty="0" err="1">
                 <a:effectLst/>
                 <a:latin typeface="Trebuchet MS"/>
                 <a:ea typeface="Calibri" panose="020F0502020204030204" pitchFamily="34" charset="0"/>
@@ -10378,7 +9914,7 @@
               </a:rPr>
               <a:t>SObserved</a:t>
             </a:r>
-            <a:endParaRPr lang="en-IN" sz="1800">
+            <a:endParaRPr lang="en-IN" sz="1800" dirty="0">
               <a:effectLst/>
               <a:latin typeface="Trebuchet MS"/>
               <a:ea typeface="Calibri" panose="020F0502020204030204" pitchFamily="34" charset="0"/>
@@ -10390,7 +9926,7 @@
               <a:buAutoNum type="arabicPeriod"/>
             </a:pPr>
             <a:r>
-              <a:rPr lang="en-US" sz="1800">
+              <a:rPr lang="en-US" sz="1800" dirty="0">
                 <a:effectLst/>
                 <a:latin typeface="Trebuchet MS"/>
                 <a:ea typeface="Calibri" panose="020F0502020204030204" pitchFamily="34" charset="0"/>
@@ -10398,7 +9934,7 @@
               </a:rPr>
               <a:t>Fitness</a:t>
             </a:r>
-            <a:endParaRPr lang="en-IN" sz="1800">
+            <a:endParaRPr lang="en-IN" sz="1800" dirty="0">
               <a:effectLst/>
               <a:latin typeface="Trebuchet MS"/>
               <a:ea typeface="Calibri" panose="020F0502020204030204" pitchFamily="34" charset="0"/>
@@ -10410,7 +9946,7 @@
               <a:buAutoNum type="arabicPeriod"/>
             </a:pPr>
             <a:r>
-              <a:rPr lang="en-US" sz="1800" err="1">
+              <a:rPr lang="en-US" sz="1800" dirty="0" err="1">
                 <a:effectLst/>
                 <a:latin typeface="Trebuchet MS"/>
                 <a:ea typeface="Calibri" panose="020F0502020204030204" pitchFamily="34" charset="0"/>
@@ -10418,7 +9954,7 @@
               </a:rPr>
               <a:t>AtomCount</a:t>
             </a:r>
-            <a:endParaRPr lang="en-IN" sz="1800">
+            <a:endParaRPr lang="en-IN" sz="1800" dirty="0">
               <a:effectLst/>
               <a:latin typeface="Trebuchet MS"/>
               <a:ea typeface="Calibri" panose="020F0502020204030204" pitchFamily="34" charset="0"/>
@@ -10430,7 +9966,7 @@
               <a:buAutoNum type="arabicPeriod"/>
             </a:pPr>
             <a:r>
-              <a:rPr lang="en-US" sz="1800" err="1">
+              <a:rPr lang="en-US" sz="1800" dirty="0" err="1">
                 <a:effectLst/>
                 <a:latin typeface="Trebuchet MS"/>
                 <a:ea typeface="Calibri" panose="020F0502020204030204" pitchFamily="34" charset="0"/>
@@ -10438,7 +9974,7 @@
               </a:rPr>
               <a:t>OperatorScore</a:t>
             </a:r>
-            <a:endParaRPr lang="en-IN" sz="1800">
+            <a:endParaRPr lang="en-IN" sz="1800" dirty="0">
               <a:effectLst/>
               <a:latin typeface="Trebuchet MS"/>
               <a:ea typeface="Calibri" panose="020F0502020204030204" pitchFamily="34" charset="0"/>
@@ -10450,7 +9986,7 @@
               <a:buAutoNum type="arabicPeriod"/>
             </a:pPr>
             <a:r>
-              <a:rPr lang="en-US" sz="1800" err="1">
+              <a:rPr lang="en-US" sz="1800" dirty="0" err="1">
                 <a:effectLst/>
                 <a:latin typeface="Trebuchet MS"/>
                 <a:ea typeface="Calibri" panose="020F0502020204030204" pitchFamily="34" charset="0"/>
@@ -10458,7 +9994,7 @@
               </a:rPr>
               <a:t>ReachabilityScore</a:t>
             </a:r>
-            <a:endParaRPr lang="en-IN" sz="1800">
+            <a:endParaRPr lang="en-IN" sz="1800" dirty="0">
               <a:effectLst/>
               <a:latin typeface="Trebuchet MS"/>
               <a:ea typeface="Calibri" panose="020F0502020204030204" pitchFamily="34" charset="0"/>
@@ -10470,7 +10006,7 @@
               <a:buAutoNum type="arabicPeriod"/>
             </a:pPr>
             <a:r>
-              <a:rPr lang="en-US" sz="1800" err="1">
+              <a:rPr lang="en-US" sz="1800" dirty="0" err="1">
                 <a:effectLst/>
                 <a:latin typeface="Trebuchet MS"/>
                 <a:ea typeface="Calibri" panose="020F0502020204030204" pitchFamily="34" charset="0"/>
@@ -10479,7 +10015,7 @@
               <a:t>LineNo</a:t>
             </a:r>
             <a:r>
-              <a:rPr lang="en-US" sz="1800">
+              <a:rPr lang="en-US" sz="1800" dirty="0">
                 <a:effectLst/>
                 <a:latin typeface="Trebuchet MS"/>
                 <a:ea typeface="Calibri" panose="020F0502020204030204" pitchFamily="34" charset="0"/>
@@ -10488,7 +10024,7 @@
               <a:t> (line # of predicate p in</a:t>
             </a:r>
             <a:r>
-              <a:rPr lang="en-US">
+              <a:rPr lang="en-US" dirty="0">
                 <a:latin typeface="Trebuchet MS"/>
                 <a:ea typeface="Calibri" panose="020F0502020204030204" pitchFamily="34" charset="0"/>
                 <a:cs typeface="Calibri"/>
@@ -10496,7 +10032,7 @@
               <a:t> C</a:t>
             </a:r>
             <a:r>
-              <a:rPr lang="en-US" sz="1800">
+              <a:rPr lang="en-US" sz="1800" dirty="0">
                 <a:effectLst/>
                 <a:latin typeface="Trebuchet MS"/>
                 <a:ea typeface="Calibri" panose="020F0502020204030204" pitchFamily="34" charset="0"/>
@@ -10504,7 +10040,7 @@
               </a:rPr>
               <a:t> program)</a:t>
             </a:r>
-            <a:endParaRPr lang="en-IN" sz="1800">
+            <a:endParaRPr lang="en-IN" sz="1800" dirty="0">
               <a:effectLst/>
               <a:latin typeface="Trebuchet MS"/>
               <a:ea typeface="Calibri" panose="020F0502020204030204" pitchFamily="34" charset="0"/>
@@ -10519,7 +10055,7 @@
               <a:buAutoNum type="arabicPeriod"/>
             </a:pPr>
             <a:r>
-              <a:rPr lang="en-US" sz="1800">
+              <a:rPr lang="en-US" sz="1800" dirty="0">
                 <a:effectLst/>
                 <a:latin typeface="Trebuchet MS"/>
                 <a:ea typeface="Calibri" panose="020F0502020204030204" pitchFamily="34" charset="0"/>
@@ -10528,7 +10064,7 @@
               <a:t>Text</a:t>
             </a:r>
             <a:r>
-              <a:rPr lang="en-US">
+              <a:rPr lang="en-US" dirty="0">
                 <a:latin typeface="Trebuchet MS"/>
                 <a:ea typeface="Calibri" panose="020F0502020204030204" pitchFamily="34" charset="0"/>
                 <a:cs typeface="Calibri"/>
@@ -10536,7 +10072,7 @@
               <a:t> </a:t>
             </a:r>
             <a:r>
-              <a:rPr lang="en-US" sz="1800">
+              <a:rPr lang="en-US" sz="1800" dirty="0">
                 <a:effectLst/>
                 <a:latin typeface="Trebuchet MS"/>
                 <a:ea typeface="Calibri" panose="020F0502020204030204" pitchFamily="34" charset="0"/>
@@ -10544,7 +10080,7 @@
               </a:rPr>
               <a:t>(content of predicate p)</a:t>
             </a:r>
-            <a:endParaRPr lang="en-IN" sz="1800">
+            <a:endParaRPr lang="en-IN" sz="1800" dirty="0">
               <a:effectLst/>
               <a:latin typeface="Trebuchet MS"/>
               <a:ea typeface="Calibri" panose="020F0502020204030204" pitchFamily="34" charset="0"/>
@@ -10560,7 +10096,7 @@
                 <a:spcPts val="800"/>
               </a:spcAft>
             </a:pPr>
-            <a:endParaRPr lang="en-IN" sz="1800">
+            <a:endParaRPr lang="en-IN" sz="1800" dirty="0">
               <a:effectLst/>
               <a:latin typeface="Trebuchet MS"/>
               <a:ea typeface="Calibri" panose="020F0502020204030204" pitchFamily="34" charset="0"/>
@@ -10582,7 +10118,7 @@
 </p:sld>
 </file>
 
-<file path=ppt/slides/slide19.xml><?xml version="1.0" encoding="utf-8"?>
+<file path=ppt/slides/slide18.xml><?xml version="1.0" encoding="utf-8"?>
 <p:sld xmlns:a="http://schemas.openxmlformats.org/drawingml/2006/main" xmlns:r="http://schemas.openxmlformats.org/officeDocument/2006/relationships" xmlns:p="http://schemas.openxmlformats.org/presentationml/2006/main">
   <p:cSld>
     <p:spTree>
@@ -10628,7 +10164,7 @@
           <a:lstStyle/>
           <a:p>
             <a:r>
-              <a:rPr lang="en-IN" sz="2800" b="1">
+              <a:rPr lang="en-IN" sz="2800" b="1" u="sng" dirty="0">
                 <a:solidFill>
                   <a:srgbClr val="00B0F0"/>
                 </a:solidFill>
@@ -10936,206 +10472,7 @@
 </p:sld>
 </file>
 
-<file path=ppt/slides/slide2.xml><?xml version="1.0" encoding="utf-8"?>
-<p:sld xmlns:a="http://schemas.openxmlformats.org/drawingml/2006/main" xmlns:r="http://schemas.openxmlformats.org/officeDocument/2006/relationships" xmlns:p="http://schemas.openxmlformats.org/presentationml/2006/main">
-  <p:cSld>
-    <p:spTree>
-      <p:nvGrpSpPr>
-        <p:cNvPr id="1" name=""/>
-        <p:cNvGrpSpPr/>
-        <p:nvPr/>
-      </p:nvGrpSpPr>
-      <p:grpSpPr>
-        <a:xfrm>
-          <a:off x="0" y="0"/>
-          <a:ext cx="0" cy="0"/>
-          <a:chOff x="0" y="0"/>
-          <a:chExt cx="0" cy="0"/>
-        </a:xfrm>
-      </p:grpSpPr>
-      <p:sp>
-        <p:nvSpPr>
-          <p:cNvPr id="2" name="Rectangle 1">
-            <a:extLst>
-              <a:ext uri="{FF2B5EF4-FFF2-40B4-BE49-F238E27FC236}">
-                <a16:creationId xmlns:a16="http://schemas.microsoft.com/office/drawing/2014/main" id="{268B8073-AF6E-4502-9CAC-00307CAAD14D}"/>
-              </a:ext>
-            </a:extLst>
-          </p:cNvPr>
-          <p:cNvSpPr/>
-          <p:nvPr/>
-        </p:nvSpPr>
-        <p:spPr>
-          <a:xfrm>
-            <a:off x="1865086" y="1582341"/>
-            <a:ext cx="8461828" cy="2308324"/>
-          </a:xfrm>
-          <a:prstGeom prst="rect">
-            <a:avLst/>
-          </a:prstGeom>
-          <a:noFill/>
-        </p:spPr>
-        <p:txBody>
-          <a:bodyPr wrap="square" lIns="91440" tIns="45720" rIns="91440" bIns="45720" anchor="t">
-            <a:spAutoFit/>
-          </a:bodyPr>
-          <a:lstStyle/>
-          <a:p>
-            <a:pPr algn="ctr"/>
-            <a:r>
-              <a:rPr lang="en-US" sz="4800" b="0" cap="none" spc="0" dirty="0">
-                <a:ln w="0"/>
-                <a:solidFill>
-                  <a:schemeClr val="tx2"/>
-                </a:solidFill>
-                <a:effectLst>
-                  <a:outerShdw blurRad="38100" dist="25400" dir="5400000" algn="ctr" rotWithShape="0">
-                    <a:srgbClr val="6E747A">
-                      <a:alpha val="43000"/>
-                    </a:srgbClr>
-                  </a:outerShdw>
-                </a:effectLst>
-              </a:rPr>
-              <a:t>CRG: </a:t>
-            </a:r>
-          </a:p>
-          <a:p>
-            <a:pPr algn="ctr"/>
-            <a:r>
-              <a:rPr lang="en-US" sz="4800" b="0" cap="none" spc="0" dirty="0">
-                <a:ln w="0"/>
-                <a:solidFill>
-                  <a:schemeClr val="tx2"/>
-                </a:solidFill>
-                <a:effectLst>
-                  <a:outerShdw blurRad="38100" dist="25400" dir="5400000" algn="ctr" rotWithShape="0">
-                    <a:srgbClr val="6E747A">
-                      <a:alpha val="43000"/>
-                    </a:srgbClr>
-                  </a:outerShdw>
-                </a:effectLst>
-              </a:rPr>
-              <a:t>Condition Rank Generator for Program Repair  </a:t>
-            </a:r>
-          </a:p>
-        </p:txBody>
-      </p:sp>
-      <p:sp>
-        <p:nvSpPr>
-          <p:cNvPr id="3" name="Rectangle 2">
-            <a:extLst>
-              <a:ext uri="{FF2B5EF4-FFF2-40B4-BE49-F238E27FC236}">
-                <a16:creationId xmlns:a16="http://schemas.microsoft.com/office/drawing/2014/main" id="{DA56A42D-C87F-450D-B470-E913EF85ADEF}"/>
-              </a:ext>
-            </a:extLst>
-          </p:cNvPr>
-          <p:cNvSpPr/>
-          <p:nvPr/>
-        </p:nvSpPr>
-        <p:spPr>
-          <a:xfrm>
-            <a:off x="6017705" y="2967335"/>
-            <a:ext cx="184730" cy="923330"/>
-          </a:xfrm>
-          <a:prstGeom prst="rect">
-            <a:avLst/>
-          </a:prstGeom>
-          <a:noFill/>
-        </p:spPr>
-        <p:txBody>
-          <a:bodyPr wrap="none" lIns="91440" tIns="45720" rIns="91440" bIns="45720">
-            <a:spAutoFit/>
-          </a:bodyPr>
-          <a:lstStyle/>
-          <a:p>
-            <a:pPr algn="ctr"/>
-            <a:endParaRPr lang="en-US" sz="5400" b="1" cap="none" spc="0">
-              <a:ln w="13462">
-                <a:solidFill>
-                  <a:schemeClr val="bg1"/>
-                </a:solidFill>
-                <a:prstDash val="solid"/>
-              </a:ln>
-              <a:solidFill>
-                <a:schemeClr val="tx1">
-                  <a:lumMod val="85000"/>
-                  <a:lumOff val="15000"/>
-                </a:schemeClr>
-              </a:solidFill>
-              <a:effectLst>
-                <a:outerShdw dist="38100" dir="2700000" algn="bl" rotWithShape="0">
-                  <a:schemeClr val="accent5"/>
-                </a:outerShdw>
-              </a:effectLst>
-            </a:endParaRPr>
-          </a:p>
-        </p:txBody>
-      </p:sp>
-      <p:sp>
-        <p:nvSpPr>
-          <p:cNvPr id="5" name="Rectangle 4">
-            <a:extLst>
-              <a:ext uri="{FF2B5EF4-FFF2-40B4-BE49-F238E27FC236}">
-                <a16:creationId xmlns:a16="http://schemas.microsoft.com/office/drawing/2014/main" id="{C3B01A7D-8385-417E-AF69-D99F4DB464A2}"/>
-              </a:ext>
-            </a:extLst>
-          </p:cNvPr>
-          <p:cNvSpPr/>
-          <p:nvPr/>
-        </p:nvSpPr>
-        <p:spPr>
-          <a:xfrm>
-            <a:off x="6003637" y="2967335"/>
-            <a:ext cx="184730" cy="923330"/>
-          </a:xfrm>
-          <a:prstGeom prst="rect">
-            <a:avLst/>
-          </a:prstGeom>
-          <a:noFill/>
-        </p:spPr>
-        <p:txBody>
-          <a:bodyPr wrap="none" lIns="91440" tIns="45720" rIns="91440" bIns="45720">
-            <a:spAutoFit/>
-          </a:bodyPr>
-          <a:lstStyle/>
-          <a:p>
-            <a:pPr algn="ctr"/>
-            <a:endParaRPr lang="en-US" sz="5400" b="1" cap="none" spc="0">
-              <a:ln w="13462">
-                <a:solidFill>
-                  <a:schemeClr val="bg1"/>
-                </a:solidFill>
-                <a:prstDash val="solid"/>
-              </a:ln>
-              <a:solidFill>
-                <a:schemeClr val="tx1">
-                  <a:lumMod val="85000"/>
-                  <a:lumOff val="15000"/>
-                </a:schemeClr>
-              </a:solidFill>
-              <a:effectLst>
-                <a:outerShdw dist="38100" dir="2700000" algn="bl" rotWithShape="0">
-                  <a:schemeClr val="accent5"/>
-                </a:outerShdw>
-              </a:effectLst>
-            </a:endParaRPr>
-          </a:p>
-        </p:txBody>
-      </p:sp>
-    </p:spTree>
-    <p:extLst>
-      <p:ext uri="{BB962C8B-B14F-4D97-AF65-F5344CB8AC3E}">
-        <p14:creationId xmlns:p14="http://schemas.microsoft.com/office/powerpoint/2010/main" val="3165564754"/>
-      </p:ext>
-    </p:extLst>
-  </p:cSld>
-  <p:clrMapOvr>
-    <a:masterClrMapping/>
-  </p:clrMapOvr>
-</p:sld>
-</file>
-
-<file path=ppt/slides/slide20.xml><?xml version="1.0" encoding="utf-8"?>
+<file path=ppt/slides/slide19.xml><?xml version="1.0" encoding="utf-8"?>
 <p:sld xmlns:a="http://schemas.openxmlformats.org/drawingml/2006/main" xmlns:r="http://schemas.openxmlformats.org/officeDocument/2006/relationships" xmlns:p="http://schemas.openxmlformats.org/presentationml/2006/main">
   <p:cSld>
     <p:spTree>
@@ -11550,7 +10887,201 @@
 </p:sld>
 </file>
 
-<file path=ppt/slides/slide21.xml><?xml version="1.0" encoding="utf-8"?>
+<file path=ppt/slides/slide2.xml><?xml version="1.0" encoding="utf-8"?>
+<p:sld xmlns:a="http://schemas.openxmlformats.org/drawingml/2006/main" xmlns:r="http://schemas.openxmlformats.org/officeDocument/2006/relationships" xmlns:p="http://schemas.openxmlformats.org/presentationml/2006/main">
+  <p:cSld>
+    <p:spTree>
+      <p:nvGrpSpPr>
+        <p:cNvPr id="1" name=""/>
+        <p:cNvGrpSpPr/>
+        <p:nvPr/>
+      </p:nvGrpSpPr>
+      <p:grpSpPr>
+        <a:xfrm>
+          <a:off x="0" y="0"/>
+          <a:ext cx="0" cy="0"/>
+          <a:chOff x="0" y="0"/>
+          <a:chExt cx="0" cy="0"/>
+        </a:xfrm>
+      </p:grpSpPr>
+      <p:sp>
+        <p:nvSpPr>
+          <p:cNvPr id="2" name="Rectangle 1">
+            <a:extLst>
+              <a:ext uri="{FF2B5EF4-FFF2-40B4-BE49-F238E27FC236}">
+                <a16:creationId xmlns:a16="http://schemas.microsoft.com/office/drawing/2014/main" id="{2D0B24AE-50C0-41A0-B431-7B8C117ADD52}"/>
+              </a:ext>
+            </a:extLst>
+          </p:cNvPr>
+          <p:cNvSpPr/>
+          <p:nvPr/>
+        </p:nvSpPr>
+        <p:spPr>
+          <a:xfrm>
+            <a:off x="1081314" y="1048776"/>
+            <a:ext cx="4163320" cy="584775"/>
+          </a:xfrm>
+          <a:prstGeom prst="rect">
+            <a:avLst/>
+          </a:prstGeom>
+          <a:noFill/>
+        </p:spPr>
+        <p:txBody>
+          <a:bodyPr wrap="none" lIns="91440" tIns="45720" rIns="91440" bIns="45720" anchor="t">
+            <a:spAutoFit/>
+          </a:bodyPr>
+          <a:lstStyle/>
+          <a:p>
+            <a:pPr algn="ctr"/>
+            <a:r>
+              <a:rPr lang="en-US" sz="3200" b="0" u="sng" cap="none" spc="0" dirty="0">
+                <a:ln w="0"/>
+                <a:solidFill>
+                  <a:srgbClr val="00B0F0"/>
+                </a:solidFill>
+                <a:effectLst>
+                  <a:outerShdw blurRad="38100" dist="19050" dir="2700000" algn="tl" rotWithShape="0">
+                    <a:schemeClr val="dk1">
+                      <a:alpha val="40000"/>
+                    </a:schemeClr>
+                  </a:outerShdw>
+                </a:effectLst>
+              </a:rPr>
+              <a:t>What we did till now:</a:t>
+            </a:r>
+            <a:endParaRPr lang="en-US" sz="3200" b="0" u="sng" cap="none" spc="0" dirty="0">
+              <a:ln w="0"/>
+              <a:solidFill>
+                <a:srgbClr val="00B0F0"/>
+              </a:solidFill>
+              <a:effectLst>
+                <a:outerShdw blurRad="38100" dist="19050" dir="2700000" algn="tl" rotWithShape="0">
+                  <a:prstClr val="black">
+                    <a:alpha val="40000"/>
+                  </a:prstClr>
+                </a:outerShdw>
+              </a:effectLst>
+            </a:endParaRPr>
+          </a:p>
+        </p:txBody>
+      </p:sp>
+      <p:sp>
+        <p:nvSpPr>
+          <p:cNvPr id="4" name="TextBox 3">
+            <a:extLst>
+              <a:ext uri="{FF2B5EF4-FFF2-40B4-BE49-F238E27FC236}">
+                <a16:creationId xmlns:a16="http://schemas.microsoft.com/office/drawing/2014/main" id="{BFC49918-09AA-4587-9B22-469B0B508394}"/>
+              </a:ext>
+            </a:extLst>
+          </p:cNvPr>
+          <p:cNvSpPr txBox="1"/>
+          <p:nvPr/>
+        </p:nvSpPr>
+        <p:spPr>
+          <a:xfrm>
+            <a:off x="870298" y="2087704"/>
+            <a:ext cx="10215044" cy="3077189"/>
+          </a:xfrm>
+          <a:prstGeom prst="rect">
+            <a:avLst/>
+          </a:prstGeom>
+          <a:noFill/>
+        </p:spPr>
+        <p:txBody>
+          <a:bodyPr wrap="square" lIns="91440" tIns="45720" rIns="91440" bIns="45720" rtlCol="0" anchor="t">
+            <a:spAutoFit/>
+          </a:bodyPr>
+          <a:lstStyle/>
+          <a:p>
+            <a:pPr marL="457200" indent="-457200" algn="just">
+              <a:lnSpc>
+                <a:spcPct val="150000"/>
+              </a:lnSpc>
+              <a:buFont typeface="+mj-lt"/>
+              <a:buAutoNum type="arabicPeriod"/>
+            </a:pPr>
+            <a:r>
+              <a:rPr lang="en-US" sz="2200" dirty="0">
+                <a:ln/>
+              </a:rPr>
+              <a:t>We</a:t>
+            </a:r>
+            <a:r>
+              <a:rPr lang="en-US" sz="2200" cap="none" spc="0" dirty="0">
+                <a:ln/>
+                <a:effectLst/>
+              </a:rPr>
+              <a:t> formulated and Implemented the Line/Statement Rank Generator for Program Repair.</a:t>
+            </a:r>
+          </a:p>
+          <a:p>
+            <a:pPr marL="457200" indent="-457200" algn="just">
+              <a:lnSpc>
+                <a:spcPct val="150000"/>
+              </a:lnSpc>
+              <a:buFont typeface="+mj-lt"/>
+              <a:buAutoNum type="arabicPeriod"/>
+            </a:pPr>
+            <a:r>
+              <a:rPr lang="en-IN" sz="2200" dirty="0"/>
+              <a:t>We implemented the following:</a:t>
+            </a:r>
+          </a:p>
+          <a:p>
+            <a:pPr marL="914400" lvl="1" indent="-457200" algn="just">
+              <a:lnSpc>
+                <a:spcPct val="150000"/>
+              </a:lnSpc>
+              <a:buFont typeface="+mj-lt"/>
+              <a:buAutoNum type="arabicPeriod"/>
+            </a:pPr>
+            <a:r>
+              <a:rPr lang="en-IN" sz="2200" dirty="0"/>
+              <a:t>Line/Statement Code Coverage and Rank Generator.</a:t>
+            </a:r>
+          </a:p>
+          <a:p>
+            <a:pPr marL="914400" lvl="1" indent="-457200" algn="just">
+              <a:lnSpc>
+                <a:spcPct val="150000"/>
+              </a:lnSpc>
+              <a:buFont typeface="+mj-lt"/>
+              <a:buAutoNum type="arabicPeriod"/>
+            </a:pPr>
+            <a:r>
+              <a:rPr lang="en-IN" sz="2200" dirty="0"/>
+              <a:t>Suspicious Scores/ Likelihood scores of statements in the code.</a:t>
+            </a:r>
+          </a:p>
+          <a:p>
+            <a:pPr marL="914400" lvl="1" indent="-457200" algn="just">
+              <a:lnSpc>
+                <a:spcPct val="150000"/>
+              </a:lnSpc>
+              <a:buFont typeface="+mj-lt"/>
+              <a:buAutoNum type="arabicPeriod"/>
+            </a:pPr>
+            <a:r>
+              <a:rPr lang="en-IN" sz="2200" dirty="0"/>
+              <a:t>Set of indices of suspicious statements (ordered by likelihood score).</a:t>
+            </a:r>
+          </a:p>
+        </p:txBody>
+      </p:sp>
+    </p:spTree>
+    <p:extLst>
+      <p:ext uri="{BB962C8B-B14F-4D97-AF65-F5344CB8AC3E}">
+        <p14:creationId xmlns:p14="http://schemas.microsoft.com/office/powerpoint/2010/main" val="2058808523"/>
+      </p:ext>
+    </p:extLst>
+  </p:cSld>
+  <p:clrMapOvr>
+    <a:masterClrMapping/>
+  </p:clrMapOvr>
+</p:sld>
+</file>
+
+<file path=ppt/slides/slide20.xml><?xml version="1.0" encoding="utf-8"?>
 <p:sld xmlns:a="http://schemas.openxmlformats.org/drawingml/2006/main" xmlns:r="http://schemas.openxmlformats.org/officeDocument/2006/relationships" xmlns:p="http://schemas.openxmlformats.org/presentationml/2006/main">
   <p:cSld>
     <p:spTree>
@@ -11995,7 +11526,7 @@
 </p:sld>
 </file>
 
-<file path=ppt/slides/slide22.xml><?xml version="1.0" encoding="utf-8"?>
+<file path=ppt/slides/slide21.xml><?xml version="1.0" encoding="utf-8"?>
 <p:sld xmlns:a="http://schemas.openxmlformats.org/drawingml/2006/main" xmlns:r="http://schemas.openxmlformats.org/officeDocument/2006/relationships" xmlns:p="http://schemas.openxmlformats.org/presentationml/2006/main">
   <p:cSld>
     <p:spTree>
@@ -12026,7 +11557,7 @@
         </p:nvSpPr>
         <p:spPr>
           <a:xfrm>
-            <a:off x="233267" y="191276"/>
+            <a:off x="233267" y="149073"/>
             <a:ext cx="2687215" cy="523220"/>
           </a:xfrm>
           <a:prstGeom prst="rect">
@@ -12041,7 +11572,7 @@
           <a:lstStyle/>
           <a:p>
             <a:r>
-              <a:rPr lang="en-IN" sz="2800" b="1">
+              <a:rPr lang="en-IN" sz="2800" b="1" u="sng" dirty="0">
                 <a:solidFill>
                   <a:srgbClr val="00B0F0"/>
                 </a:solidFill>
@@ -12135,7 +11666,7 @@
 </p:sld>
 </file>
 
-<file path=ppt/slides/slide23.xml><?xml version="1.0" encoding="utf-8"?>
+<file path=ppt/slides/slide22.xml><?xml version="1.0" encoding="utf-8"?>
 <p:sld xmlns:a="http://schemas.openxmlformats.org/drawingml/2006/main" xmlns:r="http://schemas.openxmlformats.org/officeDocument/2006/relationships" xmlns:p="http://schemas.openxmlformats.org/presentationml/2006/main">
   <p:cSld>
     <p:spTree>
@@ -12272,7 +11803,7 @@
 </p:sld>
 </file>
 
-<file path=ppt/slides/slide24.xml><?xml version="1.0" encoding="utf-8"?>
+<file path=ppt/slides/slide23.xml><?xml version="1.0" encoding="utf-8"?>
 <p:sld xmlns:a="http://schemas.openxmlformats.org/drawingml/2006/main" xmlns:r="http://schemas.openxmlformats.org/officeDocument/2006/relationships" xmlns:p="http://schemas.openxmlformats.org/presentationml/2006/main">
   <p:cSld>
     <p:spTree>
@@ -12374,7 +11905,7 @@
 </p:sld>
 </file>
 
-<file path=ppt/slides/slide25.xml><?xml version="1.0" encoding="utf-8"?>
+<file path=ppt/slides/slide24.xml><?xml version="1.0" encoding="utf-8"?>
 <p:sld xmlns:a="http://schemas.openxmlformats.org/drawingml/2006/main" xmlns:r="http://schemas.openxmlformats.org/officeDocument/2006/relationships" xmlns:p="http://schemas.openxmlformats.org/presentationml/2006/main">
   <p:cSld>
     <p:spTree>
@@ -12405,8 +11936,8 @@
         </p:nvSpPr>
         <p:spPr>
           <a:xfrm>
-            <a:off x="-1414207" y="682619"/>
-            <a:ext cx="6105378" cy="461665"/>
+            <a:off x="253218" y="359062"/>
+            <a:ext cx="2715066" cy="523220"/>
           </a:xfrm>
           <a:prstGeom prst="rect">
             <a:avLst/>
@@ -12421,14 +11952,14 @@
           <a:p>
             <a:pPr algn="ctr"/>
             <a:r>
-              <a:rPr lang="en-US" sz="2400" b="1" cap="none" spc="0">
+              <a:rPr lang="en-US" sz="2800" b="1" u="sng" cap="none" spc="0" dirty="0">
                 <a:ln/>
                 <a:solidFill>
                   <a:srgbClr val="00B0F0"/>
                 </a:solidFill>
                 <a:effectLst/>
               </a:rPr>
-              <a:t>Contribution:</a:t>
+              <a:t>Contributions:</a:t>
             </a:r>
           </a:p>
         </p:txBody>
@@ -12621,7 +12152,7 @@
 </p:sld>
 </file>
 
-<file path=ppt/slides/slide26.xml><?xml version="1.0" encoding="utf-8"?>
+<file path=ppt/slides/slide25.xml><?xml version="1.0" encoding="utf-8"?>
 <p:sld xmlns:a="http://schemas.openxmlformats.org/drawingml/2006/main" xmlns:r="http://schemas.openxmlformats.org/officeDocument/2006/relationships" xmlns:p="http://schemas.openxmlformats.org/presentationml/2006/main">
   <p:cSld>
     <p:spTree>
@@ -12652,7 +12183,7 @@
         </p:nvSpPr>
         <p:spPr>
           <a:xfrm>
-            <a:off x="780716" y="794084"/>
+            <a:off x="597837" y="293168"/>
             <a:ext cx="2743200" cy="461665"/>
           </a:xfrm>
           <a:prstGeom prst="rect">
@@ -12671,7 +12202,7 @@
           <a:p>
             <a:pPr algn="l"/>
             <a:r>
-              <a:rPr lang="en-US" sz="2400">
+              <a:rPr lang="en-US" sz="2400" b="1" u="sng" dirty="0">
                 <a:solidFill>
                   <a:srgbClr val="00B0F0"/>
                 </a:solidFill>
@@ -12695,8 +12226,8 @@
         </p:nvSpPr>
         <p:spPr>
           <a:xfrm>
-            <a:off x="780716" y="1382295"/>
-            <a:ext cx="8946147" cy="2308324"/>
+            <a:off x="781909" y="988400"/>
+            <a:ext cx="10628182" cy="5078313"/>
           </a:xfrm>
           <a:prstGeom prst="rect">
             <a:avLst/>
@@ -12716,13 +12247,25 @@
               <a:rPr lang="en-US" dirty="0">
                 <a:cs typeface="Segoe UI"/>
               </a:rPr>
-              <a:t>[1] Afzal, Afsoon &amp; Motwani, Manish &amp; Stolee, Kathryn &amp; Goues, Claire &amp; Brun, Yuriy. (2019). SOSRepair: Expressive Semantic Search for Real-World Program Repair. IEEE Transactions on Software Engineering. PP. 10.1109/TSE.2019.2944914.http://spideruci.org/papers/jones05.pdf​</a:t>
+              <a:t>[1] 	Afzal, Afsoon &amp; Motwani, Manish &amp; Stolee, Kathryn &amp; Goues, Claire &amp; Brun, Yuriy. (2019). SOSRepair: Expressive Semantic Search for Real-World Program Repair. IEEE Transactions on Software Engineering. PP. 10.1109/TSE.2019.2944914.</a:t>
             </a:r>
           </a:p>
           <a:p>
             <a:r>
               <a:rPr lang="en-US" dirty="0">
                 <a:cs typeface="Segoe UI"/>
+                <a:hlinkClick r:id="rId2"/>
+              </a:rPr>
+              <a:t>http://spideruci.org/papers/jones05.pdf​</a:t>
+            </a:r>
+            <a:endParaRPr lang="en-US" dirty="0">
+              <a:cs typeface="Segoe UI"/>
+            </a:endParaRPr>
+          </a:p>
+          <a:p>
+            <a:r>
+              <a:rPr lang="en-US" dirty="0">
+                <a:cs typeface="Segoe UI"/>
               </a:rPr>
               <a:t>​</a:t>
             </a:r>
@@ -12732,7 +12275,7 @@
               <a:rPr lang="en-IN" dirty="0">
                 <a:cs typeface="Segoe UI"/>
               </a:rPr>
-              <a:t>[2] </a:t>
+              <a:t>[2]	</a:t>
             </a:r>
             <a:r>
               <a:rPr lang="en-US" dirty="0">
@@ -12747,14 +12290,169 @@
               <a:t>​</a:t>
             </a:r>
           </a:p>
+          <a:p>
+            <a:endParaRPr lang="en-IN" dirty="0">
+              <a:cs typeface="Segoe UI"/>
+            </a:endParaRPr>
+          </a:p>
+          <a:p>
+            <a:r>
+              <a:rPr lang="en-IN" dirty="0">
+                <a:cs typeface="Segoe UI"/>
+              </a:rPr>
+              <a:t>[3]	</a:t>
+            </a:r>
+            <a:r>
+              <a:rPr lang="en-US" sz="1800" dirty="0">
+                <a:solidFill>
+                  <a:srgbClr val="222222"/>
+                </a:solidFill>
+                <a:effectLst/>
+                <a:latin typeface="Arial" panose="020B0604020202020204" pitchFamily="34" charset="0"/>
+                <a:ea typeface="Arial" panose="020B0604020202020204" pitchFamily="34" charset="0"/>
+              </a:rPr>
+              <a:t>Abd-El-Malek, Michael, Gregory R. Ganger, Garth R. Goodson, Michael K. Reiter, and Jay J. Wylie. "Fault-scalable Byzantine fault-tolerant services." </a:t>
+            </a:r>
+            <a:r>
+              <a:rPr lang="en-US" sz="1800" i="1" dirty="0">
+                <a:solidFill>
+                  <a:srgbClr val="222222"/>
+                </a:solidFill>
+                <a:effectLst/>
+                <a:latin typeface="Arial" panose="020B0604020202020204" pitchFamily="34" charset="0"/>
+                <a:ea typeface="Arial" panose="020B0604020202020204" pitchFamily="34" charset="0"/>
+              </a:rPr>
+              <a:t>ACM SIGOPS Operating Systems Review</a:t>
+            </a:r>
+            <a:r>
+              <a:rPr lang="en-US" sz="1800" dirty="0">
+                <a:solidFill>
+                  <a:srgbClr val="222222"/>
+                </a:solidFill>
+                <a:effectLst/>
+                <a:latin typeface="Arial" panose="020B0604020202020204" pitchFamily="34" charset="0"/>
+                <a:ea typeface="Arial" panose="020B0604020202020204" pitchFamily="34" charset="0"/>
+              </a:rPr>
+              <a:t> 39, no. 5 (2005): 59-74.</a:t>
+            </a:r>
+            <a:endParaRPr lang="en-IN" dirty="0">
+              <a:cs typeface="Segoe UI"/>
+            </a:endParaRPr>
+          </a:p>
+          <a:p>
+            <a:endParaRPr lang="en-IN" dirty="0">
+              <a:cs typeface="Segoe UI"/>
+            </a:endParaRPr>
+          </a:p>
+          <a:p>
+            <a:r>
+              <a:rPr lang="en-IN" dirty="0">
+                <a:cs typeface="Segoe UI"/>
+              </a:rPr>
+              <a:t>[4]	</a:t>
+            </a:r>
+            <a:r>
+              <a:rPr lang="en-US" sz="1800" dirty="0">
+                <a:solidFill>
+                  <a:srgbClr val="222222"/>
+                </a:solidFill>
+                <a:effectLst/>
+                <a:latin typeface="Arial" panose="020B0604020202020204" pitchFamily="34" charset="0"/>
+                <a:ea typeface="Arial" panose="020B0604020202020204" pitchFamily="34" charset="0"/>
+              </a:rPr>
+              <a:t>Angell, Rico, Brittany Johnson, Yuriy Brun, and Alexandra </a:t>
+            </a:r>
+            <a:r>
+              <a:rPr lang="en-US" sz="1800" dirty="0" err="1">
+                <a:solidFill>
+                  <a:srgbClr val="222222"/>
+                </a:solidFill>
+                <a:effectLst/>
+                <a:latin typeface="Arial" panose="020B0604020202020204" pitchFamily="34" charset="0"/>
+                <a:ea typeface="Arial" panose="020B0604020202020204" pitchFamily="34" charset="0"/>
+              </a:rPr>
+              <a:t>Meliou</a:t>
+            </a:r>
+            <a:r>
+              <a:rPr lang="en-US" sz="1800" dirty="0">
+                <a:solidFill>
+                  <a:srgbClr val="222222"/>
+                </a:solidFill>
+                <a:effectLst/>
+                <a:latin typeface="Arial" panose="020B0604020202020204" pitchFamily="34" charset="0"/>
+                <a:ea typeface="Arial" panose="020B0604020202020204" pitchFamily="34" charset="0"/>
+              </a:rPr>
+              <a:t>. "Themis: Automatically testing software for discrimination." In </a:t>
+            </a:r>
+            <a:r>
+              <a:rPr lang="en-US" sz="1800" i="1" dirty="0">
+                <a:solidFill>
+                  <a:srgbClr val="222222"/>
+                </a:solidFill>
+                <a:effectLst/>
+                <a:latin typeface="Arial" panose="020B0604020202020204" pitchFamily="34" charset="0"/>
+                <a:ea typeface="Arial" panose="020B0604020202020204" pitchFamily="34" charset="0"/>
+              </a:rPr>
+              <a:t>Proceedings of the 2018 26th ACM Joint Meeting on European Software Engineering Conference and Symposium on the Foundations of Software Engineering</a:t>
+            </a:r>
+            <a:r>
+              <a:rPr lang="en-US" sz="1800" dirty="0">
+                <a:solidFill>
+                  <a:srgbClr val="222222"/>
+                </a:solidFill>
+                <a:effectLst/>
+                <a:latin typeface="Arial" panose="020B0604020202020204" pitchFamily="34" charset="0"/>
+                <a:ea typeface="Arial" panose="020B0604020202020204" pitchFamily="34" charset="0"/>
+              </a:rPr>
+              <a:t>, pp. 871-875. 2018.</a:t>
+            </a:r>
+            <a:endParaRPr lang="en-IN" dirty="0">
+              <a:cs typeface="Segoe UI"/>
+            </a:endParaRPr>
+          </a:p>
+          <a:p>
+            <a:endParaRPr lang="en-IN" dirty="0">
+              <a:cs typeface="Segoe UI"/>
+            </a:endParaRPr>
+          </a:p>
         </p:txBody>
       </p:sp>
+    </p:spTree>
+    <p:extLst>
+      <p:ext uri="{BB962C8B-B14F-4D97-AF65-F5344CB8AC3E}">
+        <p14:creationId xmlns:p14="http://schemas.microsoft.com/office/powerpoint/2010/main" val="995102655"/>
+      </p:ext>
+    </p:extLst>
+  </p:cSld>
+  <p:clrMapOvr>
+    <a:masterClrMapping/>
+  </p:clrMapOvr>
+</p:sld>
+</file>
+
+<file path=ppt/slides/slide26.xml><?xml version="1.0" encoding="utf-8"?>
+<p:sld xmlns:a="http://schemas.openxmlformats.org/drawingml/2006/main" xmlns:r="http://schemas.openxmlformats.org/officeDocument/2006/relationships" xmlns:p="http://schemas.openxmlformats.org/presentationml/2006/main">
+  <p:cSld>
+    <p:spTree>
+      <p:nvGrpSpPr>
+        <p:cNvPr id="1" name=""/>
+        <p:cNvGrpSpPr/>
+        <p:nvPr/>
+      </p:nvGrpSpPr>
+      <p:grpSpPr>
+        <a:xfrm>
+          <a:off x="0" y="0"/>
+          <a:ext cx="0" cy="0"/>
+          <a:chOff x="0" y="0"/>
+          <a:chExt cx="0" cy="0"/>
+        </a:xfrm>
+      </p:grpSpPr>
       <p:sp>
         <p:nvSpPr>
-          <p:cNvPr id="5" name="TextBox 4">
+          <p:cNvPr id="4" name="TextBox 3">
             <a:extLst>
               <a:ext uri="{FF2B5EF4-FFF2-40B4-BE49-F238E27FC236}">
-                <a16:creationId xmlns:a16="http://schemas.microsoft.com/office/drawing/2014/main" id="{2F5DE5C6-C506-494F-A8F1-E8A58769C350}"/>
+                <a16:creationId xmlns:a16="http://schemas.microsoft.com/office/drawing/2014/main" id="{B274616A-1B98-4DFB-BD31-FBD53BE1C98D}"/>
               </a:ext>
             </a:extLst>
           </p:cNvPr>
@@ -12763,8 +12461,535 @@
         </p:nvSpPr>
         <p:spPr>
           <a:xfrm>
-            <a:off x="4493558" y="5837047"/>
-            <a:ext cx="3204883" cy="369332"/>
+            <a:off x="670855" y="1022587"/>
+            <a:ext cx="10628182" cy="5355312"/>
+          </a:xfrm>
+          <a:prstGeom prst="rect">
+            <a:avLst/>
+          </a:prstGeom>
+          <a:noFill/>
+        </p:spPr>
+        <p:txBody>
+          <a:bodyPr rot="0" spcFirstLastPara="0" vertOverflow="overflow" horzOverflow="overflow" vert="horz" wrap="square" lIns="91440" tIns="45720" rIns="91440" bIns="45720" numCol="1" spcCol="0" rtlCol="0" fromWordArt="0" anchor="t" anchorCtr="0" forceAA="0" compatLnSpc="1">
+            <a:prstTxWarp prst="textNoShape">
+              <a:avLst/>
+            </a:prstTxWarp>
+            <a:spAutoFit/>
+          </a:bodyPr>
+          <a:lstStyle/>
+          <a:p>
+            <a:r>
+              <a:rPr lang="en-US" dirty="0">
+                <a:cs typeface="Segoe UI"/>
+              </a:rPr>
+              <a:t>[5] 	</a:t>
+            </a:r>
+            <a:r>
+              <a:rPr lang="en-US" sz="1800" dirty="0" err="1">
+                <a:solidFill>
+                  <a:srgbClr val="222222"/>
+                </a:solidFill>
+                <a:effectLst/>
+                <a:latin typeface="Arial" panose="020B0604020202020204" pitchFamily="34" charset="0"/>
+                <a:ea typeface="Arial" panose="020B0604020202020204" pitchFamily="34" charset="0"/>
+              </a:rPr>
+              <a:t>Beschastnikh</a:t>
+            </a:r>
+            <a:r>
+              <a:rPr lang="en-US" sz="1800" dirty="0">
+                <a:solidFill>
+                  <a:srgbClr val="222222"/>
+                </a:solidFill>
+                <a:effectLst/>
+                <a:latin typeface="Arial" panose="020B0604020202020204" pitchFamily="34" charset="0"/>
+                <a:ea typeface="Arial" panose="020B0604020202020204" pitchFamily="34" charset="0"/>
+              </a:rPr>
+              <a:t>, Ivan, Yuriy Brun, Michael D. Ernst, and Arvind Krishnamurthy. "Inferring models of concurrent systems from logs of their behavior with </a:t>
+            </a:r>
+            <a:r>
+              <a:rPr lang="en-US" sz="1800" dirty="0" err="1">
+                <a:solidFill>
+                  <a:srgbClr val="222222"/>
+                </a:solidFill>
+                <a:effectLst/>
+                <a:latin typeface="Arial" panose="020B0604020202020204" pitchFamily="34" charset="0"/>
+                <a:ea typeface="Arial" panose="020B0604020202020204" pitchFamily="34" charset="0"/>
+              </a:rPr>
+              <a:t>CSight</a:t>
+            </a:r>
+            <a:r>
+              <a:rPr lang="en-US" sz="1800" dirty="0">
+                <a:solidFill>
+                  <a:srgbClr val="222222"/>
+                </a:solidFill>
+                <a:effectLst/>
+                <a:latin typeface="Arial" panose="020B0604020202020204" pitchFamily="34" charset="0"/>
+                <a:ea typeface="Arial" panose="020B0604020202020204" pitchFamily="34" charset="0"/>
+              </a:rPr>
+              <a:t>." In </a:t>
+            </a:r>
+            <a:r>
+              <a:rPr lang="en-US" sz="1800" i="1" dirty="0">
+                <a:solidFill>
+                  <a:srgbClr val="222222"/>
+                </a:solidFill>
+                <a:effectLst/>
+                <a:latin typeface="Arial" panose="020B0604020202020204" pitchFamily="34" charset="0"/>
+                <a:ea typeface="Arial" panose="020B0604020202020204" pitchFamily="34" charset="0"/>
+              </a:rPr>
+              <a:t>Proceedings of the 36th International Conference on Software Engineering</a:t>
+            </a:r>
+            <a:r>
+              <a:rPr lang="en-US" sz="1800" dirty="0">
+                <a:solidFill>
+                  <a:srgbClr val="222222"/>
+                </a:solidFill>
+                <a:effectLst/>
+                <a:latin typeface="Arial" panose="020B0604020202020204" pitchFamily="34" charset="0"/>
+                <a:ea typeface="Arial" panose="020B0604020202020204" pitchFamily="34" charset="0"/>
+              </a:rPr>
+              <a:t>, pp. 468-479. 2014.</a:t>
+            </a:r>
+          </a:p>
+          <a:p>
+            <a:r>
+              <a:rPr lang="en-US" dirty="0">
+                <a:cs typeface="Segoe UI"/>
+              </a:rPr>
+              <a:t>​</a:t>
+            </a:r>
+          </a:p>
+          <a:p>
+            <a:r>
+              <a:rPr lang="en-IN" dirty="0">
+                <a:cs typeface="Segoe UI"/>
+              </a:rPr>
+              <a:t>[6]	</a:t>
+            </a:r>
+            <a:r>
+              <a:rPr lang="en-US" sz="1800" dirty="0" err="1">
+                <a:solidFill>
+                  <a:srgbClr val="222222"/>
+                </a:solidFill>
+                <a:effectLst/>
+                <a:latin typeface="Arial" panose="020B0604020202020204" pitchFamily="34" charset="0"/>
+                <a:ea typeface="Arial" panose="020B0604020202020204" pitchFamily="34" charset="0"/>
+              </a:rPr>
+              <a:t>Carzaniga</a:t>
+            </a:r>
+            <a:r>
+              <a:rPr lang="en-US" sz="1800" dirty="0">
+                <a:solidFill>
+                  <a:srgbClr val="222222"/>
+                </a:solidFill>
+                <a:effectLst/>
+                <a:latin typeface="Arial" panose="020B0604020202020204" pitchFamily="34" charset="0"/>
+                <a:ea typeface="Arial" panose="020B0604020202020204" pitchFamily="34" charset="0"/>
+              </a:rPr>
+              <a:t>, Antonio, Alessandra Gorla, Andrea </a:t>
+            </a:r>
+            <a:r>
+              <a:rPr lang="en-US" sz="1800" dirty="0" err="1">
+                <a:solidFill>
+                  <a:srgbClr val="222222"/>
+                </a:solidFill>
+                <a:effectLst/>
+                <a:latin typeface="Arial" panose="020B0604020202020204" pitchFamily="34" charset="0"/>
+                <a:ea typeface="Arial" panose="020B0604020202020204" pitchFamily="34" charset="0"/>
+              </a:rPr>
+              <a:t>Mattavelli</a:t>
+            </a:r>
+            <a:r>
+              <a:rPr lang="en-US" sz="1800" dirty="0">
+                <a:solidFill>
+                  <a:srgbClr val="222222"/>
+                </a:solidFill>
+                <a:effectLst/>
+                <a:latin typeface="Arial" panose="020B0604020202020204" pitchFamily="34" charset="0"/>
+                <a:ea typeface="Arial" panose="020B0604020202020204" pitchFamily="34" charset="0"/>
+              </a:rPr>
+              <a:t>, Nicolo Perino, and Mauro </a:t>
+            </a:r>
+            <a:r>
+              <a:rPr lang="en-US" sz="1800" dirty="0" err="1">
+                <a:solidFill>
+                  <a:srgbClr val="222222"/>
+                </a:solidFill>
+                <a:effectLst/>
+                <a:latin typeface="Arial" panose="020B0604020202020204" pitchFamily="34" charset="0"/>
+                <a:ea typeface="Arial" panose="020B0604020202020204" pitchFamily="34" charset="0"/>
+              </a:rPr>
+              <a:t>Pezze</a:t>
+            </a:r>
+            <a:r>
+              <a:rPr lang="en-US" sz="1800" dirty="0">
+                <a:solidFill>
+                  <a:srgbClr val="222222"/>
+                </a:solidFill>
+                <a:effectLst/>
+                <a:latin typeface="Arial" panose="020B0604020202020204" pitchFamily="34" charset="0"/>
+                <a:ea typeface="Arial" panose="020B0604020202020204" pitchFamily="34" charset="0"/>
+              </a:rPr>
+              <a:t>. "Automatic recovery from runtime failures." In </a:t>
+            </a:r>
+            <a:r>
+              <a:rPr lang="en-US" sz="1800" i="1" dirty="0">
+                <a:solidFill>
+                  <a:srgbClr val="222222"/>
+                </a:solidFill>
+                <a:effectLst/>
+                <a:latin typeface="Arial" panose="020B0604020202020204" pitchFamily="34" charset="0"/>
+                <a:ea typeface="Arial" panose="020B0604020202020204" pitchFamily="34" charset="0"/>
+              </a:rPr>
+              <a:t>2013 35th International Conference on Software Engineering (ICSE)</a:t>
+            </a:r>
+            <a:r>
+              <a:rPr lang="en-US" sz="1800" dirty="0">
+                <a:solidFill>
+                  <a:srgbClr val="222222"/>
+                </a:solidFill>
+                <a:effectLst/>
+                <a:latin typeface="Arial" panose="020B0604020202020204" pitchFamily="34" charset="0"/>
+                <a:ea typeface="Arial" panose="020B0604020202020204" pitchFamily="34" charset="0"/>
+              </a:rPr>
+              <a:t>, pp. 782-791. IEEE, 2013.</a:t>
+            </a:r>
+            <a:r>
+              <a:rPr lang="en-IN" dirty="0">
+                <a:cs typeface="Segoe UI"/>
+              </a:rPr>
+              <a:t>​</a:t>
+            </a:r>
+          </a:p>
+          <a:p>
+            <a:endParaRPr lang="en-IN" dirty="0">
+              <a:cs typeface="Segoe UI"/>
+            </a:endParaRPr>
+          </a:p>
+          <a:p>
+            <a:r>
+              <a:rPr lang="en-IN" dirty="0">
+                <a:cs typeface="Segoe UI"/>
+              </a:rPr>
+              <a:t>[7]	</a:t>
+            </a:r>
+            <a:r>
+              <a:rPr lang="en-US" sz="1800" dirty="0" err="1">
+                <a:solidFill>
+                  <a:srgbClr val="222222"/>
+                </a:solidFill>
+                <a:effectLst/>
+                <a:latin typeface="Arial" panose="020B0604020202020204" pitchFamily="34" charset="0"/>
+                <a:ea typeface="Arial" panose="020B0604020202020204" pitchFamily="34" charset="0"/>
+              </a:rPr>
+              <a:t>Böhme</a:t>
+            </a:r>
+            <a:r>
+              <a:rPr lang="en-US" sz="1800" dirty="0">
+                <a:solidFill>
+                  <a:srgbClr val="222222"/>
+                </a:solidFill>
+                <a:effectLst/>
+                <a:latin typeface="Arial" panose="020B0604020202020204" pitchFamily="34" charset="0"/>
+                <a:ea typeface="Arial" panose="020B0604020202020204" pitchFamily="34" charset="0"/>
+              </a:rPr>
+              <a:t>, Marcel, Ezekiel O. </a:t>
+            </a:r>
+            <a:r>
+              <a:rPr lang="en-US" sz="1800" dirty="0" err="1">
+                <a:solidFill>
+                  <a:srgbClr val="222222"/>
+                </a:solidFill>
+                <a:effectLst/>
+                <a:latin typeface="Arial" panose="020B0604020202020204" pitchFamily="34" charset="0"/>
+                <a:ea typeface="Arial" panose="020B0604020202020204" pitchFamily="34" charset="0"/>
+              </a:rPr>
+              <a:t>Soremekun</a:t>
+            </a:r>
+            <a:r>
+              <a:rPr lang="en-US" sz="1800" dirty="0">
+                <a:solidFill>
+                  <a:srgbClr val="222222"/>
+                </a:solidFill>
+                <a:effectLst/>
+                <a:latin typeface="Arial" panose="020B0604020202020204" pitchFamily="34" charset="0"/>
+                <a:ea typeface="Arial" panose="020B0604020202020204" pitchFamily="34" charset="0"/>
+              </a:rPr>
+              <a:t>, </a:t>
+            </a:r>
+            <a:r>
+              <a:rPr lang="en-US" sz="1800" dirty="0" err="1">
+                <a:solidFill>
+                  <a:srgbClr val="222222"/>
+                </a:solidFill>
+                <a:effectLst/>
+                <a:latin typeface="Arial" panose="020B0604020202020204" pitchFamily="34" charset="0"/>
+                <a:ea typeface="Arial" panose="020B0604020202020204" pitchFamily="34" charset="0"/>
+              </a:rPr>
+              <a:t>Sudipta</a:t>
+            </a:r>
+            <a:r>
+              <a:rPr lang="en-US" sz="1800" dirty="0">
+                <a:solidFill>
+                  <a:srgbClr val="222222"/>
+                </a:solidFill>
+                <a:effectLst/>
+                <a:latin typeface="Arial" panose="020B0604020202020204" pitchFamily="34" charset="0"/>
+                <a:ea typeface="Arial" panose="020B0604020202020204" pitchFamily="34" charset="0"/>
+              </a:rPr>
+              <a:t> Chattopadhyay, </a:t>
+            </a:r>
+            <a:r>
+              <a:rPr lang="en-US" sz="1800" dirty="0" err="1">
+                <a:solidFill>
+                  <a:srgbClr val="222222"/>
+                </a:solidFill>
+                <a:effectLst/>
+                <a:latin typeface="Arial" panose="020B0604020202020204" pitchFamily="34" charset="0"/>
+                <a:ea typeface="Arial" panose="020B0604020202020204" pitchFamily="34" charset="0"/>
+              </a:rPr>
+              <a:t>Emamurho</a:t>
+            </a:r>
+            <a:r>
+              <a:rPr lang="en-US" sz="1800" dirty="0">
+                <a:solidFill>
+                  <a:srgbClr val="222222"/>
+                </a:solidFill>
+                <a:effectLst/>
+                <a:latin typeface="Arial" panose="020B0604020202020204" pitchFamily="34" charset="0"/>
+                <a:ea typeface="Arial" panose="020B0604020202020204" pitchFamily="34" charset="0"/>
+              </a:rPr>
+              <a:t> </a:t>
+            </a:r>
+            <a:r>
+              <a:rPr lang="en-US" sz="1800" dirty="0" err="1">
+                <a:solidFill>
+                  <a:srgbClr val="222222"/>
+                </a:solidFill>
+                <a:effectLst/>
+                <a:latin typeface="Arial" panose="020B0604020202020204" pitchFamily="34" charset="0"/>
+                <a:ea typeface="Arial" panose="020B0604020202020204" pitchFamily="34" charset="0"/>
+              </a:rPr>
+              <a:t>Ugherughe</a:t>
+            </a:r>
+            <a:r>
+              <a:rPr lang="en-US" sz="1800" dirty="0">
+                <a:solidFill>
+                  <a:srgbClr val="222222"/>
+                </a:solidFill>
+                <a:effectLst/>
+                <a:latin typeface="Arial" panose="020B0604020202020204" pitchFamily="34" charset="0"/>
+                <a:ea typeface="Arial" panose="020B0604020202020204" pitchFamily="34" charset="0"/>
+              </a:rPr>
+              <a:t>, and Andreas Zeller. "Where is the bug and how is it fixed? an experiment with practitioners." In </a:t>
+            </a:r>
+            <a:r>
+              <a:rPr lang="en-US" sz="1800" i="1" dirty="0">
+                <a:solidFill>
+                  <a:srgbClr val="222222"/>
+                </a:solidFill>
+                <a:effectLst/>
+                <a:latin typeface="Arial" panose="020B0604020202020204" pitchFamily="34" charset="0"/>
+                <a:ea typeface="Arial" panose="020B0604020202020204" pitchFamily="34" charset="0"/>
+              </a:rPr>
+              <a:t>Proceedings of the 2017 11th Joint Meeting on Foundations of Software Engineering</a:t>
+            </a:r>
+            <a:r>
+              <a:rPr lang="en-US" sz="1800" dirty="0">
+                <a:solidFill>
+                  <a:srgbClr val="222222"/>
+                </a:solidFill>
+                <a:effectLst/>
+                <a:latin typeface="Arial" panose="020B0604020202020204" pitchFamily="34" charset="0"/>
+                <a:ea typeface="Arial" panose="020B0604020202020204" pitchFamily="34" charset="0"/>
+              </a:rPr>
+              <a:t>, pp. 117-128. 2017.</a:t>
+            </a:r>
+            <a:endParaRPr lang="en-IN" dirty="0">
+              <a:cs typeface="Segoe UI"/>
+            </a:endParaRPr>
+          </a:p>
+          <a:p>
+            <a:endParaRPr lang="en-IN" dirty="0">
+              <a:cs typeface="Segoe UI"/>
+            </a:endParaRPr>
+          </a:p>
+          <a:p>
+            <a:r>
+              <a:rPr lang="en-IN" dirty="0">
+                <a:cs typeface="Segoe UI"/>
+              </a:rPr>
+              <a:t>[8]	</a:t>
+            </a:r>
+            <a:r>
+              <a:rPr lang="en-US" sz="1800" dirty="0" err="1">
+                <a:solidFill>
+                  <a:srgbClr val="222222"/>
+                </a:solidFill>
+                <a:effectLst/>
+                <a:latin typeface="Arial" panose="020B0604020202020204" pitchFamily="34" charset="0"/>
+                <a:ea typeface="Arial" panose="020B0604020202020204" pitchFamily="34" charset="0"/>
+              </a:rPr>
+              <a:t>Cadar</a:t>
+            </a:r>
+            <a:r>
+              <a:rPr lang="en-US" sz="1800" dirty="0">
+                <a:solidFill>
+                  <a:srgbClr val="222222"/>
+                </a:solidFill>
+                <a:effectLst/>
+                <a:latin typeface="Arial" panose="020B0604020202020204" pitchFamily="34" charset="0"/>
+                <a:ea typeface="Arial" panose="020B0604020202020204" pitchFamily="34" charset="0"/>
+              </a:rPr>
+              <a:t>, Cristian, Daniel Dunbar, and Dawson R. Engler. "Klee: unassisted and automatic generation of high-coverage tests for complex systems programs." In </a:t>
+            </a:r>
+            <a:r>
+              <a:rPr lang="en-US" sz="1800" i="1" dirty="0">
+                <a:solidFill>
+                  <a:srgbClr val="222222"/>
+                </a:solidFill>
+                <a:effectLst/>
+                <a:latin typeface="Arial" panose="020B0604020202020204" pitchFamily="34" charset="0"/>
+                <a:ea typeface="Arial" panose="020B0604020202020204" pitchFamily="34" charset="0"/>
+              </a:rPr>
+              <a:t>OSDI</a:t>
+            </a:r>
+            <a:r>
+              <a:rPr lang="en-US" sz="1800" dirty="0">
+                <a:solidFill>
+                  <a:srgbClr val="222222"/>
+                </a:solidFill>
+                <a:effectLst/>
+                <a:latin typeface="Arial" panose="020B0604020202020204" pitchFamily="34" charset="0"/>
+                <a:ea typeface="Arial" panose="020B0604020202020204" pitchFamily="34" charset="0"/>
+              </a:rPr>
+              <a:t>, vol. 8, pp. 209-224. 2008.</a:t>
+            </a:r>
+          </a:p>
+          <a:p>
+            <a:endParaRPr lang="en-US" dirty="0">
+              <a:solidFill>
+                <a:srgbClr val="222222"/>
+              </a:solidFill>
+              <a:latin typeface="Arial" panose="020B0604020202020204" pitchFamily="34" charset="0"/>
+              <a:cs typeface="Segoe UI"/>
+            </a:endParaRPr>
+          </a:p>
+          <a:p>
+            <a:r>
+              <a:rPr lang="en-US" dirty="0">
+                <a:solidFill>
+                  <a:srgbClr val="222222"/>
+                </a:solidFill>
+                <a:latin typeface="Arial" panose="020B0604020202020204" pitchFamily="34" charset="0"/>
+                <a:cs typeface="Segoe UI"/>
+              </a:rPr>
+              <a:t>[9]	</a:t>
+            </a:r>
+            <a:r>
+              <a:rPr lang="en-US" sz="1800" dirty="0">
+                <a:solidFill>
+                  <a:srgbClr val="222222"/>
+                </a:solidFill>
+                <a:effectLst/>
+                <a:latin typeface="Arial" panose="020B0604020202020204" pitchFamily="34" charset="0"/>
+                <a:ea typeface="Arial" panose="020B0604020202020204" pitchFamily="34" charset="0"/>
+              </a:rPr>
+              <a:t>Hua, </a:t>
+            </a:r>
+            <a:r>
+              <a:rPr lang="en-US" sz="1800" dirty="0" err="1">
+                <a:solidFill>
+                  <a:srgbClr val="222222"/>
+                </a:solidFill>
+                <a:effectLst/>
+                <a:latin typeface="Arial" panose="020B0604020202020204" pitchFamily="34" charset="0"/>
+                <a:ea typeface="Arial" panose="020B0604020202020204" pitchFamily="34" charset="0"/>
+              </a:rPr>
+              <a:t>Jinru</a:t>
+            </a:r>
+            <a:r>
+              <a:rPr lang="en-US" sz="1800" dirty="0">
+                <a:solidFill>
+                  <a:srgbClr val="222222"/>
+                </a:solidFill>
+                <a:effectLst/>
+                <a:latin typeface="Arial" panose="020B0604020202020204" pitchFamily="34" charset="0"/>
+                <a:ea typeface="Arial" panose="020B0604020202020204" pitchFamily="34" charset="0"/>
+              </a:rPr>
+              <a:t>, </a:t>
+            </a:r>
+            <a:r>
+              <a:rPr lang="en-US" sz="1800" dirty="0" err="1">
+                <a:solidFill>
+                  <a:srgbClr val="222222"/>
+                </a:solidFill>
+                <a:effectLst/>
+                <a:latin typeface="Arial" panose="020B0604020202020204" pitchFamily="34" charset="0"/>
+                <a:ea typeface="Arial" panose="020B0604020202020204" pitchFamily="34" charset="0"/>
+              </a:rPr>
+              <a:t>Mengshi</a:t>
+            </a:r>
+            <a:r>
+              <a:rPr lang="en-US" sz="1800" dirty="0">
+                <a:solidFill>
+                  <a:srgbClr val="222222"/>
+                </a:solidFill>
+                <a:effectLst/>
+                <a:latin typeface="Arial" panose="020B0604020202020204" pitchFamily="34" charset="0"/>
+                <a:ea typeface="Arial" panose="020B0604020202020204" pitchFamily="34" charset="0"/>
+              </a:rPr>
+              <a:t> Zhang, Kaiyuan Wang, and Sarfraz Khurshid. "Towards practical program repair with on-demand candidate generation." In </a:t>
+            </a:r>
+            <a:r>
+              <a:rPr lang="en-US" sz="1800" i="1" dirty="0">
+                <a:solidFill>
+                  <a:srgbClr val="222222"/>
+                </a:solidFill>
+                <a:effectLst/>
+                <a:latin typeface="Arial" panose="020B0604020202020204" pitchFamily="34" charset="0"/>
+                <a:ea typeface="Arial" panose="020B0604020202020204" pitchFamily="34" charset="0"/>
+              </a:rPr>
+              <a:t>Proceedings of the 40th international conference on software engineering</a:t>
+            </a:r>
+            <a:r>
+              <a:rPr lang="en-US" sz="1800" dirty="0">
+                <a:solidFill>
+                  <a:srgbClr val="222222"/>
+                </a:solidFill>
+                <a:effectLst/>
+                <a:latin typeface="Arial" panose="020B0604020202020204" pitchFamily="34" charset="0"/>
+                <a:ea typeface="Arial" panose="020B0604020202020204" pitchFamily="34" charset="0"/>
+              </a:rPr>
+              <a:t>, pp. 12-23. 2018.</a:t>
+            </a:r>
+            <a:endParaRPr lang="en-IN" dirty="0">
+              <a:cs typeface="Segoe UI"/>
+            </a:endParaRPr>
+          </a:p>
+          <a:p>
+            <a:endParaRPr lang="en-IN" dirty="0">
+              <a:cs typeface="Segoe UI"/>
+            </a:endParaRPr>
+          </a:p>
+        </p:txBody>
+      </p:sp>
+      <p:sp>
+        <p:nvSpPr>
+          <p:cNvPr id="6" name="TextBox 5">
+            <a:extLst>
+              <a:ext uri="{FF2B5EF4-FFF2-40B4-BE49-F238E27FC236}">
+                <a16:creationId xmlns:a16="http://schemas.microsoft.com/office/drawing/2014/main" id="{6D1CD9AB-417B-48BE-B044-0DB62A9C7D9B}"/>
+              </a:ext>
+            </a:extLst>
+          </p:cNvPr>
+          <p:cNvSpPr txBox="1"/>
+          <p:nvPr/>
+        </p:nvSpPr>
+        <p:spPr>
+          <a:xfrm>
+            <a:off x="516110" y="367560"/>
+            <a:ext cx="2044210" cy="461665"/>
           </a:xfrm>
           <a:prstGeom prst="rect">
             <a:avLst/>
@@ -12777,10 +13002,516 @@
           </a:bodyPr>
           <a:lstStyle/>
           <a:p>
+            <a:pPr algn="l"/>
+            <a:r>
+              <a:rPr lang="en-US" sz="2400" b="1" u="sng" dirty="0">
+                <a:solidFill>
+                  <a:srgbClr val="00B0F0"/>
+                </a:solidFill>
+              </a:rPr>
+              <a:t>References:</a:t>
+            </a:r>
+          </a:p>
+        </p:txBody>
+      </p:sp>
+    </p:spTree>
+    <p:extLst>
+      <p:ext uri="{BB962C8B-B14F-4D97-AF65-F5344CB8AC3E}">
+        <p14:creationId xmlns:p14="http://schemas.microsoft.com/office/powerpoint/2010/main" val="2610653561"/>
+      </p:ext>
+    </p:extLst>
+  </p:cSld>
+  <p:clrMapOvr>
+    <a:masterClrMapping/>
+  </p:clrMapOvr>
+</p:sld>
+</file>
+
+<file path=ppt/slides/slide27.xml><?xml version="1.0" encoding="utf-8"?>
+<p:sld xmlns:a="http://schemas.openxmlformats.org/drawingml/2006/main" xmlns:r="http://schemas.openxmlformats.org/officeDocument/2006/relationships" xmlns:p="http://schemas.openxmlformats.org/presentationml/2006/main">
+  <p:cSld>
+    <p:spTree>
+      <p:nvGrpSpPr>
+        <p:cNvPr id="1" name=""/>
+        <p:cNvGrpSpPr/>
+        <p:nvPr/>
+      </p:nvGrpSpPr>
+      <p:grpSpPr>
+        <a:xfrm>
+          <a:off x="0" y="0"/>
+          <a:ext cx="0" cy="0"/>
+          <a:chOff x="0" y="0"/>
+          <a:chExt cx="0" cy="0"/>
+        </a:xfrm>
+      </p:grpSpPr>
+      <p:sp>
+        <p:nvSpPr>
+          <p:cNvPr id="3" name="TextBox 2">
+            <a:extLst>
+              <a:ext uri="{FF2B5EF4-FFF2-40B4-BE49-F238E27FC236}">
+                <a16:creationId xmlns:a16="http://schemas.microsoft.com/office/drawing/2014/main" id="{37CAFABD-F837-4BC7-97A9-E01ADC216A69}"/>
+              </a:ext>
+            </a:extLst>
+          </p:cNvPr>
+          <p:cNvSpPr txBox="1"/>
+          <p:nvPr/>
+        </p:nvSpPr>
+        <p:spPr>
+          <a:xfrm>
+            <a:off x="398584" y="161277"/>
+            <a:ext cx="1955409" cy="461665"/>
+          </a:xfrm>
+          <a:prstGeom prst="rect">
+            <a:avLst/>
+          </a:prstGeom>
+          <a:noFill/>
+        </p:spPr>
+        <p:txBody>
+          <a:bodyPr wrap="square">
+            <a:spAutoFit/>
+          </a:bodyPr>
+          <a:lstStyle/>
+          <a:p>
+            <a:pPr algn="l"/>
+            <a:r>
+              <a:rPr lang="en-US" sz="2400" b="1" u="sng" dirty="0">
+                <a:solidFill>
+                  <a:srgbClr val="00B0F0"/>
+                </a:solidFill>
+              </a:rPr>
+              <a:t>References:</a:t>
+            </a:r>
+          </a:p>
+        </p:txBody>
+      </p:sp>
+      <p:sp>
+        <p:nvSpPr>
+          <p:cNvPr id="5" name="TextBox 4">
+            <a:extLst>
+              <a:ext uri="{FF2B5EF4-FFF2-40B4-BE49-F238E27FC236}">
+                <a16:creationId xmlns:a16="http://schemas.microsoft.com/office/drawing/2014/main" id="{BF3EBA9B-BA93-449F-8120-EA92F270DB7B}"/>
+              </a:ext>
+            </a:extLst>
+          </p:cNvPr>
+          <p:cNvSpPr txBox="1"/>
+          <p:nvPr/>
+        </p:nvSpPr>
+        <p:spPr>
+          <a:xfrm>
+            <a:off x="497059" y="871427"/>
+            <a:ext cx="10911840" cy="3139321"/>
+          </a:xfrm>
+          <a:prstGeom prst="rect">
+            <a:avLst/>
+          </a:prstGeom>
+          <a:noFill/>
+        </p:spPr>
+        <p:txBody>
+          <a:bodyPr wrap="square">
+            <a:spAutoFit/>
+          </a:bodyPr>
+          <a:lstStyle/>
+          <a:p>
             <a:r>
               <a:rPr lang="en-US" dirty="0">
-                <a:solidFill>
-                  <a:srgbClr val="FF0000"/>
+                <a:cs typeface="Segoe UI"/>
+              </a:rPr>
+              <a:t>[10] 	</a:t>
+            </a:r>
+            <a:r>
+              <a:rPr lang="en-US" sz="1800" dirty="0">
+                <a:solidFill>
+                  <a:srgbClr val="222222"/>
+                </a:solidFill>
+                <a:effectLst/>
+                <a:latin typeface="Arial" panose="020B0604020202020204" pitchFamily="34" charset="0"/>
+                <a:ea typeface="Arial" panose="020B0604020202020204" pitchFamily="34" charset="0"/>
+              </a:rPr>
+              <a:t>Jha, </a:t>
+            </a:r>
+            <a:r>
+              <a:rPr lang="en-US" sz="1800" dirty="0" err="1">
+                <a:solidFill>
+                  <a:srgbClr val="222222"/>
+                </a:solidFill>
+                <a:effectLst/>
+                <a:latin typeface="Arial" panose="020B0604020202020204" pitchFamily="34" charset="0"/>
+                <a:ea typeface="Arial" panose="020B0604020202020204" pitchFamily="34" charset="0"/>
+              </a:rPr>
+              <a:t>Susmit</a:t>
+            </a:r>
+            <a:r>
+              <a:rPr lang="en-US" sz="1800" dirty="0">
+                <a:solidFill>
+                  <a:srgbClr val="222222"/>
+                </a:solidFill>
+                <a:effectLst/>
+                <a:latin typeface="Arial" panose="020B0604020202020204" pitchFamily="34" charset="0"/>
+                <a:ea typeface="Arial" panose="020B0604020202020204" pitchFamily="34" charset="0"/>
+              </a:rPr>
+              <a:t>, </a:t>
+            </a:r>
+            <a:r>
+              <a:rPr lang="en-US" sz="1800" dirty="0" err="1">
+                <a:solidFill>
+                  <a:srgbClr val="222222"/>
+                </a:solidFill>
+                <a:effectLst/>
+                <a:latin typeface="Arial" panose="020B0604020202020204" pitchFamily="34" charset="0"/>
+                <a:ea typeface="Arial" panose="020B0604020202020204" pitchFamily="34" charset="0"/>
+              </a:rPr>
+              <a:t>Sumit</a:t>
+            </a:r>
+            <a:r>
+              <a:rPr lang="en-US" sz="1800" dirty="0">
+                <a:solidFill>
+                  <a:srgbClr val="222222"/>
+                </a:solidFill>
+                <a:effectLst/>
+                <a:latin typeface="Arial" panose="020B0604020202020204" pitchFamily="34" charset="0"/>
+                <a:ea typeface="Arial" panose="020B0604020202020204" pitchFamily="34" charset="0"/>
+              </a:rPr>
+              <a:t> </a:t>
+            </a:r>
+            <a:r>
+              <a:rPr lang="en-US" sz="1800" dirty="0" err="1">
+                <a:solidFill>
+                  <a:srgbClr val="222222"/>
+                </a:solidFill>
+                <a:effectLst/>
+                <a:latin typeface="Arial" panose="020B0604020202020204" pitchFamily="34" charset="0"/>
+                <a:ea typeface="Arial" panose="020B0604020202020204" pitchFamily="34" charset="0"/>
+              </a:rPr>
+              <a:t>Gulwani</a:t>
+            </a:r>
+            <a:r>
+              <a:rPr lang="en-US" sz="1800" dirty="0">
+                <a:solidFill>
+                  <a:srgbClr val="222222"/>
+                </a:solidFill>
+                <a:effectLst/>
+                <a:latin typeface="Arial" panose="020B0604020202020204" pitchFamily="34" charset="0"/>
+                <a:ea typeface="Arial" panose="020B0604020202020204" pitchFamily="34" charset="0"/>
+              </a:rPr>
+              <a:t>, </a:t>
+            </a:r>
+            <a:r>
+              <a:rPr lang="en-US" sz="1800" dirty="0" err="1">
+                <a:solidFill>
+                  <a:srgbClr val="222222"/>
+                </a:solidFill>
+                <a:effectLst/>
+                <a:latin typeface="Arial" panose="020B0604020202020204" pitchFamily="34" charset="0"/>
+                <a:ea typeface="Arial" panose="020B0604020202020204" pitchFamily="34" charset="0"/>
+              </a:rPr>
+              <a:t>Sanjit</a:t>
+            </a:r>
+            <a:r>
+              <a:rPr lang="en-US" sz="1800" dirty="0">
+                <a:solidFill>
+                  <a:srgbClr val="222222"/>
+                </a:solidFill>
+                <a:effectLst/>
+                <a:latin typeface="Arial" panose="020B0604020202020204" pitchFamily="34" charset="0"/>
+                <a:ea typeface="Arial" panose="020B0604020202020204" pitchFamily="34" charset="0"/>
+              </a:rPr>
+              <a:t> A. </a:t>
+            </a:r>
+            <a:r>
+              <a:rPr lang="en-US" sz="1800" dirty="0" err="1">
+                <a:solidFill>
+                  <a:srgbClr val="222222"/>
+                </a:solidFill>
+                <a:effectLst/>
+                <a:latin typeface="Arial" panose="020B0604020202020204" pitchFamily="34" charset="0"/>
+                <a:ea typeface="Arial" panose="020B0604020202020204" pitchFamily="34" charset="0"/>
+              </a:rPr>
+              <a:t>Seshia</a:t>
+            </a:r>
+            <a:r>
+              <a:rPr lang="en-US" sz="1800" dirty="0">
+                <a:solidFill>
+                  <a:srgbClr val="222222"/>
+                </a:solidFill>
+                <a:effectLst/>
+                <a:latin typeface="Arial" panose="020B0604020202020204" pitchFamily="34" charset="0"/>
+                <a:ea typeface="Arial" panose="020B0604020202020204" pitchFamily="34" charset="0"/>
+              </a:rPr>
+              <a:t>, and Ashish Tiwari. "Oracle-guided component-based program synthesis." In </a:t>
+            </a:r>
+            <a:r>
+              <a:rPr lang="en-US" sz="1800" i="1" dirty="0">
+                <a:solidFill>
+                  <a:srgbClr val="222222"/>
+                </a:solidFill>
+                <a:effectLst/>
+                <a:latin typeface="Arial" panose="020B0604020202020204" pitchFamily="34" charset="0"/>
+                <a:ea typeface="Arial" panose="020B0604020202020204" pitchFamily="34" charset="0"/>
+              </a:rPr>
+              <a:t>2010 ACM/IEEE 32nd International Conference on Software Engineering</a:t>
+            </a:r>
+            <a:r>
+              <a:rPr lang="en-US" sz="1800" dirty="0">
+                <a:solidFill>
+                  <a:srgbClr val="222222"/>
+                </a:solidFill>
+                <a:effectLst/>
+                <a:latin typeface="Arial" panose="020B0604020202020204" pitchFamily="34" charset="0"/>
+                <a:ea typeface="Arial" panose="020B0604020202020204" pitchFamily="34" charset="0"/>
+              </a:rPr>
+              <a:t>, vol. 1, pp. 215-224. IEEE, 2010. </a:t>
+            </a:r>
+          </a:p>
+          <a:p>
+            <a:endParaRPr lang="en-US" sz="1800" dirty="0">
+              <a:solidFill>
+                <a:srgbClr val="222222"/>
+              </a:solidFill>
+              <a:effectLst/>
+              <a:latin typeface="Arial" panose="020B0604020202020204" pitchFamily="34" charset="0"/>
+              <a:ea typeface="Arial" panose="020B0604020202020204" pitchFamily="34" charset="0"/>
+            </a:endParaRPr>
+          </a:p>
+          <a:p>
+            <a:r>
+              <a:rPr lang="en-IN" dirty="0">
+                <a:cs typeface="Segoe UI"/>
+              </a:rPr>
+              <a:t>[11]		</a:t>
+            </a:r>
+            <a:r>
+              <a:rPr lang="en-US" sz="1800" dirty="0">
+                <a:solidFill>
+                  <a:srgbClr val="222222"/>
+                </a:solidFill>
+                <a:effectLst/>
+                <a:latin typeface="Arial" panose="020B0604020202020204" pitchFamily="34" charset="0"/>
+                <a:ea typeface="Arial" panose="020B0604020202020204" pitchFamily="34" charset="0"/>
+              </a:rPr>
+              <a:t>Jones, James A., Mary Jean Harrold, and John </a:t>
+            </a:r>
+            <a:r>
+              <a:rPr lang="en-US" sz="1800" dirty="0" err="1">
+                <a:solidFill>
+                  <a:srgbClr val="222222"/>
+                </a:solidFill>
+                <a:effectLst/>
+                <a:latin typeface="Arial" panose="020B0604020202020204" pitchFamily="34" charset="0"/>
+                <a:ea typeface="Arial" panose="020B0604020202020204" pitchFamily="34" charset="0"/>
+              </a:rPr>
+              <a:t>Stasko</a:t>
+            </a:r>
+            <a:r>
+              <a:rPr lang="en-US" sz="1800" dirty="0">
+                <a:solidFill>
+                  <a:srgbClr val="222222"/>
+                </a:solidFill>
+                <a:effectLst/>
+                <a:latin typeface="Arial" panose="020B0604020202020204" pitchFamily="34" charset="0"/>
+                <a:ea typeface="Arial" panose="020B0604020202020204" pitchFamily="34" charset="0"/>
+              </a:rPr>
+              <a:t>. "Visualization of test information to assist fault localization." In </a:t>
+            </a:r>
+            <a:r>
+              <a:rPr lang="en-US" sz="1800" i="1" dirty="0">
+                <a:solidFill>
+                  <a:srgbClr val="222222"/>
+                </a:solidFill>
+                <a:effectLst/>
+                <a:latin typeface="Arial" panose="020B0604020202020204" pitchFamily="34" charset="0"/>
+                <a:ea typeface="Arial" panose="020B0604020202020204" pitchFamily="34" charset="0"/>
+              </a:rPr>
+              <a:t>Proceedings of the 24th International Conference on Software Engineering. ICSE 2002</a:t>
+            </a:r>
+            <a:r>
+              <a:rPr lang="en-US" sz="1800" dirty="0">
+                <a:solidFill>
+                  <a:srgbClr val="222222"/>
+                </a:solidFill>
+                <a:effectLst/>
+                <a:latin typeface="Arial" panose="020B0604020202020204" pitchFamily="34" charset="0"/>
+                <a:ea typeface="Arial" panose="020B0604020202020204" pitchFamily="34" charset="0"/>
+              </a:rPr>
+              <a:t>, pp. 467-477. IEEE, 2002.</a:t>
+            </a:r>
+            <a:r>
+              <a:rPr lang="en-IN" dirty="0">
+                <a:cs typeface="Segoe UI"/>
+              </a:rPr>
+              <a:t>​</a:t>
+            </a:r>
+          </a:p>
+          <a:p>
+            <a:endParaRPr lang="en-IN" dirty="0">
+              <a:cs typeface="Segoe UI"/>
+            </a:endParaRPr>
+          </a:p>
+          <a:p>
+            <a:r>
+              <a:rPr lang="en-IN" dirty="0">
+                <a:cs typeface="Segoe UI"/>
+              </a:rPr>
+              <a:t>[12]		</a:t>
+            </a:r>
+            <a:r>
+              <a:rPr lang="en-US" sz="1800" dirty="0">
+                <a:solidFill>
+                  <a:srgbClr val="222222"/>
+                </a:solidFill>
+                <a:effectLst/>
+                <a:latin typeface="Arial" panose="020B0604020202020204" pitchFamily="34" charset="0"/>
+                <a:ea typeface="Arial" panose="020B0604020202020204" pitchFamily="34" charset="0"/>
+              </a:rPr>
+              <a:t>Kim, </a:t>
+            </a:r>
+            <a:r>
+              <a:rPr lang="en-US" sz="1800" dirty="0" err="1">
+                <a:solidFill>
+                  <a:srgbClr val="222222"/>
+                </a:solidFill>
+                <a:effectLst/>
+                <a:latin typeface="Arial" panose="020B0604020202020204" pitchFamily="34" charset="0"/>
+                <a:ea typeface="Arial" panose="020B0604020202020204" pitchFamily="34" charset="0"/>
+              </a:rPr>
+              <a:t>Dongsun</a:t>
+            </a:r>
+            <a:r>
+              <a:rPr lang="en-US" sz="1800" dirty="0">
+                <a:solidFill>
+                  <a:srgbClr val="222222"/>
+                </a:solidFill>
+                <a:effectLst/>
+                <a:latin typeface="Arial" panose="020B0604020202020204" pitchFamily="34" charset="0"/>
+                <a:ea typeface="Arial" panose="020B0604020202020204" pitchFamily="34" charset="0"/>
+              </a:rPr>
+              <a:t>, </a:t>
+            </a:r>
+            <a:r>
+              <a:rPr lang="en-US" sz="1800" dirty="0" err="1">
+                <a:solidFill>
+                  <a:srgbClr val="222222"/>
+                </a:solidFill>
+                <a:effectLst/>
+                <a:latin typeface="Arial" panose="020B0604020202020204" pitchFamily="34" charset="0"/>
+                <a:ea typeface="Arial" panose="020B0604020202020204" pitchFamily="34" charset="0"/>
+              </a:rPr>
+              <a:t>Jaechang</a:t>
+            </a:r>
+            <a:r>
+              <a:rPr lang="en-US" sz="1800" dirty="0">
+                <a:solidFill>
+                  <a:srgbClr val="222222"/>
+                </a:solidFill>
+                <a:effectLst/>
+                <a:latin typeface="Arial" panose="020B0604020202020204" pitchFamily="34" charset="0"/>
+                <a:ea typeface="Arial" panose="020B0604020202020204" pitchFamily="34" charset="0"/>
+              </a:rPr>
+              <a:t> Nam, </a:t>
+            </a:r>
+            <a:r>
+              <a:rPr lang="en-US" sz="1800" dirty="0" err="1">
+                <a:solidFill>
+                  <a:srgbClr val="222222"/>
+                </a:solidFill>
+                <a:effectLst/>
+                <a:latin typeface="Arial" panose="020B0604020202020204" pitchFamily="34" charset="0"/>
+                <a:ea typeface="Arial" panose="020B0604020202020204" pitchFamily="34" charset="0"/>
+              </a:rPr>
+              <a:t>Jaewoo</a:t>
+            </a:r>
+            <a:r>
+              <a:rPr lang="en-US" sz="1800" dirty="0">
+                <a:solidFill>
+                  <a:srgbClr val="222222"/>
+                </a:solidFill>
+                <a:effectLst/>
+                <a:latin typeface="Arial" panose="020B0604020202020204" pitchFamily="34" charset="0"/>
+                <a:ea typeface="Arial" panose="020B0604020202020204" pitchFamily="34" charset="0"/>
+              </a:rPr>
+              <a:t> Song, and </a:t>
+            </a:r>
+            <a:r>
+              <a:rPr lang="en-US" sz="1800" dirty="0" err="1">
+                <a:solidFill>
+                  <a:srgbClr val="222222"/>
+                </a:solidFill>
+                <a:effectLst/>
+                <a:latin typeface="Arial" panose="020B0604020202020204" pitchFamily="34" charset="0"/>
+                <a:ea typeface="Arial" panose="020B0604020202020204" pitchFamily="34" charset="0"/>
+              </a:rPr>
+              <a:t>Sunghun</a:t>
+            </a:r>
+            <a:r>
+              <a:rPr lang="en-US" sz="1800" dirty="0">
+                <a:solidFill>
+                  <a:srgbClr val="222222"/>
+                </a:solidFill>
+                <a:effectLst/>
+                <a:latin typeface="Arial" panose="020B0604020202020204" pitchFamily="34" charset="0"/>
+                <a:ea typeface="Arial" panose="020B0604020202020204" pitchFamily="34" charset="0"/>
+              </a:rPr>
+              <a:t> Kim. "Automatic patch generation learned from human-written patches." In </a:t>
+            </a:r>
+            <a:r>
+              <a:rPr lang="en-US" sz="1800" i="1" dirty="0">
+                <a:solidFill>
+                  <a:srgbClr val="222222"/>
+                </a:solidFill>
+                <a:effectLst/>
+                <a:latin typeface="Arial" panose="020B0604020202020204" pitchFamily="34" charset="0"/>
+                <a:ea typeface="Arial" panose="020B0604020202020204" pitchFamily="34" charset="0"/>
+              </a:rPr>
+              <a:t>2013 35th International Conference on Software Engineering (ICSE)</a:t>
+            </a:r>
+            <a:r>
+              <a:rPr lang="en-US" sz="1800" dirty="0">
+                <a:solidFill>
+                  <a:srgbClr val="222222"/>
+                </a:solidFill>
+                <a:effectLst/>
+                <a:latin typeface="Arial" panose="020B0604020202020204" pitchFamily="34" charset="0"/>
+                <a:ea typeface="Arial" panose="020B0604020202020204" pitchFamily="34" charset="0"/>
+              </a:rPr>
+              <a:t>, pp. 802-811. IEEE, 2013.</a:t>
+            </a:r>
+            <a:endParaRPr lang="en-IN" dirty="0">
+              <a:cs typeface="Segoe UI"/>
+            </a:endParaRPr>
+          </a:p>
+        </p:txBody>
+      </p:sp>
+      <p:sp>
+        <p:nvSpPr>
+          <p:cNvPr id="7" name="TextBox 6">
+            <a:extLst>
+              <a:ext uri="{FF2B5EF4-FFF2-40B4-BE49-F238E27FC236}">
+                <a16:creationId xmlns:a16="http://schemas.microsoft.com/office/drawing/2014/main" id="{BB2AA7EF-4C76-411D-A52D-51CB8A38044B}"/>
+              </a:ext>
+            </a:extLst>
+          </p:cNvPr>
+          <p:cNvSpPr txBox="1"/>
+          <p:nvPr/>
+        </p:nvSpPr>
+        <p:spPr>
+          <a:xfrm>
+            <a:off x="4079630" y="5755740"/>
+            <a:ext cx="4487595" cy="461665"/>
+          </a:xfrm>
+          <a:prstGeom prst="rect">
+            <a:avLst/>
+          </a:prstGeom>
+          <a:noFill/>
+        </p:spPr>
+        <p:txBody>
+          <a:bodyPr wrap="square">
+            <a:spAutoFit/>
+          </a:bodyPr>
+          <a:lstStyle/>
+          <a:p>
+            <a:r>
+              <a:rPr lang="en-US" sz="2400" dirty="0">
+                <a:solidFill>
+                  <a:srgbClr val="00B0F0"/>
                 </a:solidFill>
                 <a:cs typeface="Segoe UI"/>
                 <a:hlinkClick r:id="rId2">
@@ -12793,9 +13524,9 @@
               </a:rPr>
               <a:t>GitHub Link For the Code</a:t>
             </a:r>
-            <a:endParaRPr lang="en-IN" dirty="0">
+            <a:endParaRPr lang="en-IN" sz="2400" dirty="0">
               <a:solidFill>
-                <a:srgbClr val="FF0000"/>
+                <a:srgbClr val="00B0F0"/>
               </a:solidFill>
               <a:cs typeface="Segoe UI"/>
             </a:endParaRPr>
@@ -12805,7 +13536,7 @@
     </p:spTree>
     <p:extLst>
       <p:ext uri="{BB962C8B-B14F-4D97-AF65-F5344CB8AC3E}">
-        <p14:creationId xmlns:p14="http://schemas.microsoft.com/office/powerpoint/2010/main" val="995102655"/>
+        <p14:creationId xmlns:p14="http://schemas.microsoft.com/office/powerpoint/2010/main" val="2323818197"/>
       </p:ext>
     </p:extLst>
   </p:cSld>
@@ -12837,231 +13568,6 @@
           <p:cNvPr id="2" name="Rectangle 1">
             <a:extLst>
               <a:ext uri="{FF2B5EF4-FFF2-40B4-BE49-F238E27FC236}">
-                <a16:creationId xmlns:a16="http://schemas.microsoft.com/office/drawing/2014/main" id="{2D0B24AE-50C0-41A0-B431-7B8C117ADD52}"/>
-              </a:ext>
-            </a:extLst>
-          </p:cNvPr>
-          <p:cNvSpPr/>
-          <p:nvPr/>
-        </p:nvSpPr>
-        <p:spPr>
-          <a:xfrm>
-            <a:off x="775799" y="714183"/>
-            <a:ext cx="5247976" cy="584775"/>
-          </a:xfrm>
-          <a:prstGeom prst="rect">
-            <a:avLst/>
-          </a:prstGeom>
-          <a:noFill/>
-        </p:spPr>
-        <p:txBody>
-          <a:bodyPr wrap="none" lIns="91440" tIns="45720" rIns="91440" bIns="45720" anchor="t">
-            <a:spAutoFit/>
-          </a:bodyPr>
-          <a:lstStyle/>
-          <a:p>
-            <a:pPr algn="ctr"/>
-            <a:r>
-              <a:rPr lang="en-US" sz="3200" b="0" cap="none" spc="0">
-                <a:ln w="0"/>
-                <a:solidFill>
-                  <a:srgbClr val="00B0F0"/>
-                </a:solidFill>
-                <a:effectLst>
-                  <a:outerShdw blurRad="38100" dist="19050" dir="2700000" algn="tl" rotWithShape="0">
-                    <a:schemeClr val="dk1">
-                      <a:alpha val="40000"/>
-                    </a:schemeClr>
-                  </a:outerShdw>
-                </a:effectLst>
-              </a:rPr>
-              <a:t>Paper Presentation-2 Recap</a:t>
-            </a:r>
-            <a:endParaRPr lang="en-US" sz="3200" b="0" cap="none" spc="0">
-              <a:ln w="0"/>
-              <a:solidFill>
-                <a:srgbClr val="00B0F0"/>
-              </a:solidFill>
-              <a:effectLst>
-                <a:outerShdw blurRad="38100" dist="19050" dir="2700000" algn="tl" rotWithShape="0">
-                  <a:prstClr val="black">
-                    <a:alpha val="40000"/>
-                  </a:prstClr>
-                </a:outerShdw>
-              </a:effectLst>
-            </a:endParaRPr>
-          </a:p>
-        </p:txBody>
-      </p:sp>
-      <p:sp>
-        <p:nvSpPr>
-          <p:cNvPr id="4" name="TextBox 3">
-            <a:extLst>
-              <a:ext uri="{FF2B5EF4-FFF2-40B4-BE49-F238E27FC236}">
-                <a16:creationId xmlns:a16="http://schemas.microsoft.com/office/drawing/2014/main" id="{BFC49918-09AA-4587-9B22-469B0B508394}"/>
-              </a:ext>
-            </a:extLst>
-          </p:cNvPr>
-          <p:cNvSpPr txBox="1"/>
-          <p:nvPr/>
-        </p:nvSpPr>
-        <p:spPr>
-          <a:xfrm>
-            <a:off x="1015999" y="1465943"/>
-            <a:ext cx="10029371" cy="4600683"/>
-          </a:xfrm>
-          <a:prstGeom prst="rect">
-            <a:avLst/>
-          </a:prstGeom>
-          <a:noFill/>
-        </p:spPr>
-        <p:txBody>
-          <a:bodyPr wrap="square" lIns="91440" tIns="45720" rIns="91440" bIns="45720" rtlCol="0" anchor="t">
-            <a:spAutoFit/>
-          </a:bodyPr>
-          <a:lstStyle/>
-          <a:p>
-            <a:pPr algn="just">
-              <a:lnSpc>
-                <a:spcPct val="150000"/>
-              </a:lnSpc>
-            </a:pPr>
-            <a:r>
-              <a:rPr lang="en-IN" sz="2200"/>
-              <a:t>In the previous Paper Presentation :</a:t>
-            </a:r>
-            <a:endParaRPr lang="en-US" sz="2200"/>
-          </a:p>
-          <a:p>
-            <a:pPr marL="342900" indent="-342900" algn="just">
-              <a:lnSpc>
-                <a:spcPct val="150000"/>
-              </a:lnSpc>
-              <a:buFont typeface="Arial" panose="020B0604020202020204" pitchFamily="34" charset="0"/>
-              <a:buChar char="•"/>
-            </a:pPr>
-            <a:r>
-              <a:rPr lang="en-US" sz="2200">
-                <a:ln/>
-              </a:rPr>
-              <a:t>We</a:t>
-            </a:r>
-            <a:r>
-              <a:rPr lang="en-US" sz="2200" cap="none" spc="0">
-                <a:ln/>
-                <a:effectLst/>
-              </a:rPr>
-              <a:t> identified potentially faulty statement by mining both passing and failing executions of a faulty program.</a:t>
-            </a:r>
-          </a:p>
-          <a:p>
-            <a:pPr marL="342900" indent="-342900" algn="just">
-              <a:lnSpc>
-                <a:spcPct val="150000"/>
-              </a:lnSpc>
-              <a:buFont typeface="Arial" panose="020B0604020202020204" pitchFamily="34" charset="0"/>
-              <a:buChar char="•"/>
-            </a:pPr>
-            <a:r>
-              <a:rPr lang="en-US" sz="2200">
-                <a:ln/>
-              </a:rPr>
-              <a:t>To do so we introduced one method  of fault localization which was based on Line code coverage/Statement coverage.</a:t>
-            </a:r>
-            <a:endParaRPr lang="en-US" sz="2200" cap="none" spc="0">
-              <a:ln/>
-              <a:effectLst/>
-            </a:endParaRPr>
-          </a:p>
-          <a:p>
-            <a:pPr marL="342900" indent="-342900" algn="just">
-              <a:lnSpc>
-                <a:spcPct val="150000"/>
-              </a:lnSpc>
-              <a:buFont typeface="Arial" panose="020B0604020202020204" pitchFamily="34" charset="0"/>
-              <a:buChar char="•"/>
-            </a:pPr>
-            <a:r>
-              <a:rPr lang="en-IN" sz="2200"/>
-              <a:t>The one technique we introduced calculated the following:</a:t>
-            </a:r>
-          </a:p>
-          <a:p>
-            <a:pPr marL="914400" lvl="1" indent="-457200" algn="just">
-              <a:lnSpc>
-                <a:spcPct val="150000"/>
-              </a:lnSpc>
-              <a:buFont typeface="Arial"/>
-              <a:buChar char="•"/>
-            </a:pPr>
-            <a:r>
-              <a:rPr lang="en-IN" sz="2200"/>
-              <a:t>Line or Statement Code Coverage</a:t>
-            </a:r>
-          </a:p>
-          <a:p>
-            <a:pPr marL="914400" lvl="1" indent="-457200" algn="just">
-              <a:lnSpc>
-                <a:spcPct val="150000"/>
-              </a:lnSpc>
-              <a:buFont typeface="Arial"/>
-              <a:buChar char="•"/>
-            </a:pPr>
-            <a:r>
-              <a:rPr lang="en-IN" sz="2200"/>
-              <a:t>Suspicious Scores/ likelihood scores of statements</a:t>
-            </a:r>
-          </a:p>
-          <a:p>
-            <a:pPr marL="914400" lvl="1" indent="-457200" algn="just">
-              <a:lnSpc>
-                <a:spcPct val="150000"/>
-              </a:lnSpc>
-              <a:buFont typeface="Arial"/>
-              <a:buChar char="•"/>
-            </a:pPr>
-            <a:r>
-              <a:rPr lang="en-IN" sz="2200"/>
-              <a:t>Set of indices of suspicious statements (ordered by likelihood score)</a:t>
-            </a:r>
-          </a:p>
-        </p:txBody>
-      </p:sp>
-    </p:spTree>
-    <p:extLst>
-      <p:ext uri="{BB962C8B-B14F-4D97-AF65-F5344CB8AC3E}">
-        <p14:creationId xmlns:p14="http://schemas.microsoft.com/office/powerpoint/2010/main" val="2058808523"/>
-      </p:ext>
-    </p:extLst>
-  </p:cSld>
-  <p:clrMapOvr>
-    <a:masterClrMapping/>
-  </p:clrMapOvr>
-</p:sld>
-</file>
-
-<file path=ppt/slides/slide4.xml><?xml version="1.0" encoding="utf-8"?>
-<p:sld xmlns:a="http://schemas.openxmlformats.org/drawingml/2006/main" xmlns:r="http://schemas.openxmlformats.org/officeDocument/2006/relationships" xmlns:p="http://schemas.openxmlformats.org/presentationml/2006/main">
-  <p:cSld>
-    <p:spTree>
-      <p:nvGrpSpPr>
-        <p:cNvPr id="1" name=""/>
-        <p:cNvGrpSpPr/>
-        <p:nvPr/>
-      </p:nvGrpSpPr>
-      <p:grpSpPr>
-        <a:xfrm>
-          <a:off x="0" y="0"/>
-          <a:ext cx="0" cy="0"/>
-          <a:chOff x="0" y="0"/>
-          <a:chExt cx="0" cy="0"/>
-        </a:xfrm>
-      </p:grpSpPr>
-      <p:sp>
-        <p:nvSpPr>
-          <p:cNvPr id="2" name="Rectangle 1">
-            <a:extLst>
-              <a:ext uri="{FF2B5EF4-FFF2-40B4-BE49-F238E27FC236}">
                 <a16:creationId xmlns:a16="http://schemas.microsoft.com/office/drawing/2014/main" id="{441B28A6-67A3-4BF8-B863-C10C3340811F}"/>
               </a:ext>
             </a:extLst>
@@ -13071,7 +13577,7 @@
         </p:nvSpPr>
         <p:spPr>
           <a:xfrm>
-            <a:off x="643846" y="509813"/>
+            <a:off x="2405118" y="298797"/>
             <a:ext cx="7381764" cy="923330"/>
           </a:xfrm>
           <a:prstGeom prst="rect">
@@ -13096,7 +13602,7 @@
           <a:p>
             <a:pPr algn="ctr"/>
             <a:r>
-              <a:rPr lang="en-US" sz="5400" b="1">
+              <a:rPr lang="en-US" sz="5400" b="1" u="sng" dirty="0">
                 <a:ln/>
                 <a:solidFill>
                   <a:schemeClr val="accent4"/>
@@ -13121,7 +13627,7 @@
         </p:nvSpPr>
         <p:spPr>
           <a:xfrm>
-            <a:off x="773727" y="1613853"/>
+            <a:off x="609601" y="1631215"/>
             <a:ext cx="10972798" cy="1200329"/>
           </a:xfrm>
           <a:prstGeom prst="rect">
@@ -13137,45 +13643,45 @@
           <a:p>
             <a:pPr algn="just"/>
             <a:r>
-              <a:rPr lang="en-IN" sz="2400">
+              <a:rPr lang="en-IN" sz="2400" dirty="0">
                 <a:latin typeface="Trebuchet MS"/>
                 <a:cs typeface="Arial"/>
               </a:rPr>
               <a:t>In general, </a:t>
             </a:r>
             <a:r>
-              <a:rPr lang="en-IN" sz="2400" b="1">
+              <a:rPr lang="en-IN" sz="2400" b="1" dirty="0">
                 <a:latin typeface="Trebuchet MS"/>
                 <a:cs typeface="Arial"/>
               </a:rPr>
               <a:t>FAULT</a:t>
             </a:r>
             <a:r>
-              <a:rPr lang="en-IN" sz="2400">
+              <a:rPr lang="en-IN" sz="2400" dirty="0">
                 <a:latin typeface="Trebuchet MS"/>
                 <a:cs typeface="Arial"/>
               </a:rPr>
               <a:t> </a:t>
             </a:r>
             <a:r>
-              <a:rPr lang="en-IN" sz="2400" b="1">
+              <a:rPr lang="en-IN" sz="2400" b="1" dirty="0">
                 <a:latin typeface="Trebuchet MS"/>
                 <a:cs typeface="Arial"/>
               </a:rPr>
               <a:t>LOCALIZATION</a:t>
             </a:r>
             <a:r>
-              <a:rPr lang="en-IN" sz="2400">
+              <a:rPr lang="en-IN" sz="2400" dirty="0">
                 <a:latin typeface="Trebuchet MS"/>
                 <a:cs typeface="Arial"/>
               </a:rPr>
               <a:t> is the act of tracing and locating of bugs, if any, present in the software. Here we intend to locate bugs in the codes based on some fixed criteria. </a:t>
             </a:r>
             <a:r>
-              <a:rPr lang="en-IN" sz="2400"/>
+              <a:rPr lang="en-IN" sz="2400" dirty="0"/>
               <a:t> </a:t>
             </a:r>
-            <a:endParaRPr lang="en-US"/>
+            <a:endParaRPr lang="en-US" dirty="0"/>
           </a:p>
         </p:txBody>
       </p:sp>
@@ -13193,7 +13699,7 @@
         </p:nvSpPr>
         <p:spPr>
           <a:xfrm>
-            <a:off x="649030" y="3141946"/>
+            <a:off x="787793" y="3075057"/>
             <a:ext cx="7673897" cy="707886"/>
           </a:xfrm>
           <a:prstGeom prst="rect">
@@ -13209,7 +13715,7 @@
           <a:p>
             <a:pPr algn="ctr"/>
             <a:r>
-              <a:rPr lang="en-US" sz="4000">
+              <a:rPr lang="en-US" sz="4000" dirty="0">
                 <a:ln w="0"/>
                 <a:gradFill>
                   <a:gsLst>
@@ -13226,7 +13732,7 @@
               <a:t>Importance</a:t>
             </a:r>
             <a:r>
-              <a:rPr lang="en-US" sz="4000" b="0" cap="none" spc="0">
+              <a:rPr lang="en-US" sz="4000" b="0" cap="none" spc="0" dirty="0">
                 <a:ln w="0"/>
                 <a:gradFill>
                   <a:gsLst>
@@ -13451,7 +13957,7 @@
 </p:sld>
 </file>
 
-<file path=ppt/slides/slide5.xml><?xml version="1.0" encoding="utf-8"?>
+<file path=ppt/slides/slide4.xml><?xml version="1.0" encoding="utf-8"?>
 <p:sld xmlns:a="http://schemas.openxmlformats.org/drawingml/2006/main" xmlns:r="http://schemas.openxmlformats.org/officeDocument/2006/relationships" xmlns:p="http://schemas.openxmlformats.org/presentationml/2006/main">
   <p:cSld>
     <p:spTree>
@@ -13497,14 +14003,14 @@
           <a:lstStyle/>
           <a:p>
             <a:r>
-              <a:rPr lang="en-IN" sz="2800">
+              <a:rPr lang="en-IN" sz="2800" u="sng" dirty="0">
                 <a:solidFill>
                   <a:srgbClr val="00B0F0"/>
                 </a:solidFill>
               </a:rPr>
               <a:t>High-Level Component Diagram of FL based on Statement/Line coverage</a:t>
             </a:r>
-            <a:endParaRPr lang="en-US"/>
+            <a:endParaRPr lang="en-US" u="sng" dirty="0"/>
           </a:p>
         </p:txBody>
       </p:sp>
@@ -13534,8 +14040,8 @@
         </p:blipFill>
         <p:spPr>
           <a:xfrm>
-            <a:off x="0" y="2329987"/>
-            <a:ext cx="12191999" cy="1740553"/>
+            <a:off x="133643" y="2884371"/>
+            <a:ext cx="11924713" cy="1664965"/>
           </a:xfrm>
           <a:prstGeom prst="rect">
             <a:avLst/>
@@ -13555,7 +14061,7 @@
 </p:sld>
 </file>
 
-<file path=ppt/slides/slide6.xml><?xml version="1.0" encoding="utf-8"?>
+<file path=ppt/slides/slide5.xml><?xml version="1.0" encoding="utf-8"?>
 <p:sld xmlns:a="http://schemas.openxmlformats.org/drawingml/2006/main" xmlns:r="http://schemas.openxmlformats.org/officeDocument/2006/relationships" xmlns:p="http://schemas.openxmlformats.org/presentationml/2006/main">
   <p:cSld>
     <p:spTree>
@@ -13606,14 +14112,14 @@
               </a:lnSpc>
             </a:pPr>
             <a:r>
-              <a:rPr lang="en-US" sz="2000" b="1">
+              <a:rPr lang="en-US" sz="2000" b="1" u="sng" dirty="0">
                 <a:latin typeface="Trebuchet MS"/>
                 <a:ea typeface="Calibri" panose="020F0502020204030204" pitchFamily="34" charset="0"/>
                 <a:cs typeface="Calibri"/>
               </a:rPr>
               <a:t>Code Coverage </a:t>
             </a:r>
-            <a:endParaRPr lang="en-US" sz="2000">
+            <a:endParaRPr lang="en-US" sz="2000" u="sng" dirty="0">
               <a:effectLst/>
               <a:latin typeface="Trebuchet MS"/>
               <a:ea typeface="Calibri" panose="020F0502020204030204" pitchFamily="34" charset="0"/>
@@ -13629,7 +14135,7 @@
               <a:buChar char=""/>
             </a:pPr>
             <a:r>
-              <a:rPr lang="en-US" sz="2000">
+              <a:rPr lang="en-US" sz="2000" dirty="0">
                 <a:effectLst/>
                 <a:latin typeface="Trebuchet MS"/>
                 <a:ea typeface="Calibri" panose="020F0502020204030204" pitchFamily="34" charset="0"/>
@@ -13637,7 +14143,7 @@
               </a:rPr>
               <a:t>Programming language : Python</a:t>
             </a:r>
-            <a:endParaRPr lang="en-IN" sz="2000">
+            <a:endParaRPr lang="en-IN" sz="2000" dirty="0">
               <a:effectLst/>
               <a:latin typeface="Trebuchet MS"/>
               <a:ea typeface="Calibri" panose="020F0502020204030204" pitchFamily="34" charset="0"/>
@@ -13653,7 +14159,7 @@
               <a:buChar char=""/>
             </a:pPr>
             <a:r>
-              <a:rPr lang="en-US" sz="2000">
+              <a:rPr lang="en-US" sz="2000" dirty="0">
                 <a:effectLst/>
                 <a:latin typeface="Trebuchet MS"/>
                 <a:ea typeface="Calibri" panose="020F0502020204030204" pitchFamily="34" charset="0"/>
@@ -13671,14 +14177,14 @@
               <a:buChar char=""/>
             </a:pPr>
             <a:r>
-              <a:rPr lang="en-US" sz="2000">
+              <a:rPr lang="en-US" sz="2000" dirty="0">
                 <a:latin typeface="Trebuchet MS"/>
                 <a:ea typeface="Calibri" panose="020F0502020204030204" pitchFamily="34" charset="0"/>
                 <a:cs typeface="Calibri"/>
               </a:rPr>
               <a:t>Steps :</a:t>
             </a:r>
-            <a:endParaRPr lang="en-IN" sz="2000">
+            <a:endParaRPr lang="en-IN" sz="2000" dirty="0">
               <a:effectLst/>
               <a:latin typeface="Trebuchet MS"/>
               <a:ea typeface="Calibri" panose="020F0502020204030204" pitchFamily="34" charset="0"/>
@@ -13694,7 +14200,7 @@
               <a:buChar char="•"/>
             </a:pPr>
             <a:r>
-              <a:rPr lang="en-US" sz="2000">
+              <a:rPr lang="en-US" sz="2000" dirty="0">
                 <a:effectLst/>
                 <a:latin typeface="Trebuchet MS"/>
                 <a:ea typeface="Calibri" panose="020F0502020204030204" pitchFamily="34" charset="0"/>
@@ -13702,7 +14208,7 @@
               </a:rPr>
               <a:t>For each testcase of test-suite, buggy program gets executed.</a:t>
             </a:r>
-            <a:endParaRPr lang="en-US" sz="2000">
+            <a:endParaRPr lang="en-US" sz="2000" dirty="0">
               <a:latin typeface="Trebuchet MS"/>
               <a:ea typeface="Calibri" panose="020F0502020204030204" pitchFamily="34" charset="0"/>
               <a:cs typeface="Calibri"/>
@@ -13717,7 +14223,7 @@
               <a:buChar char="•"/>
             </a:pPr>
             <a:r>
-              <a:rPr lang="en-US" sz="2000">
+              <a:rPr lang="en-US" sz="2000" dirty="0">
                 <a:effectLst/>
                 <a:latin typeface="Trebuchet MS"/>
                 <a:ea typeface="Calibri" panose="020F0502020204030204" pitchFamily="34" charset="0"/>
@@ -13725,7 +14231,7 @@
               </a:rPr>
               <a:t>Store the outputs in a file.</a:t>
             </a:r>
-            <a:endParaRPr lang="en-IN" sz="2000">
+            <a:endParaRPr lang="en-IN" sz="2000" dirty="0">
               <a:latin typeface="Trebuchet MS"/>
               <a:ea typeface="Calibri" panose="020F0502020204030204" pitchFamily="34" charset="0"/>
               <a:cs typeface="Calibri"/>
@@ -13740,7 +14246,7 @@
               <a:buChar char="•"/>
             </a:pPr>
             <a:r>
-              <a:rPr lang="en-US" sz="2000">
+              <a:rPr lang="en-US" sz="2000" dirty="0">
                 <a:effectLst/>
                 <a:latin typeface="Trebuchet MS"/>
                 <a:ea typeface="Calibri" panose="020F0502020204030204" pitchFamily="34" charset="0"/>
@@ -13749,7 +14255,7 @@
               <a:t>Each output </a:t>
             </a:r>
             <a:r>
-              <a:rPr lang="en-US" sz="2000">
+              <a:rPr lang="en-US" sz="2000" dirty="0">
                 <a:latin typeface="Trebuchet MS"/>
                 <a:ea typeface="Calibri" panose="020F0502020204030204" pitchFamily="34" charset="0"/>
                 <a:cs typeface="Calibri"/>
@@ -13757,7 +14263,7 @@
               <a:t>compared with </a:t>
             </a:r>
             <a:r>
-              <a:rPr lang="en-US" sz="2000">
+              <a:rPr lang="en-US" sz="2000" dirty="0">
                 <a:effectLst/>
                 <a:latin typeface="Trebuchet MS"/>
                 <a:ea typeface="Calibri" panose="020F0502020204030204" pitchFamily="34" charset="0"/>
@@ -13775,7 +14281,7 @@
               <a:buChar char="•"/>
             </a:pPr>
             <a:r>
-              <a:rPr lang="en-US" sz="2000">
+              <a:rPr lang="en-US" sz="2000" dirty="0">
                 <a:latin typeface="Trebuchet MS"/>
                 <a:ea typeface="Calibri" panose="020F0502020204030204" pitchFamily="34" charset="0"/>
                 <a:cs typeface="Calibri"/>
@@ -13783,7 +14289,7 @@
               <a:t>Based on match or mismatch</a:t>
             </a:r>
             <a:r>
-              <a:rPr lang="en-US" sz="2000">
+              <a:rPr lang="en-US" sz="2000" dirty="0">
                 <a:effectLst/>
                 <a:latin typeface="Trebuchet MS"/>
                 <a:ea typeface="Calibri" panose="020F0502020204030204" pitchFamily="34" charset="0"/>
@@ -13791,7 +14297,7 @@
               </a:rPr>
               <a:t> passing or failing is declared.</a:t>
             </a:r>
-            <a:endParaRPr lang="en-IN" sz="2000">
+            <a:endParaRPr lang="en-IN" sz="2000" dirty="0">
               <a:effectLst/>
               <a:latin typeface="Trebuchet MS"/>
               <a:ea typeface="Calibri" panose="020F0502020204030204" pitchFamily="34" charset="0"/>
@@ -13807,7 +14313,7 @@
               <a:buChar char="•"/>
             </a:pPr>
             <a:r>
-              <a:rPr lang="en-US" sz="2000">
+              <a:rPr lang="en-US" sz="2000" dirty="0">
                 <a:effectLst/>
                 <a:latin typeface="Trebuchet MS"/>
                 <a:ea typeface="Calibri" panose="020F0502020204030204" pitchFamily="34" charset="0"/>
@@ -13815,7 +14321,7 @@
               </a:rPr>
               <a:t>We used dictionary data structure to store {testcase, result} as key-value pair.</a:t>
             </a:r>
-            <a:endParaRPr lang="en-IN" sz="2000">
+            <a:endParaRPr lang="en-IN" sz="2000" dirty="0">
               <a:latin typeface="Trebuchet MS"/>
               <a:cs typeface="Calibri"/>
             </a:endParaRPr>
@@ -13861,7 +14367,7 @@
           <a:p>
             <a:pPr algn="ctr"/>
             <a:r>
-              <a:rPr lang="en-US" sz="3600" b="1" cap="none" spc="0">
+              <a:rPr lang="en-US" sz="3600" b="1" u="sng" cap="none" spc="0" dirty="0">
                 <a:ln/>
                 <a:solidFill>
                   <a:srgbClr val="00B0F0"/>
@@ -13902,18 +14408,18 @@
           <a:lstStyle/>
           <a:p>
             <a:r>
-              <a:rPr lang="en-IN" sz="2000"/>
+              <a:rPr lang="en-IN" sz="2000" dirty="0"/>
               <a:t>Method used for Code </a:t>
             </a:r>
             <a:r>
-              <a:rPr lang="en-IN" sz="2000">
+              <a:rPr lang="en-IN" sz="2000" dirty="0">
                 <a:latin typeface="Arial"/>
                 <a:cs typeface="Arial"/>
               </a:rPr>
               <a:t>Coverage</a:t>
             </a:r>
             <a:r>
-              <a:rPr lang="en-IN" sz="2000"/>
+              <a:rPr lang="en-IN" sz="2000" dirty="0"/>
               <a:t> : </a:t>
             </a:r>
           </a:p>
@@ -14032,7 +14538,7 @@
               <a:buChar char="•"/>
             </a:pPr>
             <a:r>
-              <a:rPr lang="en-US" sz="2000">
+              <a:rPr lang="en-US" sz="2000" dirty="0">
                 <a:effectLst/>
                 <a:latin typeface="Trebuchet MS"/>
                 <a:ea typeface="Calibri" panose="020F0502020204030204" pitchFamily="34" charset="0"/>
@@ -14041,7 +14547,7 @@
               <a:t>Python’s settrace() used to test which line is hit </a:t>
             </a:r>
             <a:r>
-              <a:rPr lang="en-US" sz="2000">
+              <a:rPr lang="en-US" sz="2000" dirty="0">
                 <a:latin typeface="Trebuchet MS"/>
                 <a:ea typeface="Calibri" panose="020F0502020204030204" pitchFamily="34" charset="0"/>
                 <a:cs typeface="Calibri"/>
@@ -14049,7 +14555,7 @@
               <a:t>by a particular test case</a:t>
             </a:r>
             <a:r>
-              <a:rPr lang="en-US" sz="2000">
+              <a:rPr lang="en-US" sz="2000" dirty="0">
                 <a:effectLst/>
                 <a:latin typeface="Trebuchet MS"/>
                 <a:ea typeface="Calibri" panose="020F0502020204030204" pitchFamily="34" charset="0"/>
@@ -14070,7 +14576,7 @@
               <a:buChar char="•"/>
             </a:pPr>
             <a:r>
-              <a:rPr lang="en-US" sz="2000">
+              <a:rPr lang="en-US" sz="2000" dirty="0">
                 <a:latin typeface="Trebuchet MS"/>
                 <a:ea typeface="Calibri" panose="020F0502020204030204" pitchFamily="34" charset="0"/>
                 <a:cs typeface="Calibri"/>
@@ -14078,7 +14584,7 @@
               <a:t>A</a:t>
             </a:r>
             <a:r>
-              <a:rPr lang="en-US" sz="2000">
+              <a:rPr lang="en-US" sz="2000" dirty="0">
                 <a:effectLst/>
                 <a:latin typeface="Trebuchet MS"/>
                 <a:ea typeface="Calibri" panose="020F0502020204030204" pitchFamily="34" charset="0"/>
@@ -14086,7 +14592,7 @@
               </a:rPr>
               <a:t>rguments of settrace(): The Stack Frame, Event, Argument frame</a:t>
             </a:r>
-            <a:endParaRPr lang="en-IN" sz="2000">
+            <a:endParaRPr lang="en-IN" sz="2000" dirty="0">
               <a:effectLst/>
               <a:latin typeface="Trebuchet MS"/>
               <a:ea typeface="Calibri" panose="020F0502020204030204" pitchFamily="34" charset="0"/>
@@ -14105,7 +14611,7 @@
               <a:buChar char="•"/>
             </a:pPr>
             <a:r>
-              <a:rPr lang="en-US" sz="2000">
+              <a:rPr lang="en-US" sz="2000" dirty="0">
                 <a:latin typeface="Trebuchet MS"/>
                 <a:ea typeface="Calibri" panose="020F0502020204030204" pitchFamily="34" charset="0"/>
                 <a:cs typeface="Arial"/>
@@ -14113,7 +14619,7 @@
               <a:t> </a:t>
             </a:r>
             <a:r>
-              <a:rPr lang="en-US" sz="2000">
+              <a:rPr lang="en-US" sz="2000" dirty="0">
                 <a:effectLst/>
                 <a:latin typeface="Trebuchet MS"/>
                 <a:ea typeface="Calibri" panose="020F0502020204030204" pitchFamily="34" charset="0"/>
@@ -14121,7 +14627,7 @@
               </a:rPr>
               <a:t> An event simply returns a ‘call’ or ‘line’ string etc.</a:t>
             </a:r>
-            <a:endParaRPr lang="en-IN" sz="2000">
+            <a:endParaRPr lang="en-IN" sz="2000" dirty="0">
               <a:latin typeface="Trebuchet MS"/>
               <a:cs typeface="Arial"/>
             </a:endParaRPr>
@@ -14141,7 +14647,7 @@
 </p:sld>
 </file>
 
-<file path=ppt/slides/slide7.xml><?xml version="1.0" encoding="utf-8"?>
+<file path=ppt/slides/slide6.xml><?xml version="1.0" encoding="utf-8"?>
 <p:sld xmlns:a="http://schemas.openxmlformats.org/drawingml/2006/main" xmlns:r="http://schemas.openxmlformats.org/officeDocument/2006/relationships" xmlns:p="http://schemas.openxmlformats.org/presentationml/2006/main">
   <p:cSld>
     <p:spTree>
@@ -14187,7 +14693,7 @@
           <a:lstStyle/>
           <a:p>
             <a:r>
-              <a:rPr lang="en-US" sz="2400">
+              <a:rPr lang="en-US" sz="2400" u="sng" dirty="0">
                 <a:solidFill>
                   <a:srgbClr val="00B0F0"/>
                 </a:solidFill>
@@ -14196,7 +14702,7 @@
               </a:rPr>
               <a:t>List of Open-source/ Library functionalities used in implementation:</a:t>
             </a:r>
-            <a:endParaRPr lang="en-IN" sz="2400">
+            <a:endParaRPr lang="en-IN" sz="2400" u="sng" dirty="0">
               <a:solidFill>
                 <a:srgbClr val="00B0F0"/>
               </a:solidFill>
@@ -14319,7 +14825,7 @@
             </p:nvSpPr>
             <p:spPr>
               <a:xfrm>
-                <a:off x="286043" y="1337250"/>
+                <a:off x="286043" y="1379453"/>
                 <a:ext cx="11619914" cy="3064493"/>
               </a:xfrm>
               <a:prstGeom prst="rect">
@@ -14891,7 +15397,7 @@
             </p:nvSpPr>
             <p:spPr>
               <a:xfrm>
-                <a:off x="286043" y="1337250"/>
+                <a:off x="286043" y="1379453"/>
                 <a:ext cx="11619914" cy="3064493"/>
               </a:xfrm>
               <a:prstGeom prst="rect">
@@ -14909,7 +15415,7 @@
               <a:lstStyle/>
               <a:p>
                 <a:r>
-                  <a:rPr lang="en-US">
+                  <a:rPr lang="en-IN">
                     <a:noFill/>
                   </a:rPr>
                   <a:t> </a:t>
@@ -15241,7 +15747,7 @@
 </p:sld>
 </file>
 
-<file path=ppt/slides/slide8.xml><?xml version="1.0" encoding="utf-8"?>
+<file path=ppt/slides/slide7.xml><?xml version="1.0" encoding="utf-8"?>
 <p:sld xmlns:a="http://schemas.openxmlformats.org/drawingml/2006/main" xmlns:r="http://schemas.openxmlformats.org/officeDocument/2006/relationships" xmlns:p="http://schemas.openxmlformats.org/presentationml/2006/main">
   <p:cSld>
     <p:spTree>
@@ -15650,7 +16156,7 @@
 </p:sld>
 </file>
 
-<file path=ppt/slides/slide9.xml><?xml version="1.0" encoding="utf-8"?>
+<file path=ppt/slides/slide8.xml><?xml version="1.0" encoding="utf-8"?>
 <p:sld xmlns:a="http://schemas.openxmlformats.org/drawingml/2006/main" xmlns:r="http://schemas.openxmlformats.org/officeDocument/2006/relationships" xmlns:p="http://schemas.openxmlformats.org/presentationml/2006/main">
   <p:cSld>
     <p:spTree>
@@ -15742,6 +16248,538 @@
     <p:extLst>
       <p:ext uri="{BB962C8B-B14F-4D97-AF65-F5344CB8AC3E}">
         <p14:creationId xmlns:p14="http://schemas.microsoft.com/office/powerpoint/2010/main" val="2445201810"/>
+      </p:ext>
+    </p:extLst>
+  </p:cSld>
+  <p:clrMapOvr>
+    <a:masterClrMapping/>
+  </p:clrMapOvr>
+</p:sld>
+</file>
+
+<file path=ppt/slides/slide9.xml><?xml version="1.0" encoding="utf-8"?>
+<p:sld xmlns:a="http://schemas.openxmlformats.org/drawingml/2006/main" xmlns:r="http://schemas.openxmlformats.org/officeDocument/2006/relationships" xmlns:p="http://schemas.openxmlformats.org/presentationml/2006/main">
+  <p:cSld>
+    <p:spTree>
+      <p:nvGrpSpPr>
+        <p:cNvPr id="1" name=""/>
+        <p:cNvGrpSpPr/>
+        <p:nvPr/>
+      </p:nvGrpSpPr>
+      <p:grpSpPr>
+        <a:xfrm>
+          <a:off x="0" y="0"/>
+          <a:ext cx="0" cy="0"/>
+          <a:chOff x="0" y="0"/>
+          <a:chExt cx="0" cy="0"/>
+        </a:xfrm>
+      </p:grpSpPr>
+      <p:sp>
+        <p:nvSpPr>
+          <p:cNvPr id="2" name="TextBox 1">
+            <a:extLst>
+              <a:ext uri="{FF2B5EF4-FFF2-40B4-BE49-F238E27FC236}">
+                <a16:creationId xmlns:a16="http://schemas.microsoft.com/office/drawing/2014/main" id="{311258A6-5E19-4682-A65E-A757870F98BD}"/>
+              </a:ext>
+            </a:extLst>
+          </p:cNvPr>
+          <p:cNvSpPr txBox="1"/>
+          <p:nvPr/>
+        </p:nvSpPr>
+        <p:spPr>
+          <a:xfrm>
+            <a:off x="522512" y="466531"/>
+            <a:ext cx="8994711" cy="954107"/>
+          </a:xfrm>
+          <a:prstGeom prst="rect">
+            <a:avLst/>
+          </a:prstGeom>
+          <a:noFill/>
+        </p:spPr>
+        <p:txBody>
+          <a:bodyPr wrap="square" lIns="91440" tIns="45720" rIns="91440" bIns="45720" rtlCol="0" anchor="t">
+            <a:spAutoFit/>
+          </a:bodyPr>
+          <a:lstStyle/>
+          <a:p>
+            <a:r>
+              <a:rPr lang="en-IN" sz="2800" u="sng" dirty="0">
+                <a:solidFill>
+                  <a:srgbClr val="00B0F0"/>
+                </a:solidFill>
+              </a:rPr>
+              <a:t>What’s wrong with statement coverage/Line code coverage?</a:t>
+            </a:r>
+          </a:p>
+        </p:txBody>
+      </p:sp>
+      <p:sp>
+        <p:nvSpPr>
+          <p:cNvPr id="3" name="TextBox 2">
+            <a:extLst>
+              <a:ext uri="{FF2B5EF4-FFF2-40B4-BE49-F238E27FC236}">
+                <a16:creationId xmlns:a16="http://schemas.microsoft.com/office/drawing/2014/main" id="{71555661-44D6-4883-A504-50067E323F95}"/>
+              </a:ext>
+            </a:extLst>
+          </p:cNvPr>
+          <p:cNvSpPr txBox="1"/>
+          <p:nvPr/>
+        </p:nvSpPr>
+        <p:spPr>
+          <a:xfrm>
+            <a:off x="5645020" y="2976465"/>
+            <a:ext cx="914400" cy="914400"/>
+          </a:xfrm>
+          <a:prstGeom prst="rect">
+            <a:avLst/>
+          </a:prstGeom>
+          <a:noFill/>
+        </p:spPr>
+        <p:txBody>
+          <a:bodyPr wrap="square" rtlCol="0">
+            <a:spAutoFit/>
+          </a:bodyPr>
+          <a:lstStyle/>
+          <a:p>
+            <a:endParaRPr lang="en-IN"/>
+          </a:p>
+        </p:txBody>
+      </p:sp>
+      <p:sp>
+        <p:nvSpPr>
+          <p:cNvPr id="4" name="TextBox 3">
+            <a:extLst>
+              <a:ext uri="{FF2B5EF4-FFF2-40B4-BE49-F238E27FC236}">
+                <a16:creationId xmlns:a16="http://schemas.microsoft.com/office/drawing/2014/main" id="{639D51CB-63D8-4B37-A8DC-2FCD53242719}"/>
+              </a:ext>
+            </a:extLst>
+          </p:cNvPr>
+          <p:cNvSpPr txBox="1"/>
+          <p:nvPr/>
+        </p:nvSpPr>
+        <p:spPr>
+          <a:xfrm>
+            <a:off x="432317" y="1619635"/>
+            <a:ext cx="8487748" cy="5451429"/>
+          </a:xfrm>
+          <a:prstGeom prst="rect">
+            <a:avLst/>
+          </a:prstGeom>
+          <a:noFill/>
+        </p:spPr>
+        <p:txBody>
+          <a:bodyPr wrap="square" lIns="91440" tIns="45720" rIns="91440" bIns="45720" rtlCol="0" anchor="t">
+            <a:spAutoFit/>
+          </a:bodyPr>
+          <a:lstStyle/>
+          <a:p>
+            <a:pPr>
+              <a:lnSpc>
+                <a:spcPct val="107000"/>
+              </a:lnSpc>
+              <a:spcAft>
+                <a:spcPts val="800"/>
+              </a:spcAft>
+            </a:pPr>
+            <a:r>
+              <a:rPr lang="en-US" sz="1800" b="1">
+                <a:effectLst/>
+                <a:latin typeface="Trebuchet MS"/>
+                <a:ea typeface="Calibri" panose="020F0502020204030204" pitchFamily="34" charset="0"/>
+                <a:cs typeface="Mangal"/>
+              </a:rPr>
+              <a:t>Statement coverage</a:t>
+            </a:r>
+            <a:r>
+              <a:rPr lang="en-US" sz="1800">
+                <a:effectLst/>
+                <a:latin typeface="Trebuchet MS"/>
+                <a:ea typeface="Calibri" panose="020F0502020204030204" pitchFamily="34" charset="0"/>
+                <a:cs typeface="Mangal"/>
+              </a:rPr>
+              <a:t>:</a:t>
+            </a:r>
+          </a:p>
+          <a:p>
+            <a:pPr marL="285750" indent="-285750" algn="just">
+              <a:lnSpc>
+                <a:spcPct val="107000"/>
+              </a:lnSpc>
+              <a:spcAft>
+                <a:spcPts val="800"/>
+              </a:spcAft>
+              <a:buFont typeface="Arial" panose="020B0604020202020204" pitchFamily="34" charset="0"/>
+              <a:buChar char="•"/>
+            </a:pPr>
+            <a:r>
+              <a:rPr lang="en-US" sz="1600" i="1">
+                <a:solidFill>
+                  <a:srgbClr val="000000"/>
+                </a:solidFill>
+                <a:effectLst/>
+                <a:latin typeface="Trebuchet MS"/>
+                <a:ea typeface="Verdana"/>
+                <a:cs typeface="Verdana"/>
+              </a:rPr>
+              <a:t>Statement coverage</a:t>
+            </a:r>
+            <a:r>
+              <a:rPr lang="en-US" sz="1600">
+                <a:solidFill>
+                  <a:srgbClr val="000000"/>
+                </a:solidFill>
+                <a:effectLst/>
+                <a:latin typeface="Trebuchet MS"/>
+                <a:ea typeface="Verdana"/>
+                <a:cs typeface="Verdana"/>
+              </a:rPr>
+              <a:t> is a code coverage metric that tells you whether the flow of control reached every executable statement of source code at least once.</a:t>
+            </a:r>
+          </a:p>
+          <a:p>
+            <a:pPr marL="285750" indent="-285750" algn="just">
+              <a:lnSpc>
+                <a:spcPct val="107000"/>
+              </a:lnSpc>
+              <a:spcAft>
+                <a:spcPts val="800"/>
+              </a:spcAft>
+              <a:buFont typeface="Arial" panose="020B0604020202020204" pitchFamily="34" charset="0"/>
+              <a:buChar char="•"/>
+            </a:pPr>
+            <a:endParaRPr lang="en-IN" sz="1600">
+              <a:effectLst/>
+              <a:latin typeface="Trebuchet MS"/>
+              <a:ea typeface="Calibri" panose="020F0502020204030204" pitchFamily="34" charset="0"/>
+              <a:cs typeface="Mangal" panose="02040503050203030202" pitchFamily="18" charset="0"/>
+            </a:endParaRPr>
+          </a:p>
+          <a:p>
+            <a:pPr algn="just">
+              <a:lnSpc>
+                <a:spcPct val="107000"/>
+              </a:lnSpc>
+              <a:spcAft>
+                <a:spcPts val="800"/>
+              </a:spcAft>
+            </a:pPr>
+            <a:endParaRPr lang="en-IN" sz="1600">
+              <a:latin typeface="Trebuchet MS"/>
+              <a:ea typeface="Calibri" panose="020F0502020204030204" pitchFamily="34" charset="0"/>
+              <a:cs typeface="Mangal" panose="02040503050203030202" pitchFamily="18" charset="0"/>
+            </a:endParaRPr>
+          </a:p>
+          <a:p>
+            <a:pPr algn="just">
+              <a:lnSpc>
+                <a:spcPct val="107000"/>
+              </a:lnSpc>
+              <a:spcAft>
+                <a:spcPts val="800"/>
+              </a:spcAft>
+            </a:pPr>
+            <a:endParaRPr lang="en-IN" sz="1600">
+              <a:solidFill>
+                <a:srgbClr val="000000"/>
+              </a:solidFill>
+              <a:latin typeface="Trebuchet MS"/>
+              <a:ea typeface="Verdana" panose="020B0604030504040204" pitchFamily="34" charset="0"/>
+              <a:cs typeface="Mangal"/>
+            </a:endParaRPr>
+          </a:p>
+          <a:p>
+            <a:pPr marL="285750" indent="-285750" algn="just">
+              <a:lnSpc>
+                <a:spcPct val="107000"/>
+              </a:lnSpc>
+              <a:spcAft>
+                <a:spcPts val="800"/>
+              </a:spcAft>
+              <a:buFont typeface="Arial" panose="020B0604020202020204" pitchFamily="34" charset="0"/>
+              <a:buChar char="•"/>
+            </a:pPr>
+            <a:r>
+              <a:rPr lang="en-US" sz="1600">
+                <a:solidFill>
+                  <a:srgbClr val="000000"/>
+                </a:solidFill>
+                <a:effectLst/>
+                <a:latin typeface="Trebuchet MS"/>
+                <a:ea typeface="Verdana"/>
+                <a:cs typeface="Verdana"/>
+              </a:rPr>
+              <a:t>Of all the structural coverage criteria, statement coverage is the weakest, indicating the fewest number of test cases. Bugs can easily occur in the cases that statement coverage cannot see.</a:t>
+            </a:r>
+          </a:p>
+          <a:p>
+            <a:pPr marL="285750" indent="-285750" algn="just">
+              <a:lnSpc>
+                <a:spcPct val="107000"/>
+              </a:lnSpc>
+              <a:spcAft>
+                <a:spcPts val="800"/>
+              </a:spcAft>
+              <a:buFont typeface="Arial" panose="020B0604020202020204" pitchFamily="34" charset="0"/>
+              <a:buChar char="•"/>
+            </a:pPr>
+            <a:endParaRPr lang="en-US" sz="1600">
+              <a:solidFill>
+                <a:srgbClr val="000000"/>
+              </a:solidFill>
+              <a:latin typeface="Trebuchet MS"/>
+              <a:ea typeface="Verdana"/>
+              <a:cs typeface="Verdana"/>
+            </a:endParaRPr>
+          </a:p>
+          <a:p>
+            <a:pPr marL="285750" indent="-285750" algn="just">
+              <a:lnSpc>
+                <a:spcPct val="107000"/>
+              </a:lnSpc>
+              <a:spcAft>
+                <a:spcPts val="800"/>
+              </a:spcAft>
+              <a:buFont typeface="Arial" panose="020B0604020202020204" pitchFamily="34" charset="0"/>
+              <a:buChar char="•"/>
+            </a:pPr>
+            <a:r>
+              <a:rPr lang="en-US" sz="1600">
+                <a:solidFill>
+                  <a:srgbClr val="000000"/>
+                </a:solidFill>
+                <a:effectLst/>
+                <a:latin typeface="Trebuchet MS"/>
+                <a:ea typeface="Verdana"/>
+                <a:cs typeface="Verdana"/>
+              </a:rPr>
+              <a:t>In particular, statement coverage does not call for testing the following:</a:t>
+            </a:r>
+          </a:p>
+          <a:p>
+            <a:pPr marL="628650" lvl="1" indent="-171450" algn="just">
+              <a:lnSpc>
+                <a:spcPct val="107000"/>
+              </a:lnSpc>
+              <a:buFont typeface="Arial"/>
+              <a:buChar char="•"/>
+            </a:pPr>
+            <a:r>
+              <a:rPr lang="en-US" sz="1600">
+                <a:latin typeface="Trebuchet MS"/>
+                <a:ea typeface="Verdana"/>
+                <a:cs typeface="Verdana"/>
+              </a:rPr>
+              <a:t>Simple If Statements</a:t>
+            </a:r>
+            <a:endParaRPr lang="en-US" sz="1600">
+              <a:effectLst/>
+              <a:latin typeface="Trebuchet MS"/>
+              <a:ea typeface="Verdana"/>
+              <a:cs typeface="Verdana"/>
+            </a:endParaRPr>
+          </a:p>
+          <a:p>
+            <a:pPr marL="628650" lvl="1" indent="-171450" algn="just">
+              <a:lnSpc>
+                <a:spcPct val="107000"/>
+              </a:lnSpc>
+              <a:buFont typeface="Arial"/>
+              <a:buChar char="•"/>
+            </a:pPr>
+            <a:r>
+              <a:rPr lang="en-US" sz="1600">
+                <a:latin typeface="Trebuchet MS"/>
+                <a:ea typeface="Verdana"/>
+                <a:cs typeface="Verdana"/>
+              </a:rPr>
+              <a:t>Logic Operators</a:t>
+            </a:r>
+            <a:r>
+              <a:rPr lang="en-US" sz="1600">
+                <a:effectLst/>
+                <a:latin typeface="Trebuchet MS"/>
+                <a:ea typeface="Verdana"/>
+                <a:cs typeface="Verdana"/>
+              </a:rPr>
+              <a:t>(</a:t>
+            </a:r>
+            <a:r>
+              <a:rPr lang="en-US" sz="1600">
+                <a:effectLst/>
+                <a:latin typeface="Trebuchet MS"/>
+                <a:ea typeface="Consolas" panose="020B0609020204030204" pitchFamily="49" charset="0"/>
+                <a:cs typeface="Consolas" panose="020B0609020204030204" pitchFamily="49" charset="0"/>
+              </a:rPr>
+              <a:t>&amp;&amp;</a:t>
+            </a:r>
+            <a:r>
+              <a:rPr lang="en-US" sz="1600">
+                <a:effectLst/>
+                <a:latin typeface="Trebuchet MS"/>
+                <a:ea typeface="Verdana"/>
+                <a:cs typeface="Verdana"/>
+              </a:rPr>
+              <a:t>, </a:t>
+            </a:r>
+            <a:r>
+              <a:rPr lang="en-US" sz="1600">
+                <a:effectLst/>
+                <a:latin typeface="Trebuchet MS"/>
+                <a:ea typeface="Consolas" panose="020B0609020204030204" pitchFamily="49" charset="0"/>
+                <a:cs typeface="Consolas" panose="020B0609020204030204" pitchFamily="49" charset="0"/>
+              </a:rPr>
+              <a:t>||</a:t>
+            </a:r>
+            <a:r>
+              <a:rPr lang="en-US" sz="1600">
+                <a:effectLst/>
+                <a:latin typeface="Trebuchet MS"/>
+                <a:ea typeface="Verdana"/>
+                <a:cs typeface="Verdana"/>
+              </a:rPr>
+              <a:t>, and </a:t>
+            </a:r>
+            <a:r>
+              <a:rPr lang="en-US" sz="1600">
+                <a:effectLst/>
+                <a:latin typeface="Trebuchet MS"/>
+                <a:ea typeface="Consolas" panose="020B0609020204030204" pitchFamily="49" charset="0"/>
+                <a:cs typeface="Consolas" panose="020B0609020204030204" pitchFamily="49" charset="0"/>
+              </a:rPr>
+              <a:t>?:</a:t>
+            </a:r>
+            <a:r>
+              <a:rPr lang="en-US" sz="1600">
+                <a:effectLst/>
+                <a:latin typeface="Trebuchet MS"/>
+                <a:ea typeface="Verdana"/>
+                <a:cs typeface="Verdana"/>
+              </a:rPr>
+              <a:t>)</a:t>
+            </a:r>
+            <a:endParaRPr lang="en-IN" sz="1600">
+              <a:effectLst/>
+              <a:latin typeface="Trebuchet MS"/>
+              <a:ea typeface="Verdana"/>
+              <a:cs typeface="Verdana"/>
+            </a:endParaRPr>
+          </a:p>
+          <a:p>
+            <a:pPr marL="628650" lvl="1" indent="-171450" algn="just">
+              <a:lnSpc>
+                <a:spcPct val="107000"/>
+              </a:lnSpc>
+              <a:buFont typeface="Arial"/>
+              <a:buChar char="•"/>
+            </a:pPr>
+            <a:r>
+              <a:rPr lang="en-US" sz="1600">
+                <a:latin typeface="Trebuchet MS"/>
+                <a:ea typeface="Verdana"/>
+                <a:cs typeface="Verdana"/>
+              </a:rPr>
+              <a:t>Loop terminations decisions</a:t>
+            </a:r>
+          </a:p>
+          <a:p>
+            <a:pPr marL="628650" lvl="1" indent="-171450" algn="just">
+              <a:lnSpc>
+                <a:spcPct val="107000"/>
+              </a:lnSpc>
+              <a:buFont typeface="Arial"/>
+              <a:buChar char="•"/>
+            </a:pPr>
+            <a:r>
+              <a:rPr lang="en-US" sz="1600">
+                <a:latin typeface="Trebuchet MS"/>
+                <a:ea typeface="Verdana"/>
+                <a:cs typeface="Verdana"/>
+              </a:rPr>
+              <a:t>Do-while loops</a:t>
+            </a:r>
+            <a:endParaRPr lang="en-IN" sz="1600">
+              <a:effectLst/>
+              <a:latin typeface="Trebuchet MS"/>
+              <a:ea typeface="Verdana"/>
+              <a:cs typeface="Verdana"/>
+            </a:endParaRPr>
+          </a:p>
+          <a:p>
+            <a:pPr marL="285750" indent="-285750">
+              <a:lnSpc>
+                <a:spcPct val="107000"/>
+              </a:lnSpc>
+              <a:spcAft>
+                <a:spcPts val="800"/>
+              </a:spcAft>
+              <a:buFont typeface="Arial" panose="020B0604020202020204" pitchFamily="34" charset="0"/>
+              <a:buChar char="•"/>
+            </a:pPr>
+            <a:endParaRPr lang="en-IN" sz="1400">
+              <a:effectLst/>
+              <a:latin typeface="Trebuchet MS"/>
+              <a:ea typeface="Calibri" panose="020F0502020204030204" pitchFamily="34" charset="0"/>
+              <a:cs typeface="Mangal" panose="02040503050203030202" pitchFamily="18" charset="0"/>
+            </a:endParaRPr>
+          </a:p>
+          <a:p>
+            <a:pPr marL="285750" indent="-285750">
+              <a:lnSpc>
+                <a:spcPct val="107000"/>
+              </a:lnSpc>
+              <a:spcAft>
+                <a:spcPts val="800"/>
+              </a:spcAft>
+              <a:buFont typeface="Arial" panose="020B0604020202020204" pitchFamily="34" charset="0"/>
+              <a:buChar char="•"/>
+            </a:pPr>
+            <a:endParaRPr lang="en-IN" sz="1400">
+              <a:effectLst/>
+              <a:latin typeface="Trebuchet MS"/>
+              <a:ea typeface="Calibri" panose="020F0502020204030204" pitchFamily="34" charset="0"/>
+              <a:cs typeface="Mangal" panose="02040503050203030202" pitchFamily="18" charset="0"/>
+            </a:endParaRPr>
+          </a:p>
+        </p:txBody>
+      </p:sp>
+      <p:pic>
+        <p:nvPicPr>
+          <p:cNvPr id="5" name="Picture 4">
+            <a:extLst>
+              <a:ext uri="{FF2B5EF4-FFF2-40B4-BE49-F238E27FC236}">
+                <a16:creationId xmlns:a16="http://schemas.microsoft.com/office/drawing/2014/main" id="{30260E5B-F2D4-44E3-B16F-9A90C5BDEF9B}"/>
+              </a:ext>
+            </a:extLst>
+          </p:cNvPr>
+          <p:cNvPicPr/>
+          <p:nvPr/>
+        </p:nvPicPr>
+        <p:blipFill>
+          <a:blip r:embed="rId2">
+            <a:extLst>
+              <a:ext uri="{28A0092B-C50C-407E-A947-70E740481C1C}">
+                <a14:useLocalDpi xmlns:a14="http://schemas.microsoft.com/office/drawing/2010/main" val="0"/>
+              </a:ext>
+            </a:extLst>
+          </a:blip>
+          <a:stretch>
+            <a:fillRect/>
+          </a:stretch>
+        </p:blipFill>
+        <p:spPr>
+          <a:xfrm>
+            <a:off x="752669" y="2636189"/>
+            <a:ext cx="4572000" cy="508227"/>
+          </a:xfrm>
+          <a:prstGeom prst="rect">
+            <a:avLst/>
+          </a:prstGeom>
+        </p:spPr>
+      </p:pic>
+    </p:spTree>
+    <p:extLst>
+      <p:ext uri="{BB962C8B-B14F-4D97-AF65-F5344CB8AC3E}">
+        <p14:creationId xmlns:p14="http://schemas.microsoft.com/office/powerpoint/2010/main" val="889828281"/>
       </p:ext>
     </p:extLst>
   </p:cSld>
